--- a/Slides/src/agile-dev-processes-5-testing-tutorial.pptx
+++ b/Slides/src/agile-dev-processes-5-testing-tutorial.pptx
@@ -6,14 +6,18 @@
     <p:sldMasterId id="2147483672" r:id="rId2"/>
   </p:sldMasterIdLst>
   <p:notesMasterIdLst>
-    <p:notesMasterId r:id="rId8"/>
+    <p:notesMasterId r:id="rId12"/>
   </p:notesMasterIdLst>
   <p:sldIdLst>
     <p:sldId id="256" r:id="rId3"/>
-    <p:sldId id="258" r:id="rId4"/>
-    <p:sldId id="259" r:id="rId5"/>
-    <p:sldId id="261" r:id="rId6"/>
-    <p:sldId id="262" r:id="rId7"/>
+    <p:sldId id="263" r:id="rId4"/>
+    <p:sldId id="265" r:id="rId5"/>
+    <p:sldId id="267" r:id="rId6"/>
+    <p:sldId id="268" r:id="rId7"/>
+    <p:sldId id="258" r:id="rId8"/>
+    <p:sldId id="259" r:id="rId9"/>
+    <p:sldId id="261" r:id="rId10"/>
+    <p:sldId id="262" r:id="rId11"/>
   </p:sldIdLst>
   <p:sldSz cx="9144000" cy="6858000" type="screen4x3"/>
   <p:notesSz cx="6858000" cy="9144000"/>
@@ -197,6 +201,7 @@
           <a:p>
             <a:fld id="{F33C8344-D6E6-BE42-B39A-60D7108D0665}" type="datetimeFigureOut">
               <a:rPr lang="en-US" smtClean="0"/>
+              <a:pPr/>
               <a:t>3/28/14</a:t>
             </a:fld>
             <a:endParaRPr lang="en-US"/>
@@ -356,6 +361,7 @@
           <a:p>
             <a:fld id="{A4A0CC6F-90BF-B945-83E5-E3CD64F089DB}" type="slidenum">
               <a:rPr lang="en-US" smtClean="0"/>
+              <a:pPr/>
               <a:t>‹#›</a:t>
             </a:fld>
             <a:endParaRPr lang="en-US"/>
@@ -484,6 +490,229 @@
       </p:grpSpPr>
       <p:sp>
         <p:nvSpPr>
+          <p:cNvPr id="2" name="Slide Image Placeholder 1"/>
+          <p:cNvSpPr>
+            <a:spLocks noGrp="1" noRot="1" noChangeAspect="1"/>
+          </p:cNvSpPr>
+          <p:nvPr>
+            <p:ph type="sldImg"/>
+          </p:nvPr>
+        </p:nvSpPr>
+        <p:spPr/>
+      </p:sp>
+      <p:sp>
+        <p:nvSpPr>
+          <p:cNvPr id="3" name="Notes Placeholder 2"/>
+          <p:cNvSpPr>
+            <a:spLocks noGrp="1"/>
+          </p:cNvSpPr>
+          <p:nvPr>
+            <p:ph type="body" idx="1"/>
+          </p:nvPr>
+        </p:nvSpPr>
+        <p:spPr/>
+        <p:txBody>
+          <a:bodyPr>
+            <a:normAutofit/>
+          </a:bodyPr>
+          <a:lstStyle/>
+          <a:p>
+            <a:r>
+              <a:rPr lang="en-US" dirty="0" smtClean="0"/>
+              <a:t>Systems are hierarchal</a:t>
+            </a:r>
+          </a:p>
+          <a:p>
+            <a:r>
+              <a:rPr lang="en-US" dirty="0" smtClean="0"/>
+              <a:t>For each level there are different ways of performing testing</a:t>
+            </a:r>
+          </a:p>
+          <a:p>
+            <a:r>
+              <a:rPr lang="en-US" dirty="0" smtClean="0"/>
+              <a:t>Currently,</a:t>
+            </a:r>
+            <a:r>
+              <a:rPr lang="en-US" baseline="0" dirty="0" smtClean="0"/>
+              <a:t> GUI-based system and acceptance testing is still manual</a:t>
+            </a:r>
+          </a:p>
+          <a:p>
+            <a:r>
+              <a:rPr lang="en-US" baseline="0" dirty="0" smtClean="0"/>
+              <a:t>This is where VGT comes in</a:t>
+            </a:r>
+            <a:endParaRPr lang="en-US" dirty="0" smtClean="0"/>
+          </a:p>
+          <a:p>
+            <a:endParaRPr lang="en-US" dirty="0"/>
+          </a:p>
+        </p:txBody>
+      </p:sp>
+      <p:sp>
+        <p:nvSpPr>
+          <p:cNvPr id="4" name="Slide Number Placeholder 3"/>
+          <p:cNvSpPr>
+            <a:spLocks noGrp="1"/>
+          </p:cNvSpPr>
+          <p:nvPr>
+            <p:ph type="sldNum" sz="quarter" idx="10"/>
+          </p:nvPr>
+        </p:nvSpPr>
+        <p:spPr/>
+        <p:txBody>
+          <a:bodyPr/>
+          <a:lstStyle/>
+          <a:p>
+            <a:fld id="{C00D1B50-049C-0D47-A174-C6FE5F58331F}" type="slidenum">
+              <a:rPr lang="en-US" smtClean="0"/>
+              <a:pPr/>
+              <a:t>3</a:t>
+            </a:fld>
+            <a:endParaRPr lang="en-US"/>
+          </a:p>
+        </p:txBody>
+      </p:sp>
+    </p:spTree>
+  </p:cSld>
+  <p:clrMapOvr>
+    <a:masterClrMapping/>
+  </p:clrMapOvr>
+</p:notes>
+</file>
+
+<file path=ppt/notesSlides/notesSlide2.xml><?xml version="1.0" encoding="utf-8"?>
+<p:notes xmlns:a="http://schemas.openxmlformats.org/drawingml/2006/main" xmlns:r="http://schemas.openxmlformats.org/officeDocument/2006/relationships" xmlns:p="http://schemas.openxmlformats.org/presentationml/2006/main">
+  <p:cSld>
+    <p:spTree>
+      <p:nvGrpSpPr>
+        <p:cNvPr id="1" name=""/>
+        <p:cNvGrpSpPr/>
+        <p:nvPr/>
+      </p:nvGrpSpPr>
+      <p:grpSpPr>
+        <a:xfrm>
+          <a:off x="0" y="0"/>
+          <a:ext cx="0" cy="0"/>
+          <a:chOff x="0" y="0"/>
+          <a:chExt cx="0" cy="0"/>
+        </a:xfrm>
+      </p:grpSpPr>
+      <p:sp>
+        <p:nvSpPr>
+          <p:cNvPr id="2" name="Slide Image Placeholder 1"/>
+          <p:cNvSpPr>
+            <a:spLocks noGrp="1" noRot="1" noChangeAspect="1"/>
+          </p:cNvSpPr>
+          <p:nvPr>
+            <p:ph type="sldImg"/>
+          </p:nvPr>
+        </p:nvSpPr>
+        <p:spPr/>
+      </p:sp>
+      <p:sp>
+        <p:nvSpPr>
+          <p:cNvPr id="3" name="Notes Placeholder 2"/>
+          <p:cNvSpPr>
+            <a:spLocks noGrp="1"/>
+          </p:cNvSpPr>
+          <p:nvPr>
+            <p:ph type="body" idx="1"/>
+          </p:nvPr>
+        </p:nvSpPr>
+        <p:spPr/>
+        <p:txBody>
+          <a:bodyPr>
+            <a:normAutofit/>
+          </a:bodyPr>
+          <a:lstStyle/>
+          <a:p>
+            <a:r>
+              <a:rPr lang="en-US" dirty="0" smtClean="0"/>
+              <a:t>Unit tests: Test</a:t>
+            </a:r>
+            <a:r>
+              <a:rPr lang="en-US" baseline="0" dirty="0" smtClean="0"/>
+              <a:t> individual components. Good at finding low level bugs. However, GUI interaction may stimulate many components at once. Therefore a unit test would have to stimulate all these components, also in chronological order, which makes the test cases complex and therefore costly to maintain.</a:t>
+            </a:r>
+          </a:p>
+          <a:p>
+            <a:endParaRPr lang="en-US" baseline="0" dirty="0" smtClean="0"/>
+          </a:p>
+          <a:p>
+            <a:r>
+              <a:rPr lang="en-US" baseline="0" dirty="0" smtClean="0"/>
+              <a:t>Record and replay: High-level tests that emulate human user behavior. There are two types. The first based on coordinates, which break easily if the GUI is changed. The second is based on properties of components of the SUT. However, these can also break from changes to the GUI components properties, the source code or connected APIs.</a:t>
+            </a:r>
+          </a:p>
+          <a:p>
+            <a:endParaRPr lang="en-US" baseline="0" dirty="0" smtClean="0"/>
+          </a:p>
+          <a:p>
+            <a:r>
+              <a:rPr lang="en-US" baseline="0" dirty="0" smtClean="0"/>
+              <a:t>This leaves a need for further research into GUI-</a:t>
+            </a:r>
+            <a:r>
+              <a:rPr lang="en-US" baseline="0" smtClean="0"/>
+              <a:t>based testing.</a:t>
+            </a:r>
+            <a:endParaRPr lang="en-US" dirty="0"/>
+          </a:p>
+        </p:txBody>
+      </p:sp>
+      <p:sp>
+        <p:nvSpPr>
+          <p:cNvPr id="4" name="Slide Number Placeholder 3"/>
+          <p:cNvSpPr>
+            <a:spLocks noGrp="1"/>
+          </p:cNvSpPr>
+          <p:nvPr>
+            <p:ph type="sldNum" sz="quarter" idx="10"/>
+          </p:nvPr>
+        </p:nvSpPr>
+        <p:spPr/>
+        <p:txBody>
+          <a:bodyPr/>
+          <a:lstStyle/>
+          <a:p>
+            <a:fld id="{C00D1B50-049C-0D47-A174-C6FE5F58331F}" type="slidenum">
+              <a:rPr lang="en-US" smtClean="0"/>
+              <a:pPr/>
+              <a:t>4</a:t>
+            </a:fld>
+            <a:endParaRPr lang="en-US"/>
+          </a:p>
+        </p:txBody>
+      </p:sp>
+    </p:spTree>
+  </p:cSld>
+  <p:clrMapOvr>
+    <a:masterClrMapping/>
+  </p:clrMapOvr>
+</p:notes>
+</file>
+
+<file path=ppt/notesSlides/notesSlide3.xml><?xml version="1.0" encoding="utf-8"?>
+<p:notes xmlns:a="http://schemas.openxmlformats.org/drawingml/2006/main" xmlns:r="http://schemas.openxmlformats.org/officeDocument/2006/relationships" xmlns:p="http://schemas.openxmlformats.org/presentationml/2006/main">
+  <p:cSld>
+    <p:spTree>
+      <p:nvGrpSpPr>
+        <p:cNvPr id="1" name=""/>
+        <p:cNvGrpSpPr/>
+        <p:nvPr/>
+      </p:nvGrpSpPr>
+      <p:grpSpPr>
+        <a:xfrm>
+          <a:off x="0" y="0"/>
+          <a:ext cx="0" cy="0"/>
+          <a:chOff x="0" y="0"/>
+          <a:chExt cx="0" cy="0"/>
+        </a:xfrm>
+      </p:grpSpPr>
+      <p:sp>
+        <p:nvSpPr>
           <p:cNvPr id="219138" name="Rectangle 2"/>
           <p:cNvSpPr>
             <a:spLocks noGrp="1" noChangeArrowheads="1"/>
@@ -573,7 +802,7 @@
             <a:fld id="{BED671AD-D8CC-4638-912B-48EAE6521A49}" type="slidenum">
               <a:rPr lang="de-DE" smtClean="0"/>
               <a:pPr/>
-              <a:t>4</a:t>
+              <a:t>8</a:t>
             </a:fld>
             <a:endParaRPr lang="de-DE" smtClean="0"/>
           </a:p>
@@ -824,6 +1053,7 @@
           <a:p>
             <a:fld id="{C141C78E-E5EE-CD49-97E6-F89D7F90D872}" type="datetimeFigureOut">
               <a:rPr lang="en-US" smtClean="0"/>
+              <a:pPr/>
               <a:t>3/28/14</a:t>
             </a:fld>
             <a:endParaRPr lang="en-US"/>
@@ -866,6 +1096,7 @@
           <a:p>
             <a:fld id="{EBA70177-F5DF-B842-9FDA-6545B66C8610}" type="slidenum">
               <a:rPr lang="en-US" smtClean="0"/>
+              <a:pPr/>
               <a:t>‹#›</a:t>
             </a:fld>
             <a:endParaRPr lang="en-US"/>
@@ -994,6 +1225,7 @@
           <a:p>
             <a:fld id="{C141C78E-E5EE-CD49-97E6-F89D7F90D872}" type="datetimeFigureOut">
               <a:rPr lang="en-US" smtClean="0"/>
+              <a:pPr/>
               <a:t>3/28/14</a:t>
             </a:fld>
             <a:endParaRPr lang="en-US"/>
@@ -1036,6 +1268,7 @@
           <a:p>
             <a:fld id="{EBA70177-F5DF-B842-9FDA-6545B66C8610}" type="slidenum">
               <a:rPr lang="en-US" smtClean="0"/>
+              <a:pPr/>
               <a:t>‹#›</a:t>
             </a:fld>
             <a:endParaRPr lang="en-US"/>
@@ -1174,6 +1407,7 @@
           <a:p>
             <a:fld id="{C141C78E-E5EE-CD49-97E6-F89D7F90D872}" type="datetimeFigureOut">
               <a:rPr lang="en-US" smtClean="0"/>
+              <a:pPr/>
               <a:t>3/28/14</a:t>
             </a:fld>
             <a:endParaRPr lang="en-US"/>
@@ -1216,6 +1450,7 @@
           <a:p>
             <a:fld id="{EBA70177-F5DF-B842-9FDA-6545B66C8610}" type="slidenum">
               <a:rPr lang="en-US" smtClean="0"/>
+              <a:pPr/>
               <a:t>‹#›</a:t>
             </a:fld>
             <a:endParaRPr lang="en-US"/>
@@ -3326,6 +3561,7 @@
           <a:p>
             <a:fld id="{C141C78E-E5EE-CD49-97E6-F89D7F90D872}" type="datetimeFigureOut">
               <a:rPr lang="en-US" smtClean="0"/>
+              <a:pPr/>
               <a:t>3/28/14</a:t>
             </a:fld>
             <a:endParaRPr lang="en-US"/>
@@ -3368,6 +3604,7 @@
           <a:p>
             <a:fld id="{EBA70177-F5DF-B842-9FDA-6545B66C8610}" type="slidenum">
               <a:rPr lang="en-US" smtClean="0"/>
+              <a:pPr/>
               <a:t>‹#›</a:t>
             </a:fld>
             <a:endParaRPr lang="en-US"/>
@@ -4071,6 +4308,7 @@
           <a:p>
             <a:fld id="{C141C78E-E5EE-CD49-97E6-F89D7F90D872}" type="datetimeFigureOut">
               <a:rPr lang="en-US" smtClean="0"/>
+              <a:pPr/>
               <a:t>3/28/14</a:t>
             </a:fld>
             <a:endParaRPr lang="en-US"/>
@@ -4113,6 +4351,7 @@
           <a:p>
             <a:fld id="{EBA70177-F5DF-B842-9FDA-6545B66C8610}" type="slidenum">
               <a:rPr lang="en-US" smtClean="0"/>
+              <a:pPr/>
               <a:t>‹#›</a:t>
             </a:fld>
             <a:endParaRPr lang="en-US"/>
@@ -4359,6 +4598,7 @@
           <a:p>
             <a:fld id="{C141C78E-E5EE-CD49-97E6-F89D7F90D872}" type="datetimeFigureOut">
               <a:rPr lang="en-US" smtClean="0"/>
+              <a:pPr/>
               <a:t>3/28/14</a:t>
             </a:fld>
             <a:endParaRPr lang="en-US"/>
@@ -4401,6 +4641,7 @@
           <a:p>
             <a:fld id="{EBA70177-F5DF-B842-9FDA-6545B66C8610}" type="slidenum">
               <a:rPr lang="en-US" smtClean="0"/>
+              <a:pPr/>
               <a:t>‹#›</a:t>
             </a:fld>
             <a:endParaRPr lang="en-US"/>
@@ -4781,6 +5022,7 @@
           <a:p>
             <a:fld id="{C141C78E-E5EE-CD49-97E6-F89D7F90D872}" type="datetimeFigureOut">
               <a:rPr lang="en-US" smtClean="0"/>
+              <a:pPr/>
               <a:t>3/28/14</a:t>
             </a:fld>
             <a:endParaRPr lang="en-US"/>
@@ -4823,6 +5065,7 @@
           <a:p>
             <a:fld id="{EBA70177-F5DF-B842-9FDA-6545B66C8610}" type="slidenum">
               <a:rPr lang="en-US" smtClean="0"/>
+              <a:pPr/>
               <a:t>‹#›</a:t>
             </a:fld>
             <a:endParaRPr lang="en-US"/>
@@ -4899,6 +5142,7 @@
           <a:p>
             <a:fld id="{C141C78E-E5EE-CD49-97E6-F89D7F90D872}" type="datetimeFigureOut">
               <a:rPr lang="en-US" smtClean="0"/>
+              <a:pPr/>
               <a:t>3/28/14</a:t>
             </a:fld>
             <a:endParaRPr lang="en-US"/>
@@ -4941,6 +5185,7 @@
           <a:p>
             <a:fld id="{EBA70177-F5DF-B842-9FDA-6545B66C8610}" type="slidenum">
               <a:rPr lang="en-US" smtClean="0"/>
+              <a:pPr/>
               <a:t>‹#›</a:t>
             </a:fld>
             <a:endParaRPr lang="en-US"/>
@@ -4994,6 +5239,7 @@
           <a:p>
             <a:fld id="{C141C78E-E5EE-CD49-97E6-F89D7F90D872}" type="datetimeFigureOut">
               <a:rPr lang="en-US" smtClean="0"/>
+              <a:pPr/>
               <a:t>3/28/14</a:t>
             </a:fld>
             <a:endParaRPr lang="en-US"/>
@@ -5036,6 +5282,7 @@
           <a:p>
             <a:fld id="{EBA70177-F5DF-B842-9FDA-6545B66C8610}" type="slidenum">
               <a:rPr lang="en-US" smtClean="0"/>
+              <a:pPr/>
               <a:t>‹#›</a:t>
             </a:fld>
             <a:endParaRPr lang="en-US"/>
@@ -5271,6 +5518,7 @@
           <a:p>
             <a:fld id="{C141C78E-E5EE-CD49-97E6-F89D7F90D872}" type="datetimeFigureOut">
               <a:rPr lang="en-US" smtClean="0"/>
+              <a:pPr/>
               <a:t>3/28/14</a:t>
             </a:fld>
             <a:endParaRPr lang="en-US"/>
@@ -5313,6 +5561,7 @@
           <a:p>
             <a:fld id="{EBA70177-F5DF-B842-9FDA-6545B66C8610}" type="slidenum">
               <a:rPr lang="en-US" smtClean="0"/>
+              <a:pPr/>
               <a:t>‹#›</a:t>
             </a:fld>
             <a:endParaRPr lang="en-US"/>
@@ -5528,6 +5777,7 @@
           <a:p>
             <a:fld id="{C141C78E-E5EE-CD49-97E6-F89D7F90D872}" type="datetimeFigureOut">
               <a:rPr lang="en-US" smtClean="0"/>
+              <a:pPr/>
               <a:t>3/28/14</a:t>
             </a:fld>
             <a:endParaRPr lang="en-US"/>
@@ -5570,6 +5820,7 @@
           <a:p>
             <a:fld id="{EBA70177-F5DF-B842-9FDA-6545B66C8610}" type="slidenum">
               <a:rPr lang="en-US" smtClean="0"/>
+              <a:pPr/>
               <a:t>‹#›</a:t>
             </a:fld>
             <a:endParaRPr lang="en-US"/>
@@ -5741,6 +5992,7 @@
           <a:p>
             <a:fld id="{C141C78E-E5EE-CD49-97E6-F89D7F90D872}" type="datetimeFigureOut">
               <a:rPr lang="en-US" smtClean="0"/>
+              <a:pPr/>
               <a:t>3/28/14</a:t>
             </a:fld>
             <a:endParaRPr lang="en-US"/>
@@ -5819,6 +6071,7 @@
           <a:p>
             <a:fld id="{EBA70177-F5DF-B842-9FDA-6545B66C8610}" type="slidenum">
               <a:rPr lang="en-US" smtClean="0"/>
+              <a:pPr/>
               <a:t>‹#›</a:t>
             </a:fld>
             <a:endParaRPr lang="en-US"/>
@@ -6900,7 +7153,19 @@
           <a:p>
             <a:r>
               <a:rPr lang="en-US" dirty="0" smtClean="0"/>
-              <a:t>Eric Knauss</a:t>
+              <a:t>Eric </a:t>
+            </a:r>
+            <a:r>
+              <a:rPr lang="en-US" dirty="0" err="1" smtClean="0"/>
+              <a:t>Knauss</a:t>
+            </a:r>
+            <a:r>
+              <a:rPr lang="en-US" dirty="0" smtClean="0"/>
+              <a:t> and Emil </a:t>
+            </a:r>
+            <a:r>
+              <a:rPr lang="en-US" dirty="0" err="1" smtClean="0"/>
+              <a:t>Alégroth</a:t>
             </a:r>
             <a:endParaRPr lang="en-US" dirty="0"/>
           </a:p>
@@ -6948,6 +7213,5719 @@
       </p:grpSpPr>
       <p:sp>
         <p:nvSpPr>
+          <p:cNvPr id="2" name="Title 1"/>
+          <p:cNvSpPr>
+            <a:spLocks noGrp="1"/>
+          </p:cNvSpPr>
+          <p:nvPr>
+            <p:ph type="title"/>
+          </p:nvPr>
+        </p:nvSpPr>
+        <p:spPr/>
+        <p:txBody>
+          <a:bodyPr/>
+          <a:lstStyle/>
+          <a:p>
+            <a:r>
+              <a:rPr lang="en-GB" dirty="0" smtClean="0"/>
+              <a:t>Background to Testing</a:t>
+            </a:r>
+            <a:endParaRPr lang="en-GB" dirty="0"/>
+          </a:p>
+        </p:txBody>
+      </p:sp>
+      <p:sp>
+        <p:nvSpPr>
+          <p:cNvPr id="3" name="Content Placeholder 2"/>
+          <p:cNvSpPr>
+            <a:spLocks noGrp="1"/>
+          </p:cNvSpPr>
+          <p:nvPr>
+            <p:ph idx="1"/>
+          </p:nvPr>
+        </p:nvSpPr>
+        <p:spPr/>
+        <p:txBody>
+          <a:bodyPr/>
+          <a:lstStyle/>
+          <a:p>
+            <a:r>
+              <a:rPr lang="en-GB" dirty="0" smtClean="0"/>
+              <a:t>Why do we test?</a:t>
+            </a:r>
+          </a:p>
+          <a:p>
+            <a:pPr lvl="1"/>
+            <a:r>
+              <a:rPr lang="en-GB" dirty="0" smtClean="0"/>
+              <a:t>Check that the system under test (SUT) works!</a:t>
+            </a:r>
+          </a:p>
+          <a:p>
+            <a:pPr lvl="1"/>
+            <a:r>
+              <a:rPr lang="en-GB" dirty="0" smtClean="0"/>
+              <a:t>Check that the requirements are fulfilled</a:t>
+            </a:r>
+          </a:p>
+          <a:p>
+            <a:pPr lvl="1"/>
+            <a:r>
+              <a:rPr lang="en-GB" dirty="0" smtClean="0"/>
+              <a:t>Check that the SUT works as the customer expects</a:t>
+            </a:r>
+          </a:p>
+          <a:p>
+            <a:endParaRPr lang="en-GB" dirty="0" smtClean="0"/>
+          </a:p>
+          <a:p>
+            <a:r>
+              <a:rPr lang="en-GB" dirty="0" smtClean="0"/>
+              <a:t>Verification</a:t>
+            </a:r>
+          </a:p>
+          <a:p>
+            <a:pPr lvl="1"/>
+            <a:r>
+              <a:rPr lang="en-GB" dirty="0" smtClean="0"/>
+              <a:t>Verify that the system works</a:t>
+            </a:r>
+          </a:p>
+          <a:p>
+            <a:pPr lvl="1"/>
+            <a:r>
+              <a:rPr lang="en-GB" dirty="0" smtClean="0"/>
+              <a:t>Ex: Code review, unit testing, integration testing</a:t>
+            </a:r>
+          </a:p>
+          <a:p>
+            <a:endParaRPr lang="en-GB" dirty="0" smtClean="0"/>
+          </a:p>
+          <a:p>
+            <a:r>
+              <a:rPr lang="en-GB" dirty="0" smtClean="0"/>
+              <a:t>Validation</a:t>
+            </a:r>
+          </a:p>
+          <a:p>
+            <a:pPr lvl="1"/>
+            <a:r>
+              <a:rPr lang="en-GB" dirty="0" smtClean="0"/>
+              <a:t>Verify that the system works according to the customer expectations</a:t>
+            </a:r>
+          </a:p>
+          <a:p>
+            <a:pPr lvl="1"/>
+            <a:r>
+              <a:rPr lang="en-GB" dirty="0" smtClean="0"/>
+              <a:t>Ex: System testing and Acceptance testing</a:t>
+            </a:r>
+            <a:endParaRPr lang="en-GB" dirty="0"/>
+          </a:p>
+        </p:txBody>
+      </p:sp>
+    </p:spTree>
+  </p:cSld>
+  <p:clrMapOvr>
+    <a:masterClrMapping/>
+  </p:clrMapOvr>
+  <p:transition xmlns:p14="http://schemas.microsoft.com/office/powerpoint/2010/main">
+    <p:fade/>
+  </p:transition>
+  <p:timing>
+    <p:tnLst>
+      <p:par>
+        <p:cTn xmlns:p14="http://schemas.microsoft.com/office/powerpoint/2010/main" id="1" dur="indefinite" restart="never" nodeType="tmRoot">
+          <p:childTnLst>
+            <p:seq concurrent="1" nextAc="seek">
+              <p:cTn id="2" dur="indefinite" nodeType="mainSeq">
+                <p:childTnLst>
+                  <p:par>
+                    <p:cTn id="3" fill="hold">
+                      <p:stCondLst>
+                        <p:cond delay="indefinite"/>
+                      </p:stCondLst>
+                      <p:childTnLst>
+                        <p:par>
+                          <p:cTn id="4" fill="hold">
+                            <p:stCondLst>
+                              <p:cond delay="0"/>
+                            </p:stCondLst>
+                            <p:childTnLst>
+                              <p:par>
+                                <p:cTn id="5" presetID="1" presetClass="entr" presetSubtype="0" fill="hold" grpId="0" nodeType="clickEffect">
+                                  <p:stCondLst>
+                                    <p:cond delay="0"/>
+                                  </p:stCondLst>
+                                  <p:childTnLst>
+                                    <p:set>
+                                      <p:cBhvr>
+                                        <p:cTn id="6" dur="1" fill="hold">
+                                          <p:stCondLst>
+                                            <p:cond delay="0"/>
+                                          </p:stCondLst>
+                                        </p:cTn>
+                                        <p:tgtEl>
+                                          <p:spTgt spid="3">
+                                            <p:txEl>
+                                              <p:pRg st="0" end="0"/>
+                                            </p:txEl>
+                                          </p:spTgt>
+                                        </p:tgtEl>
+                                        <p:attrNameLst>
+                                          <p:attrName>style.visibility</p:attrName>
+                                        </p:attrNameLst>
+                                      </p:cBhvr>
+                                      <p:to>
+                                        <p:strVal val="visible"/>
+                                      </p:to>
+                                    </p:set>
+                                  </p:childTnLst>
+                                </p:cTn>
+                              </p:par>
+                            </p:childTnLst>
+                          </p:cTn>
+                        </p:par>
+                      </p:childTnLst>
+                    </p:cTn>
+                  </p:par>
+                  <p:par>
+                    <p:cTn id="7" fill="hold">
+                      <p:stCondLst>
+                        <p:cond delay="indefinite"/>
+                      </p:stCondLst>
+                      <p:childTnLst>
+                        <p:par>
+                          <p:cTn id="8" fill="hold">
+                            <p:stCondLst>
+                              <p:cond delay="0"/>
+                            </p:stCondLst>
+                            <p:childTnLst>
+                              <p:par>
+                                <p:cTn id="9" presetID="1" presetClass="entr" presetSubtype="0" fill="hold" grpId="0" nodeType="clickEffect">
+                                  <p:stCondLst>
+                                    <p:cond delay="0"/>
+                                  </p:stCondLst>
+                                  <p:childTnLst>
+                                    <p:set>
+                                      <p:cBhvr>
+                                        <p:cTn id="10" dur="1" fill="hold">
+                                          <p:stCondLst>
+                                            <p:cond delay="0"/>
+                                          </p:stCondLst>
+                                        </p:cTn>
+                                        <p:tgtEl>
+                                          <p:spTgt spid="3">
+                                            <p:txEl>
+                                              <p:pRg st="1" end="1"/>
+                                            </p:txEl>
+                                          </p:spTgt>
+                                        </p:tgtEl>
+                                        <p:attrNameLst>
+                                          <p:attrName>style.visibility</p:attrName>
+                                        </p:attrNameLst>
+                                      </p:cBhvr>
+                                      <p:to>
+                                        <p:strVal val="visible"/>
+                                      </p:to>
+                                    </p:set>
+                                  </p:childTnLst>
+                                </p:cTn>
+                              </p:par>
+                            </p:childTnLst>
+                          </p:cTn>
+                        </p:par>
+                      </p:childTnLst>
+                    </p:cTn>
+                  </p:par>
+                  <p:par>
+                    <p:cTn id="11" fill="hold">
+                      <p:stCondLst>
+                        <p:cond delay="indefinite"/>
+                      </p:stCondLst>
+                      <p:childTnLst>
+                        <p:par>
+                          <p:cTn id="12" fill="hold">
+                            <p:stCondLst>
+                              <p:cond delay="0"/>
+                            </p:stCondLst>
+                            <p:childTnLst>
+                              <p:par>
+                                <p:cTn id="13" presetID="1" presetClass="entr" presetSubtype="0" fill="hold" grpId="0" nodeType="clickEffect">
+                                  <p:stCondLst>
+                                    <p:cond delay="0"/>
+                                  </p:stCondLst>
+                                  <p:childTnLst>
+                                    <p:set>
+                                      <p:cBhvr>
+                                        <p:cTn id="14" dur="1" fill="hold">
+                                          <p:stCondLst>
+                                            <p:cond delay="0"/>
+                                          </p:stCondLst>
+                                        </p:cTn>
+                                        <p:tgtEl>
+                                          <p:spTgt spid="3">
+                                            <p:txEl>
+                                              <p:pRg st="2" end="2"/>
+                                            </p:txEl>
+                                          </p:spTgt>
+                                        </p:tgtEl>
+                                        <p:attrNameLst>
+                                          <p:attrName>style.visibility</p:attrName>
+                                        </p:attrNameLst>
+                                      </p:cBhvr>
+                                      <p:to>
+                                        <p:strVal val="visible"/>
+                                      </p:to>
+                                    </p:set>
+                                  </p:childTnLst>
+                                </p:cTn>
+                              </p:par>
+                            </p:childTnLst>
+                          </p:cTn>
+                        </p:par>
+                      </p:childTnLst>
+                    </p:cTn>
+                  </p:par>
+                  <p:par>
+                    <p:cTn id="15" fill="hold">
+                      <p:stCondLst>
+                        <p:cond delay="indefinite"/>
+                      </p:stCondLst>
+                      <p:childTnLst>
+                        <p:par>
+                          <p:cTn id="16" fill="hold">
+                            <p:stCondLst>
+                              <p:cond delay="0"/>
+                            </p:stCondLst>
+                            <p:childTnLst>
+                              <p:par>
+                                <p:cTn id="17" presetID="1" presetClass="entr" presetSubtype="0" fill="hold" grpId="0" nodeType="clickEffect">
+                                  <p:stCondLst>
+                                    <p:cond delay="0"/>
+                                  </p:stCondLst>
+                                  <p:childTnLst>
+                                    <p:set>
+                                      <p:cBhvr>
+                                        <p:cTn id="18" dur="1" fill="hold">
+                                          <p:stCondLst>
+                                            <p:cond delay="0"/>
+                                          </p:stCondLst>
+                                        </p:cTn>
+                                        <p:tgtEl>
+                                          <p:spTgt spid="3">
+                                            <p:txEl>
+                                              <p:pRg st="3" end="3"/>
+                                            </p:txEl>
+                                          </p:spTgt>
+                                        </p:tgtEl>
+                                        <p:attrNameLst>
+                                          <p:attrName>style.visibility</p:attrName>
+                                        </p:attrNameLst>
+                                      </p:cBhvr>
+                                      <p:to>
+                                        <p:strVal val="visible"/>
+                                      </p:to>
+                                    </p:set>
+                                  </p:childTnLst>
+                                </p:cTn>
+                              </p:par>
+                            </p:childTnLst>
+                          </p:cTn>
+                        </p:par>
+                      </p:childTnLst>
+                    </p:cTn>
+                  </p:par>
+                  <p:par>
+                    <p:cTn id="19" fill="hold">
+                      <p:stCondLst>
+                        <p:cond delay="indefinite"/>
+                      </p:stCondLst>
+                      <p:childTnLst>
+                        <p:par>
+                          <p:cTn id="20" fill="hold">
+                            <p:stCondLst>
+                              <p:cond delay="0"/>
+                            </p:stCondLst>
+                            <p:childTnLst>
+                              <p:par>
+                                <p:cTn id="21" presetID="1" presetClass="entr" presetSubtype="0" fill="hold" grpId="0" nodeType="clickEffect">
+                                  <p:stCondLst>
+                                    <p:cond delay="0"/>
+                                  </p:stCondLst>
+                                  <p:childTnLst>
+                                    <p:set>
+                                      <p:cBhvr>
+                                        <p:cTn id="22" dur="1" fill="hold">
+                                          <p:stCondLst>
+                                            <p:cond delay="0"/>
+                                          </p:stCondLst>
+                                        </p:cTn>
+                                        <p:tgtEl>
+                                          <p:spTgt spid="3">
+                                            <p:txEl>
+                                              <p:pRg st="5" end="5"/>
+                                            </p:txEl>
+                                          </p:spTgt>
+                                        </p:tgtEl>
+                                        <p:attrNameLst>
+                                          <p:attrName>style.visibility</p:attrName>
+                                        </p:attrNameLst>
+                                      </p:cBhvr>
+                                      <p:to>
+                                        <p:strVal val="visible"/>
+                                      </p:to>
+                                    </p:set>
+                                  </p:childTnLst>
+                                </p:cTn>
+                              </p:par>
+                            </p:childTnLst>
+                          </p:cTn>
+                        </p:par>
+                      </p:childTnLst>
+                    </p:cTn>
+                  </p:par>
+                  <p:par>
+                    <p:cTn id="23" fill="hold">
+                      <p:stCondLst>
+                        <p:cond delay="indefinite"/>
+                      </p:stCondLst>
+                      <p:childTnLst>
+                        <p:par>
+                          <p:cTn id="24" fill="hold">
+                            <p:stCondLst>
+                              <p:cond delay="0"/>
+                            </p:stCondLst>
+                            <p:childTnLst>
+                              <p:par>
+                                <p:cTn id="25" presetID="1" presetClass="entr" presetSubtype="0" fill="hold" grpId="0" nodeType="clickEffect">
+                                  <p:stCondLst>
+                                    <p:cond delay="0"/>
+                                  </p:stCondLst>
+                                  <p:childTnLst>
+                                    <p:set>
+                                      <p:cBhvr>
+                                        <p:cTn id="26" dur="1" fill="hold">
+                                          <p:stCondLst>
+                                            <p:cond delay="0"/>
+                                          </p:stCondLst>
+                                        </p:cTn>
+                                        <p:tgtEl>
+                                          <p:spTgt spid="3">
+                                            <p:txEl>
+                                              <p:pRg st="6" end="6"/>
+                                            </p:txEl>
+                                          </p:spTgt>
+                                        </p:tgtEl>
+                                        <p:attrNameLst>
+                                          <p:attrName>style.visibility</p:attrName>
+                                        </p:attrNameLst>
+                                      </p:cBhvr>
+                                      <p:to>
+                                        <p:strVal val="visible"/>
+                                      </p:to>
+                                    </p:set>
+                                  </p:childTnLst>
+                                </p:cTn>
+                              </p:par>
+                              <p:par>
+                                <p:cTn id="27" presetID="1" presetClass="entr" presetSubtype="0" fill="hold" grpId="0" nodeType="withEffect">
+                                  <p:stCondLst>
+                                    <p:cond delay="0"/>
+                                  </p:stCondLst>
+                                  <p:childTnLst>
+                                    <p:set>
+                                      <p:cBhvr>
+                                        <p:cTn id="28" dur="1" fill="hold">
+                                          <p:stCondLst>
+                                            <p:cond delay="0"/>
+                                          </p:stCondLst>
+                                        </p:cTn>
+                                        <p:tgtEl>
+                                          <p:spTgt spid="3">
+                                            <p:txEl>
+                                              <p:pRg st="7" end="7"/>
+                                            </p:txEl>
+                                          </p:spTgt>
+                                        </p:tgtEl>
+                                        <p:attrNameLst>
+                                          <p:attrName>style.visibility</p:attrName>
+                                        </p:attrNameLst>
+                                      </p:cBhvr>
+                                      <p:to>
+                                        <p:strVal val="visible"/>
+                                      </p:to>
+                                    </p:set>
+                                  </p:childTnLst>
+                                </p:cTn>
+                              </p:par>
+                            </p:childTnLst>
+                          </p:cTn>
+                        </p:par>
+                      </p:childTnLst>
+                    </p:cTn>
+                  </p:par>
+                  <p:par>
+                    <p:cTn id="29" fill="hold">
+                      <p:stCondLst>
+                        <p:cond delay="indefinite"/>
+                      </p:stCondLst>
+                      <p:childTnLst>
+                        <p:par>
+                          <p:cTn id="30" fill="hold">
+                            <p:stCondLst>
+                              <p:cond delay="0"/>
+                            </p:stCondLst>
+                            <p:childTnLst>
+                              <p:par>
+                                <p:cTn id="31" presetID="1" presetClass="entr" presetSubtype="0" fill="hold" grpId="0" nodeType="clickEffect">
+                                  <p:stCondLst>
+                                    <p:cond delay="0"/>
+                                  </p:stCondLst>
+                                  <p:childTnLst>
+                                    <p:set>
+                                      <p:cBhvr>
+                                        <p:cTn id="32" dur="1" fill="hold">
+                                          <p:stCondLst>
+                                            <p:cond delay="0"/>
+                                          </p:stCondLst>
+                                        </p:cTn>
+                                        <p:tgtEl>
+                                          <p:spTgt spid="3">
+                                            <p:txEl>
+                                              <p:pRg st="9" end="9"/>
+                                            </p:txEl>
+                                          </p:spTgt>
+                                        </p:tgtEl>
+                                        <p:attrNameLst>
+                                          <p:attrName>style.visibility</p:attrName>
+                                        </p:attrNameLst>
+                                      </p:cBhvr>
+                                      <p:to>
+                                        <p:strVal val="visible"/>
+                                      </p:to>
+                                    </p:set>
+                                  </p:childTnLst>
+                                </p:cTn>
+                              </p:par>
+                            </p:childTnLst>
+                          </p:cTn>
+                        </p:par>
+                      </p:childTnLst>
+                    </p:cTn>
+                  </p:par>
+                  <p:par>
+                    <p:cTn id="33" fill="hold">
+                      <p:stCondLst>
+                        <p:cond delay="indefinite"/>
+                      </p:stCondLst>
+                      <p:childTnLst>
+                        <p:par>
+                          <p:cTn id="34" fill="hold">
+                            <p:stCondLst>
+                              <p:cond delay="0"/>
+                            </p:stCondLst>
+                            <p:childTnLst>
+                              <p:par>
+                                <p:cTn id="35" presetID="1" presetClass="entr" presetSubtype="0" fill="hold" grpId="0" nodeType="clickEffect">
+                                  <p:stCondLst>
+                                    <p:cond delay="0"/>
+                                  </p:stCondLst>
+                                  <p:childTnLst>
+                                    <p:set>
+                                      <p:cBhvr>
+                                        <p:cTn id="36" dur="1" fill="hold">
+                                          <p:stCondLst>
+                                            <p:cond delay="0"/>
+                                          </p:stCondLst>
+                                        </p:cTn>
+                                        <p:tgtEl>
+                                          <p:spTgt spid="3">
+                                            <p:txEl>
+                                              <p:pRg st="10" end="10"/>
+                                            </p:txEl>
+                                          </p:spTgt>
+                                        </p:tgtEl>
+                                        <p:attrNameLst>
+                                          <p:attrName>style.visibility</p:attrName>
+                                        </p:attrNameLst>
+                                      </p:cBhvr>
+                                      <p:to>
+                                        <p:strVal val="visible"/>
+                                      </p:to>
+                                    </p:set>
+                                  </p:childTnLst>
+                                </p:cTn>
+                              </p:par>
+                              <p:par>
+                                <p:cTn id="37" presetID="1" presetClass="entr" presetSubtype="0" fill="hold" grpId="0" nodeType="withEffect">
+                                  <p:stCondLst>
+                                    <p:cond delay="0"/>
+                                  </p:stCondLst>
+                                  <p:childTnLst>
+                                    <p:set>
+                                      <p:cBhvr>
+                                        <p:cTn id="38" dur="1" fill="hold">
+                                          <p:stCondLst>
+                                            <p:cond delay="0"/>
+                                          </p:stCondLst>
+                                        </p:cTn>
+                                        <p:tgtEl>
+                                          <p:spTgt spid="3">
+                                            <p:txEl>
+                                              <p:pRg st="11" end="11"/>
+                                            </p:txEl>
+                                          </p:spTgt>
+                                        </p:tgtEl>
+                                        <p:attrNameLst>
+                                          <p:attrName>style.visibility</p:attrName>
+                                        </p:attrNameLst>
+                                      </p:cBhvr>
+                                      <p:to>
+                                        <p:strVal val="visible"/>
+                                      </p:to>
+                                    </p:set>
+                                  </p:childTnLst>
+                                </p:cTn>
+                              </p:par>
+                            </p:childTnLst>
+                          </p:cTn>
+                        </p:par>
+                      </p:childTnLst>
+                    </p:cTn>
+                  </p:par>
+                </p:childTnLst>
+              </p:cTn>
+              <p:prevCondLst>
+                <p:cond evt="onPrev" delay="0">
+                  <p:tgtEl>
+                    <p:sldTgt/>
+                  </p:tgtEl>
+                </p:cond>
+              </p:prevCondLst>
+              <p:nextCondLst>
+                <p:cond evt="onNext" delay="0">
+                  <p:tgtEl>
+                    <p:sldTgt/>
+                  </p:tgtEl>
+                </p:cond>
+              </p:nextCondLst>
+            </p:seq>
+          </p:childTnLst>
+        </p:cTn>
+      </p:par>
+    </p:tnLst>
+    <p:bldLst>
+      <p:bldP spid="3" grpId="0" build="p"/>
+    </p:bldLst>
+  </p:timing>
+</p:sld>
+</file>
+
+<file path=ppt/slides/slide3.xml><?xml version="1.0" encoding="utf-8"?>
+<p:sld xmlns:a="http://schemas.openxmlformats.org/drawingml/2006/main" xmlns:r="http://schemas.openxmlformats.org/officeDocument/2006/relationships" xmlns:p="http://schemas.openxmlformats.org/presentationml/2006/main">
+  <p:cSld>
+    <p:spTree>
+      <p:nvGrpSpPr>
+        <p:cNvPr id="1" name=""/>
+        <p:cNvGrpSpPr/>
+        <p:nvPr/>
+      </p:nvGrpSpPr>
+      <p:grpSpPr>
+        <a:xfrm>
+          <a:off x="0" y="0"/>
+          <a:ext cx="0" cy="0"/>
+          <a:chOff x="0" y="0"/>
+          <a:chExt cx="0" cy="0"/>
+        </a:xfrm>
+      </p:grpSpPr>
+      <p:sp>
+        <p:nvSpPr>
+          <p:cNvPr id="2" name="Title 1"/>
+          <p:cNvSpPr>
+            <a:spLocks noGrp="1"/>
+          </p:cNvSpPr>
+          <p:nvPr>
+            <p:ph type="title"/>
+          </p:nvPr>
+        </p:nvSpPr>
+        <p:spPr/>
+        <p:txBody>
+          <a:bodyPr/>
+          <a:lstStyle/>
+          <a:p>
+            <a:r>
+              <a:rPr lang="en-US" dirty="0" smtClean="0"/>
+              <a:t>System representation</a:t>
+            </a:r>
+            <a:endParaRPr lang="en-US" dirty="0"/>
+          </a:p>
+        </p:txBody>
+      </p:sp>
+      <p:sp>
+        <p:nvSpPr>
+          <p:cNvPr id="3" name="Content Placeholder 2"/>
+          <p:cNvSpPr>
+            <a:spLocks noGrp="1"/>
+          </p:cNvSpPr>
+          <p:nvPr>
+            <p:ph idx="1"/>
+          </p:nvPr>
+        </p:nvSpPr>
+        <p:spPr/>
+        <p:txBody>
+          <a:bodyPr/>
+          <a:lstStyle/>
+          <a:p>
+            <a:pPr>
+              <a:buNone/>
+            </a:pPr>
+            <a:r>
+              <a:rPr lang="en-US" dirty="0" smtClean="0"/>
+              <a:t> </a:t>
+            </a:r>
+            <a:endParaRPr lang="en-US" dirty="0"/>
+          </a:p>
+        </p:txBody>
+      </p:sp>
+      <p:sp>
+        <p:nvSpPr>
+          <p:cNvPr id="35" name="Rectangle 34"/>
+          <p:cNvSpPr/>
+          <p:nvPr/>
+        </p:nvSpPr>
+        <p:spPr>
+          <a:xfrm>
+            <a:off x="1575987" y="2766726"/>
+            <a:ext cx="3045431" cy="406856"/>
+          </a:xfrm>
+          <a:prstGeom prst="rect">
+            <a:avLst/>
+          </a:prstGeom>
+          <a:ln/>
+        </p:spPr>
+        <p:style>
+          <a:lnRef idx="1">
+            <a:schemeClr val="accent1"/>
+          </a:lnRef>
+          <a:fillRef idx="3">
+            <a:schemeClr val="accent1"/>
+          </a:fillRef>
+          <a:effectRef idx="2">
+            <a:schemeClr val="accent1"/>
+          </a:effectRef>
+          <a:fontRef idx="minor">
+            <a:schemeClr val="lt1"/>
+          </a:fontRef>
+        </p:style>
+        <p:txBody>
+          <a:bodyPr rtlCol="0" anchor="ctr"/>
+          <a:lstStyle/>
+          <a:p>
+            <a:pPr algn="ctr"/>
+            <a:r>
+              <a:rPr lang="en-US" dirty="0" smtClean="0">
+                <a:solidFill>
+                  <a:schemeClr val="bg1"/>
+                </a:solidFill>
+              </a:rPr>
+              <a:t>Graphical User Interface (GUI)</a:t>
+            </a:r>
+            <a:endParaRPr lang="en-US" dirty="0">
+              <a:solidFill>
+                <a:schemeClr val="bg1"/>
+              </a:solidFill>
+            </a:endParaRPr>
+          </a:p>
+        </p:txBody>
+      </p:sp>
+      <p:sp>
+        <p:nvSpPr>
+          <p:cNvPr id="36" name="Rectangle 35"/>
+          <p:cNvSpPr/>
+          <p:nvPr/>
+        </p:nvSpPr>
+        <p:spPr>
+          <a:xfrm>
+            <a:off x="1575987" y="3338682"/>
+            <a:ext cx="3045431" cy="406856"/>
+          </a:xfrm>
+          <a:prstGeom prst="rect">
+            <a:avLst/>
+          </a:prstGeom>
+          <a:ln/>
+        </p:spPr>
+        <p:style>
+          <a:lnRef idx="1">
+            <a:schemeClr val="accent1"/>
+          </a:lnRef>
+          <a:fillRef idx="3">
+            <a:schemeClr val="accent1"/>
+          </a:fillRef>
+          <a:effectRef idx="2">
+            <a:schemeClr val="accent1"/>
+          </a:effectRef>
+          <a:fontRef idx="minor">
+            <a:schemeClr val="lt1"/>
+          </a:fontRef>
+        </p:style>
+        <p:txBody>
+          <a:bodyPr rtlCol="0" anchor="ctr"/>
+          <a:lstStyle/>
+          <a:p>
+            <a:pPr algn="ctr"/>
+            <a:r>
+              <a:rPr lang="en-US" dirty="0" smtClean="0">
+                <a:solidFill>
+                  <a:schemeClr val="bg1"/>
+                </a:solidFill>
+              </a:rPr>
+              <a:t>GUI components</a:t>
+            </a:r>
+            <a:endParaRPr lang="en-US" dirty="0">
+              <a:solidFill>
+                <a:schemeClr val="bg1"/>
+              </a:solidFill>
+            </a:endParaRPr>
+          </a:p>
+        </p:txBody>
+      </p:sp>
+      <p:sp>
+        <p:nvSpPr>
+          <p:cNvPr id="37" name="Rectangle 36"/>
+          <p:cNvSpPr/>
+          <p:nvPr/>
+        </p:nvSpPr>
+        <p:spPr>
+          <a:xfrm>
+            <a:off x="1575987" y="3897938"/>
+            <a:ext cx="3045431" cy="406856"/>
+          </a:xfrm>
+          <a:prstGeom prst="rect">
+            <a:avLst/>
+          </a:prstGeom>
+          <a:ln/>
+        </p:spPr>
+        <p:style>
+          <a:lnRef idx="1">
+            <a:schemeClr val="accent1"/>
+          </a:lnRef>
+          <a:fillRef idx="3">
+            <a:schemeClr val="accent1"/>
+          </a:fillRef>
+          <a:effectRef idx="2">
+            <a:schemeClr val="accent1"/>
+          </a:effectRef>
+          <a:fontRef idx="minor">
+            <a:schemeClr val="lt1"/>
+          </a:fontRef>
+        </p:style>
+        <p:txBody>
+          <a:bodyPr rtlCol="0" anchor="ctr"/>
+          <a:lstStyle/>
+          <a:p>
+            <a:pPr algn="ctr"/>
+            <a:r>
+              <a:rPr lang="en-US" dirty="0" smtClean="0">
+                <a:solidFill>
+                  <a:schemeClr val="bg1"/>
+                </a:solidFill>
+              </a:rPr>
+              <a:t>System components</a:t>
+            </a:r>
+            <a:endParaRPr lang="en-US" dirty="0">
+              <a:solidFill>
+                <a:schemeClr val="bg1"/>
+              </a:solidFill>
+            </a:endParaRPr>
+          </a:p>
+        </p:txBody>
+      </p:sp>
+      <p:sp>
+        <p:nvSpPr>
+          <p:cNvPr id="38" name="Rectangle 37"/>
+          <p:cNvSpPr/>
+          <p:nvPr/>
+        </p:nvSpPr>
+        <p:spPr>
+          <a:xfrm>
+            <a:off x="1575987" y="4457194"/>
+            <a:ext cx="3045431" cy="406856"/>
+          </a:xfrm>
+          <a:prstGeom prst="rect">
+            <a:avLst/>
+          </a:prstGeom>
+          <a:ln/>
+        </p:spPr>
+        <p:style>
+          <a:lnRef idx="1">
+            <a:schemeClr val="accent1"/>
+          </a:lnRef>
+          <a:fillRef idx="3">
+            <a:schemeClr val="accent1"/>
+          </a:fillRef>
+          <a:effectRef idx="2">
+            <a:schemeClr val="accent1"/>
+          </a:effectRef>
+          <a:fontRef idx="minor">
+            <a:schemeClr val="lt1"/>
+          </a:fontRef>
+        </p:style>
+        <p:txBody>
+          <a:bodyPr rtlCol="0" anchor="ctr"/>
+          <a:lstStyle/>
+          <a:p>
+            <a:pPr algn="ctr"/>
+            <a:r>
+              <a:rPr lang="en-US" smtClean="0">
+                <a:solidFill>
+                  <a:schemeClr val="bg1"/>
+                </a:solidFill>
+              </a:rPr>
+              <a:t>System code</a:t>
+            </a:r>
+            <a:endParaRPr lang="en-US">
+              <a:solidFill>
+                <a:schemeClr val="bg1"/>
+              </a:solidFill>
+            </a:endParaRPr>
+          </a:p>
+        </p:txBody>
+      </p:sp>
+      <p:sp>
+        <p:nvSpPr>
+          <p:cNvPr id="39" name="TextBox 38"/>
+          <p:cNvSpPr txBox="1"/>
+          <p:nvPr/>
+        </p:nvSpPr>
+        <p:spPr>
+          <a:xfrm>
+            <a:off x="232052" y="2779426"/>
+            <a:ext cx="1343935" cy="369332"/>
+          </a:xfrm>
+          <a:prstGeom prst="rect">
+            <a:avLst/>
+          </a:prstGeom>
+          <a:noFill/>
+        </p:spPr>
+        <p:txBody>
+          <a:bodyPr wrap="square" rtlCol="0">
+            <a:spAutoFit/>
+          </a:bodyPr>
+          <a:lstStyle/>
+          <a:p>
+            <a:r>
+              <a:rPr lang="en-US" dirty="0" smtClean="0"/>
+              <a:t>High-level</a:t>
+            </a:r>
+            <a:endParaRPr lang="en-US" dirty="0"/>
+          </a:p>
+        </p:txBody>
+      </p:sp>
+      <p:sp>
+        <p:nvSpPr>
+          <p:cNvPr id="40" name="TextBox 39"/>
+          <p:cNvSpPr txBox="1"/>
+          <p:nvPr/>
+        </p:nvSpPr>
+        <p:spPr>
+          <a:xfrm>
+            <a:off x="232052" y="4457194"/>
+            <a:ext cx="1343935" cy="369332"/>
+          </a:xfrm>
+          <a:prstGeom prst="rect">
+            <a:avLst/>
+          </a:prstGeom>
+          <a:noFill/>
+        </p:spPr>
+        <p:txBody>
+          <a:bodyPr wrap="square" rtlCol="0">
+            <a:spAutoFit/>
+          </a:bodyPr>
+          <a:lstStyle/>
+          <a:p>
+            <a:r>
+              <a:rPr lang="en-US" smtClean="0"/>
+              <a:t>Low-level</a:t>
+            </a:r>
+            <a:endParaRPr lang="en-US"/>
+          </a:p>
+        </p:txBody>
+      </p:sp>
+      <p:cxnSp>
+        <p:nvCxnSpPr>
+          <p:cNvPr id="42" name="Straight Arrow Connector 41"/>
+          <p:cNvCxnSpPr/>
+          <p:nvPr/>
+        </p:nvCxnSpPr>
+        <p:spPr>
+          <a:xfrm rot="5400000">
+            <a:off x="102112" y="3821738"/>
+            <a:ext cx="1270912" cy="1588"/>
+          </a:xfrm>
+          <a:prstGeom prst="straightConnector1">
+            <a:avLst/>
+          </a:prstGeom>
+          <a:ln>
+            <a:solidFill>
+              <a:schemeClr val="tx1"/>
+            </a:solidFill>
+            <a:headEnd type="arrow"/>
+            <a:tailEnd type="arrow"/>
+          </a:ln>
+        </p:spPr>
+        <p:style>
+          <a:lnRef idx="2">
+            <a:schemeClr val="accent1"/>
+          </a:lnRef>
+          <a:fillRef idx="0">
+            <a:schemeClr val="accent1"/>
+          </a:fillRef>
+          <a:effectRef idx="1">
+            <a:schemeClr val="accent1"/>
+          </a:effectRef>
+          <a:fontRef idx="minor">
+            <a:schemeClr val="tx1"/>
+          </a:fontRef>
+        </p:style>
+      </p:cxnSp>
+      <p:sp>
+        <p:nvSpPr>
+          <p:cNvPr id="11" name="Rectangle 10"/>
+          <p:cNvSpPr/>
+          <p:nvPr/>
+        </p:nvSpPr>
+        <p:spPr>
+          <a:xfrm>
+            <a:off x="4818693" y="4457988"/>
+            <a:ext cx="1987816" cy="406062"/>
+          </a:xfrm>
+          <a:prstGeom prst="rect">
+            <a:avLst/>
+          </a:prstGeom>
+          <a:ln/>
+        </p:spPr>
+        <p:style>
+          <a:lnRef idx="1">
+            <a:schemeClr val="accent1"/>
+          </a:lnRef>
+          <a:fillRef idx="3">
+            <a:schemeClr val="accent1"/>
+          </a:fillRef>
+          <a:effectRef idx="2">
+            <a:schemeClr val="accent1"/>
+          </a:effectRef>
+          <a:fontRef idx="minor">
+            <a:schemeClr val="lt1"/>
+          </a:fontRef>
+        </p:style>
+        <p:txBody>
+          <a:bodyPr rtlCol="0" anchor="ctr"/>
+          <a:lstStyle/>
+          <a:p>
+            <a:pPr algn="ctr"/>
+            <a:r>
+              <a:rPr lang="en-US" dirty="0" smtClean="0">
+                <a:solidFill>
+                  <a:schemeClr val="bg1"/>
+                </a:solidFill>
+              </a:rPr>
+              <a:t>Code review</a:t>
+            </a:r>
+            <a:endParaRPr lang="en-US" dirty="0">
+              <a:solidFill>
+                <a:schemeClr val="bg1"/>
+              </a:solidFill>
+            </a:endParaRPr>
+          </a:p>
+        </p:txBody>
+      </p:sp>
+      <p:sp>
+        <p:nvSpPr>
+          <p:cNvPr id="12" name="Rectangle 11"/>
+          <p:cNvSpPr/>
+          <p:nvPr/>
+        </p:nvSpPr>
+        <p:spPr>
+          <a:xfrm>
+            <a:off x="4835463" y="3895306"/>
+            <a:ext cx="1971046" cy="406062"/>
+          </a:xfrm>
+          <a:prstGeom prst="rect">
+            <a:avLst/>
+          </a:prstGeom>
+          <a:ln/>
+        </p:spPr>
+        <p:style>
+          <a:lnRef idx="1">
+            <a:schemeClr val="accent1"/>
+          </a:lnRef>
+          <a:fillRef idx="3">
+            <a:schemeClr val="accent1"/>
+          </a:fillRef>
+          <a:effectRef idx="2">
+            <a:schemeClr val="accent1"/>
+          </a:effectRef>
+          <a:fontRef idx="minor">
+            <a:schemeClr val="lt1"/>
+          </a:fontRef>
+        </p:style>
+        <p:txBody>
+          <a:bodyPr rtlCol="0" anchor="ctr"/>
+          <a:lstStyle/>
+          <a:p>
+            <a:pPr algn="ctr"/>
+            <a:r>
+              <a:rPr lang="en-US" dirty="0" smtClean="0">
+                <a:solidFill>
+                  <a:schemeClr val="bg1"/>
+                </a:solidFill>
+              </a:rPr>
+              <a:t>Unit Testing</a:t>
+            </a:r>
+            <a:endParaRPr lang="en-US" dirty="0">
+              <a:solidFill>
+                <a:schemeClr val="bg1"/>
+              </a:solidFill>
+            </a:endParaRPr>
+          </a:p>
+        </p:txBody>
+      </p:sp>
+      <p:sp>
+        <p:nvSpPr>
+          <p:cNvPr id="13" name="Rectangle 12"/>
+          <p:cNvSpPr/>
+          <p:nvPr/>
+        </p:nvSpPr>
+        <p:spPr>
+          <a:xfrm>
+            <a:off x="4835463" y="3339476"/>
+            <a:ext cx="1971046" cy="406062"/>
+          </a:xfrm>
+          <a:prstGeom prst="rect">
+            <a:avLst/>
+          </a:prstGeom>
+          <a:ln/>
+        </p:spPr>
+        <p:style>
+          <a:lnRef idx="1">
+            <a:schemeClr val="accent1"/>
+          </a:lnRef>
+          <a:fillRef idx="3">
+            <a:schemeClr val="accent1"/>
+          </a:fillRef>
+          <a:effectRef idx="2">
+            <a:schemeClr val="accent1"/>
+          </a:effectRef>
+          <a:fontRef idx="minor">
+            <a:schemeClr val="lt1"/>
+          </a:fontRef>
+        </p:style>
+        <p:txBody>
+          <a:bodyPr rtlCol="0" anchor="ctr"/>
+          <a:lstStyle/>
+          <a:p>
+            <a:pPr algn="ctr"/>
+            <a:r>
+              <a:rPr lang="en-US" dirty="0" smtClean="0">
+                <a:solidFill>
+                  <a:schemeClr val="bg1"/>
+                </a:solidFill>
+              </a:rPr>
+              <a:t>Record and Replay</a:t>
+            </a:r>
+            <a:endParaRPr lang="en-US" dirty="0">
+              <a:solidFill>
+                <a:schemeClr val="bg1"/>
+              </a:solidFill>
+            </a:endParaRPr>
+          </a:p>
+        </p:txBody>
+      </p:sp>
+      <p:sp>
+        <p:nvSpPr>
+          <p:cNvPr id="14" name="Rectangle 13"/>
+          <p:cNvSpPr/>
+          <p:nvPr/>
+        </p:nvSpPr>
+        <p:spPr>
+          <a:xfrm>
+            <a:off x="4818693" y="2779426"/>
+            <a:ext cx="1987816" cy="406062"/>
+          </a:xfrm>
+          <a:prstGeom prst="rect">
+            <a:avLst/>
+          </a:prstGeom>
+          <a:ln/>
+        </p:spPr>
+        <p:style>
+          <a:lnRef idx="1">
+            <a:schemeClr val="accent1"/>
+          </a:lnRef>
+          <a:fillRef idx="3">
+            <a:schemeClr val="accent1"/>
+          </a:fillRef>
+          <a:effectRef idx="2">
+            <a:schemeClr val="accent1"/>
+          </a:effectRef>
+          <a:fontRef idx="minor">
+            <a:schemeClr val="lt1"/>
+          </a:fontRef>
+        </p:style>
+        <p:txBody>
+          <a:bodyPr rtlCol="0" anchor="ctr"/>
+          <a:lstStyle/>
+          <a:p>
+            <a:pPr algn="ctr"/>
+            <a:r>
+              <a:rPr lang="en-US" dirty="0" smtClean="0">
+                <a:solidFill>
+                  <a:schemeClr val="bg1"/>
+                </a:solidFill>
+              </a:rPr>
+              <a:t>Manual testing</a:t>
+            </a:r>
+            <a:endParaRPr lang="en-US" dirty="0">
+              <a:solidFill>
+                <a:schemeClr val="bg1"/>
+              </a:solidFill>
+            </a:endParaRPr>
+          </a:p>
+        </p:txBody>
+      </p:sp>
+      <p:sp>
+        <p:nvSpPr>
+          <p:cNvPr id="15" name="TextBox 14"/>
+          <p:cNvSpPr txBox="1"/>
+          <p:nvPr/>
+        </p:nvSpPr>
+        <p:spPr>
+          <a:xfrm>
+            <a:off x="2328097" y="2161287"/>
+            <a:ext cx="1484113" cy="369332"/>
+          </a:xfrm>
+          <a:prstGeom prst="rect">
+            <a:avLst/>
+          </a:prstGeom>
+          <a:noFill/>
+        </p:spPr>
+        <p:txBody>
+          <a:bodyPr wrap="none" rtlCol="0">
+            <a:spAutoFit/>
+          </a:bodyPr>
+          <a:lstStyle/>
+          <a:p>
+            <a:r>
+              <a:rPr lang="en-US" dirty="0" smtClean="0"/>
+              <a:t>System levels</a:t>
+            </a:r>
+            <a:endParaRPr lang="en-US" dirty="0"/>
+          </a:p>
+        </p:txBody>
+      </p:sp>
+      <p:sp>
+        <p:nvSpPr>
+          <p:cNvPr id="16" name="TextBox 15"/>
+          <p:cNvSpPr txBox="1"/>
+          <p:nvPr/>
+        </p:nvSpPr>
+        <p:spPr>
+          <a:xfrm>
+            <a:off x="4818693" y="2161287"/>
+            <a:ext cx="2422546" cy="369332"/>
+          </a:xfrm>
+          <a:prstGeom prst="rect">
+            <a:avLst/>
+          </a:prstGeom>
+          <a:noFill/>
+        </p:spPr>
+        <p:txBody>
+          <a:bodyPr wrap="none" rtlCol="0">
+            <a:spAutoFit/>
+          </a:bodyPr>
+          <a:lstStyle/>
+          <a:p>
+            <a:r>
+              <a:rPr lang="en-US" dirty="0" smtClean="0"/>
+              <a:t>Example test technique</a:t>
+            </a:r>
+            <a:endParaRPr lang="en-US" dirty="0"/>
+          </a:p>
+        </p:txBody>
+      </p:sp>
+      <p:sp>
+        <p:nvSpPr>
+          <p:cNvPr id="17" name="Rectangle 16"/>
+          <p:cNvSpPr/>
+          <p:nvPr/>
+        </p:nvSpPr>
+        <p:spPr>
+          <a:xfrm>
+            <a:off x="6958909" y="2781014"/>
+            <a:ext cx="1987816" cy="406062"/>
+          </a:xfrm>
+          <a:prstGeom prst="rect">
+            <a:avLst/>
+          </a:prstGeom>
+          <a:gradFill>
+            <a:gsLst>
+              <a:gs pos="0">
+                <a:schemeClr val="tx1">
+                  <a:lumMod val="50000"/>
+                </a:schemeClr>
+              </a:gs>
+              <a:gs pos="40000">
+                <a:schemeClr val="tx1">
+                  <a:lumMod val="75000"/>
+                </a:schemeClr>
+              </a:gs>
+              <a:gs pos="80000">
+                <a:schemeClr val="tx1"/>
+              </a:gs>
+            </a:gsLst>
+          </a:gradFill>
+          <a:ln>
+            <a:noFill/>
+          </a:ln>
+        </p:spPr>
+        <p:style>
+          <a:lnRef idx="1">
+            <a:schemeClr val="accent1"/>
+          </a:lnRef>
+          <a:fillRef idx="3">
+            <a:schemeClr val="accent1"/>
+          </a:fillRef>
+          <a:effectRef idx="2">
+            <a:schemeClr val="accent1"/>
+          </a:effectRef>
+          <a:fontRef idx="minor">
+            <a:schemeClr val="lt1"/>
+          </a:fontRef>
+        </p:style>
+        <p:txBody>
+          <a:bodyPr rtlCol="0" anchor="ctr"/>
+          <a:lstStyle/>
+          <a:p>
+            <a:pPr algn="ctr"/>
+            <a:r>
+              <a:rPr lang="en-US" dirty="0" smtClean="0">
+                <a:solidFill>
+                  <a:schemeClr val="bg1"/>
+                </a:solidFill>
+              </a:rPr>
+              <a:t>Visual GUI testing</a:t>
+            </a:r>
+            <a:endParaRPr lang="en-US" dirty="0">
+              <a:solidFill>
+                <a:schemeClr val="bg1"/>
+              </a:solidFill>
+            </a:endParaRPr>
+          </a:p>
+        </p:txBody>
+      </p:sp>
+      <p:sp>
+        <p:nvSpPr>
+          <p:cNvPr id="18" name="Cloud 17"/>
+          <p:cNvSpPr/>
+          <p:nvPr/>
+        </p:nvSpPr>
+        <p:spPr>
+          <a:xfrm rot="428369">
+            <a:off x="1388253" y="1789004"/>
+            <a:ext cx="6930819" cy="3057969"/>
+          </a:xfrm>
+          <a:prstGeom prst="cloud">
+            <a:avLst/>
+          </a:prstGeom>
+          <a:ln/>
+        </p:spPr>
+        <p:style>
+          <a:lnRef idx="1">
+            <a:schemeClr val="accent6"/>
+          </a:lnRef>
+          <a:fillRef idx="3">
+            <a:schemeClr val="accent6"/>
+          </a:fillRef>
+          <a:effectRef idx="2">
+            <a:schemeClr val="accent6"/>
+          </a:effectRef>
+          <a:fontRef idx="minor">
+            <a:schemeClr val="lt1"/>
+          </a:fontRef>
+        </p:style>
+        <p:txBody>
+          <a:bodyPr rtlCol="0" anchor="ctr"/>
+          <a:lstStyle/>
+          <a:p>
+            <a:pPr algn="ctr"/>
+            <a:r>
+              <a:rPr lang="en-US" sz="4000" dirty="0" smtClean="0">
+                <a:solidFill>
+                  <a:schemeClr val="tx1"/>
+                </a:solidFill>
+              </a:rPr>
+              <a:t>NOT ONE TEST TECHNIQUE TO RULE THEM ALL! </a:t>
+            </a:r>
+            <a:endParaRPr lang="en-US" sz="4000" dirty="0">
+              <a:solidFill>
+                <a:schemeClr val="tx1"/>
+              </a:solidFill>
+            </a:endParaRPr>
+          </a:p>
+        </p:txBody>
+      </p:sp>
+    </p:spTree>
+  </p:cSld>
+  <p:clrMapOvr>
+    <a:masterClrMapping/>
+  </p:clrMapOvr>
+  <p:transition xmlns:p14="http://schemas.microsoft.com/office/powerpoint/2010/main">
+    <p:fade/>
+  </p:transition>
+  <p:timing>
+    <p:tnLst>
+      <p:par>
+        <p:cTn xmlns:p14="http://schemas.microsoft.com/office/powerpoint/2010/main" id="1" dur="indefinite" restart="never" nodeType="tmRoot">
+          <p:childTnLst>
+            <p:seq concurrent="1" nextAc="seek">
+              <p:cTn id="2" dur="indefinite" nodeType="mainSeq">
+                <p:childTnLst>
+                  <p:par>
+                    <p:cTn id="3" fill="hold">
+                      <p:stCondLst>
+                        <p:cond delay="indefinite"/>
+                      </p:stCondLst>
+                      <p:childTnLst>
+                        <p:par>
+                          <p:cTn id="4" fill="hold">
+                            <p:stCondLst>
+                              <p:cond delay="0"/>
+                            </p:stCondLst>
+                            <p:childTnLst>
+                              <p:par>
+                                <p:cTn id="5" presetID="1" presetClass="entr" presetSubtype="0" fill="hold" nodeType="clickEffect">
+                                  <p:stCondLst>
+                                    <p:cond delay="0"/>
+                                  </p:stCondLst>
+                                  <p:childTnLst>
+                                    <p:set>
+                                      <p:cBhvr>
+                                        <p:cTn id="6" dur="1" fill="hold">
+                                          <p:stCondLst>
+                                            <p:cond delay="0"/>
+                                          </p:stCondLst>
+                                        </p:cTn>
+                                        <p:tgtEl>
+                                          <p:spTgt spid="42"/>
+                                        </p:tgtEl>
+                                        <p:attrNameLst>
+                                          <p:attrName>style.visibility</p:attrName>
+                                        </p:attrNameLst>
+                                      </p:cBhvr>
+                                      <p:to>
+                                        <p:strVal val="visible"/>
+                                      </p:to>
+                                    </p:set>
+                                  </p:childTnLst>
+                                </p:cTn>
+                              </p:par>
+                              <p:par>
+                                <p:cTn id="7" presetID="1" presetClass="entr" presetSubtype="0" fill="hold" grpId="0" nodeType="withEffect">
+                                  <p:stCondLst>
+                                    <p:cond delay="0"/>
+                                  </p:stCondLst>
+                                  <p:childTnLst>
+                                    <p:set>
+                                      <p:cBhvr>
+                                        <p:cTn id="8" dur="1" fill="hold">
+                                          <p:stCondLst>
+                                            <p:cond delay="0"/>
+                                          </p:stCondLst>
+                                        </p:cTn>
+                                        <p:tgtEl>
+                                          <p:spTgt spid="40"/>
+                                        </p:tgtEl>
+                                        <p:attrNameLst>
+                                          <p:attrName>style.visibility</p:attrName>
+                                        </p:attrNameLst>
+                                      </p:cBhvr>
+                                      <p:to>
+                                        <p:strVal val="visible"/>
+                                      </p:to>
+                                    </p:set>
+                                  </p:childTnLst>
+                                </p:cTn>
+                              </p:par>
+                              <p:par>
+                                <p:cTn id="9" presetID="1" presetClass="entr" presetSubtype="0" fill="hold" grpId="0" nodeType="withEffect">
+                                  <p:stCondLst>
+                                    <p:cond delay="0"/>
+                                  </p:stCondLst>
+                                  <p:childTnLst>
+                                    <p:set>
+                                      <p:cBhvr>
+                                        <p:cTn id="10" dur="1" fill="hold">
+                                          <p:stCondLst>
+                                            <p:cond delay="0"/>
+                                          </p:stCondLst>
+                                        </p:cTn>
+                                        <p:tgtEl>
+                                          <p:spTgt spid="39"/>
+                                        </p:tgtEl>
+                                        <p:attrNameLst>
+                                          <p:attrName>style.visibility</p:attrName>
+                                        </p:attrNameLst>
+                                      </p:cBhvr>
+                                      <p:to>
+                                        <p:strVal val="visible"/>
+                                      </p:to>
+                                    </p:set>
+                                  </p:childTnLst>
+                                </p:cTn>
+                              </p:par>
+                              <p:par>
+                                <p:cTn id="11" presetID="1" presetClass="entr" presetSubtype="0" fill="hold" grpId="0" nodeType="withEffect">
+                                  <p:stCondLst>
+                                    <p:cond delay="0"/>
+                                  </p:stCondLst>
+                                  <p:childTnLst>
+                                    <p:set>
+                                      <p:cBhvr>
+                                        <p:cTn id="12" dur="1" fill="hold">
+                                          <p:stCondLst>
+                                            <p:cond delay="0"/>
+                                          </p:stCondLst>
+                                        </p:cTn>
+                                        <p:tgtEl>
+                                          <p:spTgt spid="15"/>
+                                        </p:tgtEl>
+                                        <p:attrNameLst>
+                                          <p:attrName>style.visibility</p:attrName>
+                                        </p:attrNameLst>
+                                      </p:cBhvr>
+                                      <p:to>
+                                        <p:strVal val="visible"/>
+                                      </p:to>
+                                    </p:set>
+                                  </p:childTnLst>
+                                </p:cTn>
+                              </p:par>
+                              <p:par>
+                                <p:cTn id="13" presetID="1" presetClass="entr" presetSubtype="0" fill="hold" grpId="0" nodeType="withEffect">
+                                  <p:stCondLst>
+                                    <p:cond delay="0"/>
+                                  </p:stCondLst>
+                                  <p:childTnLst>
+                                    <p:set>
+                                      <p:cBhvr>
+                                        <p:cTn id="14" dur="1" fill="hold">
+                                          <p:stCondLst>
+                                            <p:cond delay="0"/>
+                                          </p:stCondLst>
+                                        </p:cTn>
+                                        <p:tgtEl>
+                                          <p:spTgt spid="16"/>
+                                        </p:tgtEl>
+                                        <p:attrNameLst>
+                                          <p:attrName>style.visibility</p:attrName>
+                                        </p:attrNameLst>
+                                      </p:cBhvr>
+                                      <p:to>
+                                        <p:strVal val="visible"/>
+                                      </p:to>
+                                    </p:set>
+                                  </p:childTnLst>
+                                </p:cTn>
+                              </p:par>
+                            </p:childTnLst>
+                          </p:cTn>
+                        </p:par>
+                      </p:childTnLst>
+                    </p:cTn>
+                  </p:par>
+                  <p:par>
+                    <p:cTn id="15" fill="hold">
+                      <p:stCondLst>
+                        <p:cond delay="indefinite"/>
+                      </p:stCondLst>
+                      <p:childTnLst>
+                        <p:par>
+                          <p:cTn id="16" fill="hold">
+                            <p:stCondLst>
+                              <p:cond delay="0"/>
+                            </p:stCondLst>
+                            <p:childTnLst>
+                              <p:par>
+                                <p:cTn id="17" presetID="1" presetClass="entr" presetSubtype="0" fill="hold" grpId="0" nodeType="clickEffect">
+                                  <p:stCondLst>
+                                    <p:cond delay="0"/>
+                                  </p:stCondLst>
+                                  <p:childTnLst>
+                                    <p:set>
+                                      <p:cBhvr>
+                                        <p:cTn id="18" dur="1" fill="hold">
+                                          <p:stCondLst>
+                                            <p:cond delay="0"/>
+                                          </p:stCondLst>
+                                        </p:cTn>
+                                        <p:tgtEl>
+                                          <p:spTgt spid="38"/>
+                                        </p:tgtEl>
+                                        <p:attrNameLst>
+                                          <p:attrName>style.visibility</p:attrName>
+                                        </p:attrNameLst>
+                                      </p:cBhvr>
+                                      <p:to>
+                                        <p:strVal val="visible"/>
+                                      </p:to>
+                                    </p:set>
+                                  </p:childTnLst>
+                                </p:cTn>
+                              </p:par>
+                            </p:childTnLst>
+                          </p:cTn>
+                        </p:par>
+                      </p:childTnLst>
+                    </p:cTn>
+                  </p:par>
+                  <p:par>
+                    <p:cTn id="19" fill="hold">
+                      <p:stCondLst>
+                        <p:cond delay="indefinite"/>
+                      </p:stCondLst>
+                      <p:childTnLst>
+                        <p:par>
+                          <p:cTn id="20" fill="hold">
+                            <p:stCondLst>
+                              <p:cond delay="0"/>
+                            </p:stCondLst>
+                            <p:childTnLst>
+                              <p:par>
+                                <p:cTn id="21" presetID="1" presetClass="entr" presetSubtype="0" fill="hold" grpId="0" nodeType="clickEffect">
+                                  <p:stCondLst>
+                                    <p:cond delay="0"/>
+                                  </p:stCondLst>
+                                  <p:childTnLst>
+                                    <p:set>
+                                      <p:cBhvr>
+                                        <p:cTn id="22" dur="1" fill="hold">
+                                          <p:stCondLst>
+                                            <p:cond delay="0"/>
+                                          </p:stCondLst>
+                                        </p:cTn>
+                                        <p:tgtEl>
+                                          <p:spTgt spid="37"/>
+                                        </p:tgtEl>
+                                        <p:attrNameLst>
+                                          <p:attrName>style.visibility</p:attrName>
+                                        </p:attrNameLst>
+                                      </p:cBhvr>
+                                      <p:to>
+                                        <p:strVal val="visible"/>
+                                      </p:to>
+                                    </p:set>
+                                  </p:childTnLst>
+                                </p:cTn>
+                              </p:par>
+                            </p:childTnLst>
+                          </p:cTn>
+                        </p:par>
+                      </p:childTnLst>
+                    </p:cTn>
+                  </p:par>
+                  <p:par>
+                    <p:cTn id="23" fill="hold">
+                      <p:stCondLst>
+                        <p:cond delay="indefinite"/>
+                      </p:stCondLst>
+                      <p:childTnLst>
+                        <p:par>
+                          <p:cTn id="24" fill="hold">
+                            <p:stCondLst>
+                              <p:cond delay="0"/>
+                            </p:stCondLst>
+                            <p:childTnLst>
+                              <p:par>
+                                <p:cTn id="25" presetID="1" presetClass="entr" presetSubtype="0" fill="hold" grpId="0" nodeType="clickEffect">
+                                  <p:stCondLst>
+                                    <p:cond delay="0"/>
+                                  </p:stCondLst>
+                                  <p:childTnLst>
+                                    <p:set>
+                                      <p:cBhvr>
+                                        <p:cTn id="26" dur="1" fill="hold">
+                                          <p:stCondLst>
+                                            <p:cond delay="0"/>
+                                          </p:stCondLst>
+                                        </p:cTn>
+                                        <p:tgtEl>
+                                          <p:spTgt spid="36"/>
+                                        </p:tgtEl>
+                                        <p:attrNameLst>
+                                          <p:attrName>style.visibility</p:attrName>
+                                        </p:attrNameLst>
+                                      </p:cBhvr>
+                                      <p:to>
+                                        <p:strVal val="visible"/>
+                                      </p:to>
+                                    </p:set>
+                                  </p:childTnLst>
+                                </p:cTn>
+                              </p:par>
+                            </p:childTnLst>
+                          </p:cTn>
+                        </p:par>
+                      </p:childTnLst>
+                    </p:cTn>
+                  </p:par>
+                  <p:par>
+                    <p:cTn id="27" fill="hold">
+                      <p:stCondLst>
+                        <p:cond delay="indefinite"/>
+                      </p:stCondLst>
+                      <p:childTnLst>
+                        <p:par>
+                          <p:cTn id="28" fill="hold">
+                            <p:stCondLst>
+                              <p:cond delay="0"/>
+                            </p:stCondLst>
+                            <p:childTnLst>
+                              <p:par>
+                                <p:cTn id="29" presetID="1" presetClass="entr" presetSubtype="0" fill="hold" grpId="0" nodeType="clickEffect">
+                                  <p:stCondLst>
+                                    <p:cond delay="0"/>
+                                  </p:stCondLst>
+                                  <p:childTnLst>
+                                    <p:set>
+                                      <p:cBhvr>
+                                        <p:cTn id="30" dur="1" fill="hold">
+                                          <p:stCondLst>
+                                            <p:cond delay="0"/>
+                                          </p:stCondLst>
+                                        </p:cTn>
+                                        <p:tgtEl>
+                                          <p:spTgt spid="35"/>
+                                        </p:tgtEl>
+                                        <p:attrNameLst>
+                                          <p:attrName>style.visibility</p:attrName>
+                                        </p:attrNameLst>
+                                      </p:cBhvr>
+                                      <p:to>
+                                        <p:strVal val="visible"/>
+                                      </p:to>
+                                    </p:set>
+                                  </p:childTnLst>
+                                </p:cTn>
+                              </p:par>
+                            </p:childTnLst>
+                          </p:cTn>
+                        </p:par>
+                      </p:childTnLst>
+                    </p:cTn>
+                  </p:par>
+                  <p:par>
+                    <p:cTn id="31" fill="hold">
+                      <p:stCondLst>
+                        <p:cond delay="indefinite"/>
+                      </p:stCondLst>
+                      <p:childTnLst>
+                        <p:par>
+                          <p:cTn id="32" fill="hold">
+                            <p:stCondLst>
+                              <p:cond delay="0"/>
+                            </p:stCondLst>
+                            <p:childTnLst>
+                              <p:par>
+                                <p:cTn id="33" presetID="1" presetClass="entr" presetSubtype="0" fill="hold" grpId="0" nodeType="clickEffect">
+                                  <p:stCondLst>
+                                    <p:cond delay="0"/>
+                                  </p:stCondLst>
+                                  <p:childTnLst>
+                                    <p:set>
+                                      <p:cBhvr>
+                                        <p:cTn id="34" dur="1" fill="hold">
+                                          <p:stCondLst>
+                                            <p:cond delay="0"/>
+                                          </p:stCondLst>
+                                        </p:cTn>
+                                        <p:tgtEl>
+                                          <p:spTgt spid="11"/>
+                                        </p:tgtEl>
+                                        <p:attrNameLst>
+                                          <p:attrName>style.visibility</p:attrName>
+                                        </p:attrNameLst>
+                                      </p:cBhvr>
+                                      <p:to>
+                                        <p:strVal val="visible"/>
+                                      </p:to>
+                                    </p:set>
+                                  </p:childTnLst>
+                                </p:cTn>
+                              </p:par>
+                            </p:childTnLst>
+                          </p:cTn>
+                        </p:par>
+                      </p:childTnLst>
+                    </p:cTn>
+                  </p:par>
+                  <p:par>
+                    <p:cTn id="35" fill="hold">
+                      <p:stCondLst>
+                        <p:cond delay="indefinite"/>
+                      </p:stCondLst>
+                      <p:childTnLst>
+                        <p:par>
+                          <p:cTn id="36" fill="hold">
+                            <p:stCondLst>
+                              <p:cond delay="0"/>
+                            </p:stCondLst>
+                            <p:childTnLst>
+                              <p:par>
+                                <p:cTn id="37" presetID="1" presetClass="entr" presetSubtype="0" fill="hold" grpId="0" nodeType="clickEffect">
+                                  <p:stCondLst>
+                                    <p:cond delay="0"/>
+                                  </p:stCondLst>
+                                  <p:childTnLst>
+                                    <p:set>
+                                      <p:cBhvr>
+                                        <p:cTn id="38" dur="1" fill="hold">
+                                          <p:stCondLst>
+                                            <p:cond delay="0"/>
+                                          </p:stCondLst>
+                                        </p:cTn>
+                                        <p:tgtEl>
+                                          <p:spTgt spid="12"/>
+                                        </p:tgtEl>
+                                        <p:attrNameLst>
+                                          <p:attrName>style.visibility</p:attrName>
+                                        </p:attrNameLst>
+                                      </p:cBhvr>
+                                      <p:to>
+                                        <p:strVal val="visible"/>
+                                      </p:to>
+                                    </p:set>
+                                  </p:childTnLst>
+                                </p:cTn>
+                              </p:par>
+                            </p:childTnLst>
+                          </p:cTn>
+                        </p:par>
+                      </p:childTnLst>
+                    </p:cTn>
+                  </p:par>
+                  <p:par>
+                    <p:cTn id="39" fill="hold">
+                      <p:stCondLst>
+                        <p:cond delay="indefinite"/>
+                      </p:stCondLst>
+                      <p:childTnLst>
+                        <p:par>
+                          <p:cTn id="40" fill="hold">
+                            <p:stCondLst>
+                              <p:cond delay="0"/>
+                            </p:stCondLst>
+                            <p:childTnLst>
+                              <p:par>
+                                <p:cTn id="41" presetID="1" presetClass="entr" presetSubtype="0" fill="hold" grpId="0" nodeType="clickEffect">
+                                  <p:stCondLst>
+                                    <p:cond delay="0"/>
+                                  </p:stCondLst>
+                                  <p:childTnLst>
+                                    <p:set>
+                                      <p:cBhvr>
+                                        <p:cTn id="42" dur="1" fill="hold">
+                                          <p:stCondLst>
+                                            <p:cond delay="0"/>
+                                          </p:stCondLst>
+                                        </p:cTn>
+                                        <p:tgtEl>
+                                          <p:spTgt spid="13"/>
+                                        </p:tgtEl>
+                                        <p:attrNameLst>
+                                          <p:attrName>style.visibility</p:attrName>
+                                        </p:attrNameLst>
+                                      </p:cBhvr>
+                                      <p:to>
+                                        <p:strVal val="visible"/>
+                                      </p:to>
+                                    </p:set>
+                                  </p:childTnLst>
+                                </p:cTn>
+                              </p:par>
+                            </p:childTnLst>
+                          </p:cTn>
+                        </p:par>
+                      </p:childTnLst>
+                    </p:cTn>
+                  </p:par>
+                  <p:par>
+                    <p:cTn id="43" fill="hold">
+                      <p:stCondLst>
+                        <p:cond delay="indefinite"/>
+                      </p:stCondLst>
+                      <p:childTnLst>
+                        <p:par>
+                          <p:cTn id="44" fill="hold">
+                            <p:stCondLst>
+                              <p:cond delay="0"/>
+                            </p:stCondLst>
+                            <p:childTnLst>
+                              <p:par>
+                                <p:cTn id="45" presetID="1" presetClass="entr" presetSubtype="0" fill="hold" grpId="0" nodeType="clickEffect">
+                                  <p:stCondLst>
+                                    <p:cond delay="0"/>
+                                  </p:stCondLst>
+                                  <p:childTnLst>
+                                    <p:set>
+                                      <p:cBhvr>
+                                        <p:cTn id="46" dur="1" fill="hold">
+                                          <p:stCondLst>
+                                            <p:cond delay="0"/>
+                                          </p:stCondLst>
+                                        </p:cTn>
+                                        <p:tgtEl>
+                                          <p:spTgt spid="14"/>
+                                        </p:tgtEl>
+                                        <p:attrNameLst>
+                                          <p:attrName>style.visibility</p:attrName>
+                                        </p:attrNameLst>
+                                      </p:cBhvr>
+                                      <p:to>
+                                        <p:strVal val="visible"/>
+                                      </p:to>
+                                    </p:set>
+                                  </p:childTnLst>
+                                </p:cTn>
+                              </p:par>
+                            </p:childTnLst>
+                          </p:cTn>
+                        </p:par>
+                      </p:childTnLst>
+                    </p:cTn>
+                  </p:par>
+                  <p:par>
+                    <p:cTn id="47" fill="hold">
+                      <p:stCondLst>
+                        <p:cond delay="indefinite"/>
+                      </p:stCondLst>
+                      <p:childTnLst>
+                        <p:par>
+                          <p:cTn id="48" fill="hold">
+                            <p:stCondLst>
+                              <p:cond delay="0"/>
+                            </p:stCondLst>
+                            <p:childTnLst>
+                              <p:par>
+                                <p:cTn id="49" presetID="1" presetClass="entr" presetSubtype="0" fill="hold" grpId="0" nodeType="clickEffect">
+                                  <p:stCondLst>
+                                    <p:cond delay="0"/>
+                                  </p:stCondLst>
+                                  <p:childTnLst>
+                                    <p:set>
+                                      <p:cBhvr>
+                                        <p:cTn id="50" dur="1" fill="hold">
+                                          <p:stCondLst>
+                                            <p:cond delay="0"/>
+                                          </p:stCondLst>
+                                        </p:cTn>
+                                        <p:tgtEl>
+                                          <p:spTgt spid="17"/>
+                                        </p:tgtEl>
+                                        <p:attrNameLst>
+                                          <p:attrName>style.visibility</p:attrName>
+                                        </p:attrNameLst>
+                                      </p:cBhvr>
+                                      <p:to>
+                                        <p:strVal val="visible"/>
+                                      </p:to>
+                                    </p:set>
+                                  </p:childTnLst>
+                                </p:cTn>
+                              </p:par>
+                            </p:childTnLst>
+                          </p:cTn>
+                        </p:par>
+                      </p:childTnLst>
+                    </p:cTn>
+                  </p:par>
+                  <p:par>
+                    <p:cTn id="51" fill="hold">
+                      <p:stCondLst>
+                        <p:cond delay="indefinite"/>
+                      </p:stCondLst>
+                      <p:childTnLst>
+                        <p:par>
+                          <p:cTn id="52" fill="hold">
+                            <p:stCondLst>
+                              <p:cond delay="0"/>
+                            </p:stCondLst>
+                            <p:childTnLst>
+                              <p:par>
+                                <p:cTn id="53" presetID="10" presetClass="entr" presetSubtype="0" fill="hold" grpId="0" nodeType="clickEffect">
+                                  <p:stCondLst>
+                                    <p:cond delay="0"/>
+                                  </p:stCondLst>
+                                  <p:childTnLst>
+                                    <p:set>
+                                      <p:cBhvr>
+                                        <p:cTn id="54" dur="1" fill="hold">
+                                          <p:stCondLst>
+                                            <p:cond delay="0"/>
+                                          </p:stCondLst>
+                                        </p:cTn>
+                                        <p:tgtEl>
+                                          <p:spTgt spid="18"/>
+                                        </p:tgtEl>
+                                        <p:attrNameLst>
+                                          <p:attrName>style.visibility</p:attrName>
+                                        </p:attrNameLst>
+                                      </p:cBhvr>
+                                      <p:to>
+                                        <p:strVal val="visible"/>
+                                      </p:to>
+                                    </p:set>
+                                    <p:animEffect transition="in" filter="fade">
+                                      <p:cBhvr>
+                                        <p:cTn id="55" dur="500"/>
+                                        <p:tgtEl>
+                                          <p:spTgt spid="18"/>
+                                        </p:tgtEl>
+                                      </p:cBhvr>
+                                    </p:animEffect>
+                                  </p:childTnLst>
+                                </p:cTn>
+                              </p:par>
+                            </p:childTnLst>
+                          </p:cTn>
+                        </p:par>
+                      </p:childTnLst>
+                    </p:cTn>
+                  </p:par>
+                </p:childTnLst>
+              </p:cTn>
+              <p:prevCondLst>
+                <p:cond evt="onPrev" delay="0">
+                  <p:tgtEl>
+                    <p:sldTgt/>
+                  </p:tgtEl>
+                </p:cond>
+              </p:prevCondLst>
+              <p:nextCondLst>
+                <p:cond evt="onNext" delay="0">
+                  <p:tgtEl>
+                    <p:sldTgt/>
+                  </p:tgtEl>
+                </p:cond>
+              </p:nextCondLst>
+            </p:seq>
+          </p:childTnLst>
+        </p:cTn>
+      </p:par>
+    </p:tnLst>
+    <p:bldLst>
+      <p:bldP spid="35" grpId="0" animBg="1"/>
+      <p:bldP spid="36" grpId="0" animBg="1"/>
+      <p:bldP spid="37" grpId="0" animBg="1"/>
+      <p:bldP spid="38" grpId="0" animBg="1"/>
+      <p:bldP spid="39" grpId="0"/>
+      <p:bldP spid="40" grpId="0"/>
+      <p:bldP spid="11" grpId="0" animBg="1"/>
+      <p:bldP spid="12" grpId="0" animBg="1"/>
+      <p:bldP spid="13" grpId="0" animBg="1"/>
+      <p:bldP spid="14" grpId="0" animBg="1"/>
+      <p:bldP spid="15" grpId="0"/>
+      <p:bldP spid="16" grpId="0"/>
+      <p:bldP spid="17" grpId="0" animBg="1"/>
+      <p:bldP spid="18" grpId="0" animBg="1"/>
+    </p:bldLst>
+  </p:timing>
+</p:sld>
+</file>
+
+<file path=ppt/slides/slide4.xml><?xml version="1.0" encoding="utf-8"?>
+<p:sld xmlns:a="http://schemas.openxmlformats.org/drawingml/2006/main" xmlns:r="http://schemas.openxmlformats.org/officeDocument/2006/relationships" xmlns:p="http://schemas.openxmlformats.org/presentationml/2006/main">
+  <p:cSld>
+    <p:spTree>
+      <p:nvGrpSpPr>
+        <p:cNvPr id="1" name=""/>
+        <p:cNvGrpSpPr/>
+        <p:nvPr/>
+      </p:nvGrpSpPr>
+      <p:grpSpPr>
+        <a:xfrm>
+          <a:off x="0" y="0"/>
+          <a:ext cx="0" cy="0"/>
+          <a:chOff x="0" y="0"/>
+          <a:chExt cx="0" cy="0"/>
+        </a:xfrm>
+      </p:grpSpPr>
+      <p:sp>
+        <p:nvSpPr>
+          <p:cNvPr id="60" name="Rectangle 59"/>
+          <p:cNvSpPr/>
+          <p:nvPr/>
+        </p:nvSpPr>
+        <p:spPr>
+          <a:xfrm>
+            <a:off x="5990372" y="4313895"/>
+            <a:ext cx="2311005" cy="1016443"/>
+          </a:xfrm>
+          <a:prstGeom prst="rect">
+            <a:avLst/>
+          </a:prstGeom>
+          <a:gradFill>
+            <a:gsLst>
+              <a:gs pos="0">
+                <a:schemeClr val="tx1">
+                  <a:lumMod val="65000"/>
+                  <a:lumOff val="35000"/>
+                </a:schemeClr>
+              </a:gs>
+              <a:gs pos="65000">
+                <a:schemeClr val="bg1">
+                  <a:lumMod val="75000"/>
+                </a:schemeClr>
+              </a:gs>
+              <a:gs pos="100000">
+                <a:schemeClr val="bg1"/>
+              </a:gs>
+            </a:gsLst>
+          </a:gradFill>
+          <a:ln>
+            <a:solidFill>
+              <a:schemeClr val="tx2"/>
+            </a:solidFill>
+          </a:ln>
+        </p:spPr>
+        <p:style>
+          <a:lnRef idx="1">
+            <a:schemeClr val="accent1"/>
+          </a:lnRef>
+          <a:fillRef idx="3">
+            <a:schemeClr val="accent1"/>
+          </a:fillRef>
+          <a:effectRef idx="2">
+            <a:schemeClr val="accent1"/>
+          </a:effectRef>
+          <a:fontRef idx="minor">
+            <a:schemeClr val="lt1"/>
+          </a:fontRef>
+        </p:style>
+        <p:txBody>
+          <a:bodyPr rtlCol="0" anchor="ctr"/>
+          <a:lstStyle/>
+          <a:p>
+            <a:pPr algn="ctr"/>
+            <a:r>
+              <a:rPr lang="en-US" dirty="0" smtClean="0">
+                <a:solidFill>
+                  <a:srgbClr val="000000"/>
+                </a:solidFill>
+              </a:rPr>
+              <a:t>OK</a:t>
+            </a:r>
+            <a:endParaRPr lang="en-US" dirty="0">
+              <a:solidFill>
+                <a:srgbClr val="000000"/>
+              </a:solidFill>
+            </a:endParaRPr>
+          </a:p>
+        </p:txBody>
+      </p:sp>
+      <p:sp>
+        <p:nvSpPr>
+          <p:cNvPr id="2" name="Title 1"/>
+          <p:cNvSpPr>
+            <a:spLocks noGrp="1"/>
+          </p:cNvSpPr>
+          <p:nvPr>
+            <p:ph type="title"/>
+          </p:nvPr>
+        </p:nvSpPr>
+        <p:spPr/>
+        <p:txBody>
+          <a:bodyPr/>
+          <a:lstStyle/>
+          <a:p>
+            <a:r>
+              <a:rPr lang="en-US" dirty="0" smtClean="0"/>
+              <a:t>Automation</a:t>
+            </a:r>
+            <a:endParaRPr lang="en-US" dirty="0"/>
+          </a:p>
+        </p:txBody>
+      </p:sp>
+      <p:sp>
+        <p:nvSpPr>
+          <p:cNvPr id="6" name="TextBox 5"/>
+          <p:cNvSpPr txBox="1"/>
+          <p:nvPr/>
+        </p:nvSpPr>
+        <p:spPr>
+          <a:xfrm>
+            <a:off x="724657" y="1546241"/>
+            <a:ext cx="3210935" cy="1077218"/>
+          </a:xfrm>
+          <a:prstGeom prst="rect">
+            <a:avLst/>
+          </a:prstGeom>
+          <a:noFill/>
+        </p:spPr>
+        <p:txBody>
+          <a:bodyPr wrap="none" rtlCol="0">
+            <a:spAutoFit/>
+          </a:bodyPr>
+          <a:lstStyle/>
+          <a:p>
+            <a:pPr algn="ctr"/>
+            <a:r>
+              <a:rPr lang="en-US" sz="3200" dirty="0" smtClean="0"/>
+              <a:t>Unit tests</a:t>
+            </a:r>
+          </a:p>
+          <a:p>
+            <a:pPr algn="ctr"/>
+            <a:r>
+              <a:rPr lang="en-US" sz="3200" dirty="0" smtClean="0"/>
+              <a:t>(Low level testing)</a:t>
+            </a:r>
+            <a:endParaRPr lang="en-US" sz="3200" dirty="0"/>
+          </a:p>
+        </p:txBody>
+      </p:sp>
+      <p:sp>
+        <p:nvSpPr>
+          <p:cNvPr id="7" name="TextBox 6"/>
+          <p:cNvSpPr txBox="1"/>
+          <p:nvPr/>
+        </p:nvSpPr>
+        <p:spPr>
+          <a:xfrm>
+            <a:off x="5351190" y="1546241"/>
+            <a:ext cx="3261630" cy="1077218"/>
+          </a:xfrm>
+          <a:prstGeom prst="rect">
+            <a:avLst/>
+          </a:prstGeom>
+          <a:noFill/>
+        </p:spPr>
+        <p:txBody>
+          <a:bodyPr wrap="none" rtlCol="0">
+            <a:spAutoFit/>
+          </a:bodyPr>
+          <a:lstStyle/>
+          <a:p>
+            <a:r>
+              <a:rPr lang="en-US" sz="3200" dirty="0" smtClean="0"/>
+              <a:t>Record and Replay</a:t>
+            </a:r>
+          </a:p>
+          <a:p>
+            <a:r>
+              <a:rPr lang="en-US" sz="3200" dirty="0" smtClean="0"/>
+              <a:t>(High level testing)</a:t>
+            </a:r>
+            <a:endParaRPr lang="en-US" sz="3200" dirty="0"/>
+          </a:p>
+        </p:txBody>
+      </p:sp>
+      <p:grpSp>
+        <p:nvGrpSpPr>
+          <p:cNvPr id="3" name="Group 32"/>
+          <p:cNvGrpSpPr/>
+          <p:nvPr/>
+        </p:nvGrpSpPr>
+        <p:grpSpPr>
+          <a:xfrm>
+            <a:off x="387047" y="2717648"/>
+            <a:ext cx="3785809" cy="3096527"/>
+            <a:chOff x="387047" y="2717648"/>
+            <a:chExt cx="3785809" cy="3096527"/>
+          </a:xfrm>
+        </p:grpSpPr>
+        <p:sp>
+          <p:nvSpPr>
+            <p:cNvPr id="16" name="Rectangle 15"/>
+            <p:cNvSpPr/>
+            <p:nvPr/>
+          </p:nvSpPr>
+          <p:spPr>
+            <a:xfrm>
+              <a:off x="387047" y="2717648"/>
+              <a:ext cx="3785809" cy="3096527"/>
+            </a:xfrm>
+            <a:prstGeom prst="rect">
+              <a:avLst/>
+            </a:prstGeom>
+            <a:noFill/>
+            <a:ln>
+              <a:solidFill>
+                <a:schemeClr val="bg1"/>
+              </a:solidFill>
+            </a:ln>
+          </p:spPr>
+          <p:style>
+            <a:lnRef idx="1">
+              <a:schemeClr val="accent1"/>
+            </a:lnRef>
+            <a:fillRef idx="3">
+              <a:schemeClr val="accent1"/>
+            </a:fillRef>
+            <a:effectRef idx="2">
+              <a:schemeClr val="accent1"/>
+            </a:effectRef>
+            <a:fontRef idx="minor">
+              <a:schemeClr val="lt1"/>
+            </a:fontRef>
+          </p:style>
+          <p:txBody>
+            <a:bodyPr rtlCol="0" anchor="ctr"/>
+            <a:lstStyle/>
+            <a:p>
+              <a:pPr algn="ctr"/>
+              <a:endParaRPr lang="en-US"/>
+            </a:p>
+          </p:txBody>
+        </p:sp>
+        <p:grpSp>
+          <p:nvGrpSpPr>
+            <p:cNvPr id="4" name="Group 31"/>
+            <p:cNvGrpSpPr/>
+            <p:nvPr/>
+          </p:nvGrpSpPr>
+          <p:grpSpPr>
+            <a:xfrm>
+              <a:off x="770142" y="2951389"/>
+              <a:ext cx="2929917" cy="2655812"/>
+              <a:chOff x="770142" y="2951389"/>
+              <a:chExt cx="2929917" cy="2655812"/>
+            </a:xfrm>
+          </p:grpSpPr>
+          <p:sp>
+            <p:nvSpPr>
+              <p:cNvPr id="9" name="Oval 8"/>
+              <p:cNvSpPr/>
+              <p:nvPr/>
+            </p:nvSpPr>
+            <p:spPr>
+              <a:xfrm>
+                <a:off x="1076476" y="3168952"/>
+                <a:ext cx="435126" cy="435126"/>
+              </a:xfrm>
+              <a:prstGeom prst="ellipse">
+                <a:avLst/>
+              </a:prstGeom>
+              <a:gradFill>
+                <a:gsLst>
+                  <a:gs pos="0">
+                    <a:srgbClr val="008000"/>
+                  </a:gs>
+                  <a:gs pos="65000">
+                    <a:schemeClr val="accent3">
+                      <a:lumMod val="75000"/>
+                    </a:schemeClr>
+                  </a:gs>
+                  <a:gs pos="100000">
+                    <a:schemeClr val="accent3"/>
+                  </a:gs>
+                </a:gsLst>
+              </a:gradFill>
+              <a:ln>
+                <a:noFill/>
+              </a:ln>
+            </p:spPr>
+            <p:style>
+              <a:lnRef idx="1">
+                <a:schemeClr val="accent1"/>
+              </a:lnRef>
+              <a:fillRef idx="3">
+                <a:schemeClr val="accent1"/>
+              </a:fillRef>
+              <a:effectRef idx="2">
+                <a:schemeClr val="accent1"/>
+              </a:effectRef>
+              <a:fontRef idx="minor">
+                <a:schemeClr val="lt1"/>
+              </a:fontRef>
+            </p:style>
+            <p:txBody>
+              <a:bodyPr rtlCol="0" anchor="ctr"/>
+              <a:lstStyle/>
+              <a:p>
+                <a:pPr algn="ctr"/>
+                <a:endParaRPr lang="en-US"/>
+              </a:p>
+            </p:txBody>
+          </p:sp>
+          <p:sp>
+            <p:nvSpPr>
+              <p:cNvPr id="10" name="Oval 9"/>
+              <p:cNvSpPr/>
+              <p:nvPr/>
+            </p:nvSpPr>
+            <p:spPr>
+              <a:xfrm>
+                <a:off x="3070978" y="2951389"/>
+                <a:ext cx="435126" cy="435126"/>
+              </a:xfrm>
+              <a:prstGeom prst="ellipse">
+                <a:avLst/>
+              </a:prstGeom>
+              <a:ln/>
+            </p:spPr>
+            <p:style>
+              <a:lnRef idx="1">
+                <a:schemeClr val="accent1"/>
+              </a:lnRef>
+              <a:fillRef idx="3">
+                <a:schemeClr val="accent1"/>
+              </a:fillRef>
+              <a:effectRef idx="2">
+                <a:schemeClr val="accent1"/>
+              </a:effectRef>
+              <a:fontRef idx="minor">
+                <a:schemeClr val="lt1"/>
+              </a:fontRef>
+            </p:style>
+            <p:txBody>
+              <a:bodyPr rtlCol="0" anchor="ctr"/>
+              <a:lstStyle/>
+              <a:p>
+                <a:pPr algn="ctr"/>
+                <a:endParaRPr lang="en-US"/>
+              </a:p>
+            </p:txBody>
+          </p:sp>
+          <p:sp>
+            <p:nvSpPr>
+              <p:cNvPr id="11" name="Oval 10"/>
+              <p:cNvSpPr/>
+              <p:nvPr/>
+            </p:nvSpPr>
+            <p:spPr>
+              <a:xfrm>
+                <a:off x="2112562" y="3878187"/>
+                <a:ext cx="435126" cy="435126"/>
+              </a:xfrm>
+              <a:prstGeom prst="ellipse">
+                <a:avLst/>
+              </a:prstGeom>
+              <a:gradFill>
+                <a:gsLst>
+                  <a:gs pos="0">
+                    <a:srgbClr val="008000"/>
+                  </a:gs>
+                  <a:gs pos="65000">
+                    <a:schemeClr val="accent3">
+                      <a:lumMod val="75000"/>
+                    </a:schemeClr>
+                  </a:gs>
+                  <a:gs pos="100000">
+                    <a:schemeClr val="accent3"/>
+                  </a:gs>
+                </a:gsLst>
+              </a:gradFill>
+              <a:ln>
+                <a:noFill/>
+              </a:ln>
+            </p:spPr>
+            <p:style>
+              <a:lnRef idx="1">
+                <a:schemeClr val="accent1"/>
+              </a:lnRef>
+              <a:fillRef idx="3">
+                <a:schemeClr val="accent1"/>
+              </a:fillRef>
+              <a:effectRef idx="2">
+                <a:schemeClr val="accent1"/>
+              </a:effectRef>
+              <a:fontRef idx="minor">
+                <a:schemeClr val="lt1"/>
+              </a:fontRef>
+            </p:style>
+            <p:txBody>
+              <a:bodyPr rtlCol="0" anchor="ctr"/>
+              <a:lstStyle/>
+              <a:p>
+                <a:pPr algn="ctr"/>
+                <a:endParaRPr lang="en-US"/>
+              </a:p>
+            </p:txBody>
+          </p:sp>
+          <p:sp>
+            <p:nvSpPr>
+              <p:cNvPr id="12" name="Oval 11"/>
+              <p:cNvSpPr/>
+              <p:nvPr/>
+            </p:nvSpPr>
+            <p:spPr>
+              <a:xfrm>
+                <a:off x="3264933" y="4095750"/>
+                <a:ext cx="435126" cy="435126"/>
+              </a:xfrm>
+              <a:prstGeom prst="ellipse">
+                <a:avLst/>
+              </a:prstGeom>
+              <a:gradFill>
+                <a:gsLst>
+                  <a:gs pos="0">
+                    <a:srgbClr val="008000"/>
+                  </a:gs>
+                  <a:gs pos="65000">
+                    <a:schemeClr val="accent3">
+                      <a:lumMod val="75000"/>
+                    </a:schemeClr>
+                  </a:gs>
+                  <a:gs pos="100000">
+                    <a:schemeClr val="accent3"/>
+                  </a:gs>
+                </a:gsLst>
+              </a:gradFill>
+              <a:ln>
+                <a:noFill/>
+              </a:ln>
+            </p:spPr>
+            <p:style>
+              <a:lnRef idx="1">
+                <a:schemeClr val="accent1"/>
+              </a:lnRef>
+              <a:fillRef idx="3">
+                <a:schemeClr val="accent1"/>
+              </a:fillRef>
+              <a:effectRef idx="2">
+                <a:schemeClr val="accent1"/>
+              </a:effectRef>
+              <a:fontRef idx="minor">
+                <a:schemeClr val="lt1"/>
+              </a:fontRef>
+            </p:style>
+            <p:txBody>
+              <a:bodyPr rtlCol="0" anchor="ctr"/>
+              <a:lstStyle/>
+              <a:p>
+                <a:pPr algn="ctr"/>
+                <a:endParaRPr lang="en-US"/>
+              </a:p>
+            </p:txBody>
+          </p:sp>
+          <p:sp>
+            <p:nvSpPr>
+              <p:cNvPr id="13" name="Oval 12"/>
+              <p:cNvSpPr/>
+              <p:nvPr/>
+            </p:nvSpPr>
+            <p:spPr>
+              <a:xfrm>
+                <a:off x="835305" y="4095750"/>
+                <a:ext cx="435126" cy="435126"/>
+              </a:xfrm>
+              <a:prstGeom prst="ellipse">
+                <a:avLst/>
+              </a:prstGeom>
+              <a:ln/>
+            </p:spPr>
+            <p:style>
+              <a:lnRef idx="1">
+                <a:schemeClr val="accent1"/>
+              </a:lnRef>
+              <a:fillRef idx="3">
+                <a:schemeClr val="accent1"/>
+              </a:fillRef>
+              <a:effectRef idx="2">
+                <a:schemeClr val="accent1"/>
+              </a:effectRef>
+              <a:fontRef idx="minor">
+                <a:schemeClr val="lt1"/>
+              </a:fontRef>
+            </p:style>
+            <p:txBody>
+              <a:bodyPr rtlCol="0" anchor="ctr"/>
+              <a:lstStyle/>
+              <a:p>
+                <a:pPr algn="ctr"/>
+                <a:endParaRPr lang="en-US"/>
+              </a:p>
+            </p:txBody>
+          </p:sp>
+          <p:sp>
+            <p:nvSpPr>
+              <p:cNvPr id="14" name="Oval 13"/>
+              <p:cNvSpPr/>
+              <p:nvPr/>
+            </p:nvSpPr>
+            <p:spPr>
+              <a:xfrm>
+                <a:off x="3264933" y="5172075"/>
+                <a:ext cx="435126" cy="435126"/>
+              </a:xfrm>
+              <a:prstGeom prst="ellipse">
+                <a:avLst/>
+              </a:prstGeom>
+              <a:ln/>
+            </p:spPr>
+            <p:style>
+              <a:lnRef idx="1">
+                <a:schemeClr val="accent1"/>
+              </a:lnRef>
+              <a:fillRef idx="3">
+                <a:schemeClr val="accent1"/>
+              </a:fillRef>
+              <a:effectRef idx="2">
+                <a:schemeClr val="accent1"/>
+              </a:effectRef>
+              <a:fontRef idx="minor">
+                <a:schemeClr val="lt1"/>
+              </a:fontRef>
+            </p:style>
+            <p:txBody>
+              <a:bodyPr rtlCol="0" anchor="ctr"/>
+              <a:lstStyle/>
+              <a:p>
+                <a:pPr algn="ctr"/>
+                <a:endParaRPr lang="en-US" dirty="0"/>
+              </a:p>
+            </p:txBody>
+          </p:sp>
+          <p:sp>
+            <p:nvSpPr>
+              <p:cNvPr id="15" name="Oval 14"/>
+              <p:cNvSpPr/>
+              <p:nvPr/>
+            </p:nvSpPr>
+            <p:spPr>
+              <a:xfrm>
+                <a:off x="770142" y="4954512"/>
+                <a:ext cx="435126" cy="435126"/>
+              </a:xfrm>
+              <a:prstGeom prst="ellipse">
+                <a:avLst/>
+              </a:prstGeom>
+              <a:ln/>
+            </p:spPr>
+            <p:style>
+              <a:lnRef idx="1">
+                <a:schemeClr val="accent1"/>
+              </a:lnRef>
+              <a:fillRef idx="3">
+                <a:schemeClr val="accent1"/>
+              </a:fillRef>
+              <a:effectRef idx="2">
+                <a:schemeClr val="accent1"/>
+              </a:effectRef>
+              <a:fontRef idx="minor">
+                <a:schemeClr val="lt1"/>
+              </a:fontRef>
+            </p:style>
+            <p:txBody>
+              <a:bodyPr rtlCol="0" anchor="ctr"/>
+              <a:lstStyle/>
+              <a:p>
+                <a:pPr algn="ctr"/>
+                <a:endParaRPr lang="en-US"/>
+              </a:p>
+            </p:txBody>
+          </p:sp>
+          <p:sp>
+            <p:nvSpPr>
+              <p:cNvPr id="17" name="Oval 16"/>
+              <p:cNvSpPr/>
+              <p:nvPr/>
+            </p:nvSpPr>
+            <p:spPr>
+              <a:xfrm>
+                <a:off x="1894999" y="4736949"/>
+                <a:ext cx="435126" cy="435126"/>
+              </a:xfrm>
+              <a:prstGeom prst="ellipse">
+                <a:avLst/>
+              </a:prstGeom>
+              <a:gradFill>
+                <a:gsLst>
+                  <a:gs pos="0">
+                    <a:srgbClr val="008000"/>
+                  </a:gs>
+                  <a:gs pos="65000">
+                    <a:schemeClr val="accent3">
+                      <a:lumMod val="75000"/>
+                    </a:schemeClr>
+                  </a:gs>
+                  <a:gs pos="100000">
+                    <a:schemeClr val="accent3"/>
+                  </a:gs>
+                </a:gsLst>
+              </a:gradFill>
+              <a:ln>
+                <a:noFill/>
+              </a:ln>
+            </p:spPr>
+            <p:style>
+              <a:lnRef idx="1">
+                <a:schemeClr val="accent1"/>
+              </a:lnRef>
+              <a:fillRef idx="3">
+                <a:schemeClr val="accent1"/>
+              </a:fillRef>
+              <a:effectRef idx="2">
+                <a:schemeClr val="accent1"/>
+              </a:effectRef>
+              <a:fontRef idx="minor">
+                <a:schemeClr val="lt1"/>
+              </a:fontRef>
+            </p:style>
+            <p:txBody>
+              <a:bodyPr rtlCol="0" anchor="ctr"/>
+              <a:lstStyle/>
+              <a:p>
+                <a:pPr algn="ctr"/>
+                <a:endParaRPr lang="en-US"/>
+              </a:p>
+            </p:txBody>
+          </p:sp>
+        </p:grpSp>
+      </p:grpSp>
+      <p:grpSp>
+        <p:nvGrpSpPr>
+          <p:cNvPr id="5" name="Group 33"/>
+          <p:cNvGrpSpPr/>
+          <p:nvPr/>
+        </p:nvGrpSpPr>
+        <p:grpSpPr>
+          <a:xfrm>
+            <a:off x="858913" y="2693458"/>
+            <a:ext cx="3120202" cy="2630386"/>
+            <a:chOff x="858913" y="2693458"/>
+            <a:chExt cx="3120202" cy="2630386"/>
+          </a:xfrm>
+        </p:grpSpPr>
+        <p:sp>
+          <p:nvSpPr>
+            <p:cNvPr id="18" name="TextBox 17"/>
+            <p:cNvSpPr txBox="1"/>
+            <p:nvPr/>
+          </p:nvSpPr>
+          <p:spPr>
+            <a:xfrm>
+              <a:off x="1124273" y="2799620"/>
+              <a:ext cx="339531" cy="369332"/>
+            </a:xfrm>
+            <a:prstGeom prst="rect">
+              <a:avLst/>
+            </a:prstGeom>
+            <a:noFill/>
+          </p:spPr>
+          <p:txBody>
+            <a:bodyPr wrap="none" rtlCol="0">
+              <a:spAutoFit/>
+            </a:bodyPr>
+            <a:lstStyle/>
+            <a:p>
+              <a:r>
+                <a:rPr lang="en-US" dirty="0" smtClean="0"/>
+                <a:t>U</a:t>
+              </a:r>
+              <a:endParaRPr lang="en-US" dirty="0"/>
+            </a:p>
+          </p:txBody>
+        </p:sp>
+        <p:sp>
+          <p:nvSpPr>
+            <p:cNvPr id="22" name="TextBox 21"/>
+            <p:cNvSpPr txBox="1"/>
+            <p:nvPr/>
+          </p:nvSpPr>
+          <p:spPr>
+            <a:xfrm>
+              <a:off x="1463222" y="2968803"/>
+              <a:ext cx="339531" cy="369332"/>
+            </a:xfrm>
+            <a:prstGeom prst="rect">
+              <a:avLst/>
+            </a:prstGeom>
+            <a:noFill/>
+          </p:spPr>
+          <p:txBody>
+            <a:bodyPr wrap="none" rtlCol="0">
+              <a:spAutoFit/>
+            </a:bodyPr>
+            <a:lstStyle/>
+            <a:p>
+              <a:r>
+                <a:rPr lang="en-US" dirty="0" smtClean="0"/>
+                <a:t>U</a:t>
+              </a:r>
+              <a:endParaRPr lang="en-US" dirty="0"/>
+            </a:p>
+          </p:txBody>
+        </p:sp>
+        <p:sp>
+          <p:nvSpPr>
+            <p:cNvPr id="23" name="TextBox 22"/>
+            <p:cNvSpPr txBox="1"/>
+            <p:nvPr/>
+          </p:nvSpPr>
+          <p:spPr>
+            <a:xfrm>
+              <a:off x="858913" y="3750608"/>
+              <a:ext cx="339531" cy="369332"/>
+            </a:xfrm>
+            <a:prstGeom prst="rect">
+              <a:avLst/>
+            </a:prstGeom>
+            <a:noFill/>
+          </p:spPr>
+          <p:txBody>
+            <a:bodyPr wrap="none" rtlCol="0">
+              <a:spAutoFit/>
+            </a:bodyPr>
+            <a:lstStyle/>
+            <a:p>
+              <a:r>
+                <a:rPr lang="en-US" dirty="0" smtClean="0"/>
+                <a:t>U</a:t>
+              </a:r>
+              <a:endParaRPr lang="en-US" dirty="0"/>
+            </a:p>
+          </p:txBody>
+        </p:sp>
+        <p:sp>
+          <p:nvSpPr>
+            <p:cNvPr id="24" name="TextBox 23"/>
+            <p:cNvSpPr txBox="1"/>
+            <p:nvPr/>
+          </p:nvSpPr>
+          <p:spPr>
+            <a:xfrm>
+              <a:off x="2353733" y="3565942"/>
+              <a:ext cx="339531" cy="369332"/>
+            </a:xfrm>
+            <a:prstGeom prst="rect">
+              <a:avLst/>
+            </a:prstGeom>
+            <a:noFill/>
+          </p:spPr>
+          <p:txBody>
+            <a:bodyPr wrap="none" rtlCol="0">
+              <a:spAutoFit/>
+            </a:bodyPr>
+            <a:lstStyle/>
+            <a:p>
+              <a:r>
+                <a:rPr lang="en-US" dirty="0" smtClean="0"/>
+                <a:t>U</a:t>
+              </a:r>
+              <a:endParaRPr lang="en-US" dirty="0"/>
+            </a:p>
+          </p:txBody>
+        </p:sp>
+        <p:sp>
+          <p:nvSpPr>
+            <p:cNvPr id="25" name="TextBox 24"/>
+            <p:cNvSpPr txBox="1"/>
+            <p:nvPr/>
+          </p:nvSpPr>
+          <p:spPr>
+            <a:xfrm>
+              <a:off x="2535011" y="3714323"/>
+              <a:ext cx="339531" cy="369332"/>
+            </a:xfrm>
+            <a:prstGeom prst="rect">
+              <a:avLst/>
+            </a:prstGeom>
+            <a:noFill/>
+          </p:spPr>
+          <p:txBody>
+            <a:bodyPr wrap="none" rtlCol="0">
+              <a:spAutoFit/>
+            </a:bodyPr>
+            <a:lstStyle/>
+            <a:p>
+              <a:r>
+                <a:rPr lang="en-US" dirty="0" smtClean="0"/>
+                <a:t>U</a:t>
+              </a:r>
+              <a:endParaRPr lang="en-US" dirty="0"/>
+            </a:p>
+          </p:txBody>
+        </p:sp>
+        <p:sp>
+          <p:nvSpPr>
+            <p:cNvPr id="26" name="TextBox 25"/>
+            <p:cNvSpPr txBox="1"/>
+            <p:nvPr/>
+          </p:nvSpPr>
+          <p:spPr>
+            <a:xfrm>
+              <a:off x="889345" y="4585180"/>
+              <a:ext cx="339531" cy="369332"/>
+            </a:xfrm>
+            <a:prstGeom prst="rect">
+              <a:avLst/>
+            </a:prstGeom>
+            <a:noFill/>
+          </p:spPr>
+          <p:txBody>
+            <a:bodyPr wrap="none" rtlCol="0">
+              <a:spAutoFit/>
+            </a:bodyPr>
+            <a:lstStyle/>
+            <a:p>
+              <a:r>
+                <a:rPr lang="en-US" dirty="0" smtClean="0"/>
+                <a:t>U</a:t>
+              </a:r>
+              <a:endParaRPr lang="en-US" dirty="0"/>
+            </a:p>
+          </p:txBody>
+        </p:sp>
+        <p:sp>
+          <p:nvSpPr>
+            <p:cNvPr id="27" name="TextBox 26"/>
+            <p:cNvSpPr txBox="1"/>
+            <p:nvPr/>
+          </p:nvSpPr>
+          <p:spPr>
+            <a:xfrm>
+              <a:off x="3360528" y="2693458"/>
+              <a:ext cx="339531" cy="369332"/>
+            </a:xfrm>
+            <a:prstGeom prst="rect">
+              <a:avLst/>
+            </a:prstGeom>
+            <a:noFill/>
+          </p:spPr>
+          <p:txBody>
+            <a:bodyPr wrap="none" rtlCol="0">
+              <a:spAutoFit/>
+            </a:bodyPr>
+            <a:lstStyle/>
+            <a:p>
+              <a:r>
+                <a:rPr lang="en-US" dirty="0" smtClean="0"/>
+                <a:t>U</a:t>
+              </a:r>
+              <a:endParaRPr lang="en-US" dirty="0"/>
+            </a:p>
+          </p:txBody>
+        </p:sp>
+        <p:sp>
+          <p:nvSpPr>
+            <p:cNvPr id="28" name="TextBox 27"/>
+            <p:cNvSpPr txBox="1"/>
+            <p:nvPr/>
+          </p:nvSpPr>
+          <p:spPr>
+            <a:xfrm>
+              <a:off x="3639584" y="3853997"/>
+              <a:ext cx="339531" cy="369332"/>
+            </a:xfrm>
+            <a:prstGeom prst="rect">
+              <a:avLst/>
+            </a:prstGeom>
+            <a:noFill/>
+          </p:spPr>
+          <p:txBody>
+            <a:bodyPr wrap="none" rtlCol="0">
+              <a:spAutoFit/>
+            </a:bodyPr>
+            <a:lstStyle/>
+            <a:p>
+              <a:r>
+                <a:rPr lang="en-US" dirty="0" smtClean="0"/>
+                <a:t>U</a:t>
+              </a:r>
+              <a:endParaRPr lang="en-US" dirty="0"/>
+            </a:p>
+          </p:txBody>
+        </p:sp>
+        <p:sp>
+          <p:nvSpPr>
+            <p:cNvPr id="29" name="TextBox 28"/>
+            <p:cNvSpPr txBox="1"/>
+            <p:nvPr/>
+          </p:nvSpPr>
+          <p:spPr>
+            <a:xfrm>
+              <a:off x="3639584" y="4954512"/>
+              <a:ext cx="339531" cy="369332"/>
+            </a:xfrm>
+            <a:prstGeom prst="rect">
+              <a:avLst/>
+            </a:prstGeom>
+            <a:noFill/>
+          </p:spPr>
+          <p:txBody>
+            <a:bodyPr wrap="none" rtlCol="0">
+              <a:spAutoFit/>
+            </a:bodyPr>
+            <a:lstStyle/>
+            <a:p>
+              <a:r>
+                <a:rPr lang="en-US" dirty="0" smtClean="0"/>
+                <a:t>U</a:t>
+              </a:r>
+              <a:endParaRPr lang="en-US" dirty="0"/>
+            </a:p>
+          </p:txBody>
+        </p:sp>
+        <p:sp>
+          <p:nvSpPr>
+            <p:cNvPr id="30" name="TextBox 29"/>
+            <p:cNvSpPr txBox="1"/>
+            <p:nvPr/>
+          </p:nvSpPr>
+          <p:spPr>
+            <a:xfrm>
+              <a:off x="2099885" y="3555698"/>
+              <a:ext cx="339531" cy="369332"/>
+            </a:xfrm>
+            <a:prstGeom prst="rect">
+              <a:avLst/>
+            </a:prstGeom>
+            <a:noFill/>
+          </p:spPr>
+          <p:txBody>
+            <a:bodyPr wrap="none" rtlCol="0">
+              <a:spAutoFit/>
+            </a:bodyPr>
+            <a:lstStyle/>
+            <a:p>
+              <a:r>
+                <a:rPr lang="en-US" dirty="0" smtClean="0"/>
+                <a:t>U</a:t>
+              </a:r>
+              <a:endParaRPr lang="en-US" dirty="0"/>
+            </a:p>
+          </p:txBody>
+        </p:sp>
+      </p:grpSp>
+      <p:sp>
+        <p:nvSpPr>
+          <p:cNvPr id="31" name="TextBox 30"/>
+          <p:cNvSpPr txBox="1"/>
+          <p:nvPr/>
+        </p:nvSpPr>
+        <p:spPr>
+          <a:xfrm>
+            <a:off x="3212208" y="5156592"/>
+            <a:ext cx="563601" cy="369332"/>
+          </a:xfrm>
+          <a:prstGeom prst="rect">
+            <a:avLst/>
+          </a:prstGeom>
+          <a:noFill/>
+        </p:spPr>
+        <p:txBody>
+          <a:bodyPr wrap="none" rtlCol="0">
+            <a:spAutoFit/>
+          </a:bodyPr>
+          <a:lstStyle/>
+          <a:p>
+            <a:r>
+              <a:rPr lang="en-US" dirty="0" smtClean="0">
+                <a:solidFill>
+                  <a:schemeClr val="bg1"/>
+                </a:solidFill>
+              </a:rPr>
+              <a:t>Bug</a:t>
+            </a:r>
+            <a:endParaRPr lang="en-US" dirty="0">
+              <a:solidFill>
+                <a:schemeClr val="bg1"/>
+              </a:solidFill>
+            </a:endParaRPr>
+          </a:p>
+        </p:txBody>
+      </p:sp>
+      <p:grpSp>
+        <p:nvGrpSpPr>
+          <p:cNvPr id="19" name="Group 38"/>
+          <p:cNvGrpSpPr/>
+          <p:nvPr/>
+        </p:nvGrpSpPr>
+        <p:grpSpPr>
+          <a:xfrm>
+            <a:off x="1063799" y="3156275"/>
+            <a:ext cx="2636260" cy="2028477"/>
+            <a:chOff x="1063799" y="3156275"/>
+            <a:chExt cx="2636260" cy="2028477"/>
+          </a:xfrm>
+        </p:grpSpPr>
+        <p:sp>
+          <p:nvSpPr>
+            <p:cNvPr id="35" name="Oval 34"/>
+            <p:cNvSpPr/>
+            <p:nvPr/>
+          </p:nvSpPr>
+          <p:spPr>
+            <a:xfrm>
+              <a:off x="2111980" y="3866092"/>
+              <a:ext cx="447803" cy="447803"/>
+            </a:xfrm>
+            <a:prstGeom prst="ellipse">
+              <a:avLst/>
+            </a:prstGeom>
+            <a:gradFill>
+              <a:gsLst>
+                <a:gs pos="0">
+                  <a:srgbClr val="5A0300"/>
+                </a:gs>
+                <a:gs pos="65000">
+                  <a:srgbClr val="FF0000"/>
+                </a:gs>
+                <a:gs pos="100000">
+                  <a:srgbClr val="FF6600"/>
+                </a:gs>
+              </a:gsLst>
+            </a:gradFill>
+            <a:ln>
+              <a:noFill/>
+            </a:ln>
+          </p:spPr>
+          <p:style>
+            <a:lnRef idx="1">
+              <a:schemeClr val="accent1"/>
+            </a:lnRef>
+            <a:fillRef idx="3">
+              <a:schemeClr val="accent1"/>
+            </a:fillRef>
+            <a:effectRef idx="2">
+              <a:schemeClr val="accent1"/>
+            </a:effectRef>
+            <a:fontRef idx="minor">
+              <a:schemeClr val="lt1"/>
+            </a:fontRef>
+          </p:style>
+          <p:txBody>
+            <a:bodyPr rtlCol="0" anchor="ctr"/>
+            <a:lstStyle/>
+            <a:p>
+              <a:pPr algn="ctr"/>
+              <a:endParaRPr lang="en-US"/>
+            </a:p>
+          </p:txBody>
+        </p:sp>
+        <p:sp>
+          <p:nvSpPr>
+            <p:cNvPr id="36" name="Oval 35"/>
+            <p:cNvSpPr/>
+            <p:nvPr/>
+          </p:nvSpPr>
+          <p:spPr>
+            <a:xfrm>
+              <a:off x="1882322" y="4736949"/>
+              <a:ext cx="447803" cy="447803"/>
+            </a:xfrm>
+            <a:prstGeom prst="ellipse">
+              <a:avLst/>
+            </a:prstGeom>
+            <a:gradFill>
+              <a:gsLst>
+                <a:gs pos="0">
+                  <a:srgbClr val="5A0300"/>
+                </a:gs>
+                <a:gs pos="65000">
+                  <a:srgbClr val="FF0000"/>
+                </a:gs>
+                <a:gs pos="100000">
+                  <a:srgbClr val="FF6600"/>
+                </a:gs>
+              </a:gsLst>
+            </a:gradFill>
+            <a:ln>
+              <a:noFill/>
+            </a:ln>
+          </p:spPr>
+          <p:style>
+            <a:lnRef idx="1">
+              <a:schemeClr val="accent1"/>
+            </a:lnRef>
+            <a:fillRef idx="3">
+              <a:schemeClr val="accent1"/>
+            </a:fillRef>
+            <a:effectRef idx="2">
+              <a:schemeClr val="accent1"/>
+            </a:effectRef>
+            <a:fontRef idx="minor">
+              <a:schemeClr val="lt1"/>
+            </a:fontRef>
+          </p:style>
+          <p:txBody>
+            <a:bodyPr rtlCol="0" anchor="ctr"/>
+            <a:lstStyle/>
+            <a:p>
+              <a:pPr algn="ctr"/>
+              <a:endParaRPr lang="en-US"/>
+            </a:p>
+          </p:txBody>
+        </p:sp>
+        <p:sp>
+          <p:nvSpPr>
+            <p:cNvPr id="37" name="Oval 36"/>
+            <p:cNvSpPr/>
+            <p:nvPr/>
+          </p:nvSpPr>
+          <p:spPr>
+            <a:xfrm>
+              <a:off x="3252256" y="4089411"/>
+              <a:ext cx="447803" cy="447803"/>
+            </a:xfrm>
+            <a:prstGeom prst="ellipse">
+              <a:avLst/>
+            </a:prstGeom>
+            <a:gradFill>
+              <a:gsLst>
+                <a:gs pos="0">
+                  <a:srgbClr val="5A0300"/>
+                </a:gs>
+                <a:gs pos="65000">
+                  <a:srgbClr val="FF0000"/>
+                </a:gs>
+                <a:gs pos="100000">
+                  <a:srgbClr val="FF6600"/>
+                </a:gs>
+              </a:gsLst>
+            </a:gradFill>
+            <a:ln>
+              <a:noFill/>
+            </a:ln>
+          </p:spPr>
+          <p:style>
+            <a:lnRef idx="1">
+              <a:schemeClr val="accent1"/>
+            </a:lnRef>
+            <a:fillRef idx="3">
+              <a:schemeClr val="accent1"/>
+            </a:fillRef>
+            <a:effectRef idx="2">
+              <a:schemeClr val="accent1"/>
+            </a:effectRef>
+            <a:fontRef idx="minor">
+              <a:schemeClr val="lt1"/>
+            </a:fontRef>
+          </p:style>
+          <p:txBody>
+            <a:bodyPr rtlCol="0" anchor="ctr"/>
+            <a:lstStyle/>
+            <a:p>
+              <a:pPr algn="ctr"/>
+              <a:endParaRPr lang="en-US"/>
+            </a:p>
+          </p:txBody>
+        </p:sp>
+        <p:sp>
+          <p:nvSpPr>
+            <p:cNvPr id="38" name="Oval 37"/>
+            <p:cNvSpPr/>
+            <p:nvPr/>
+          </p:nvSpPr>
+          <p:spPr>
+            <a:xfrm>
+              <a:off x="1063799" y="3156275"/>
+              <a:ext cx="447803" cy="447803"/>
+            </a:xfrm>
+            <a:prstGeom prst="ellipse">
+              <a:avLst/>
+            </a:prstGeom>
+            <a:gradFill>
+              <a:gsLst>
+                <a:gs pos="0">
+                  <a:srgbClr val="5A0300"/>
+                </a:gs>
+                <a:gs pos="65000">
+                  <a:srgbClr val="FF0000"/>
+                </a:gs>
+                <a:gs pos="100000">
+                  <a:srgbClr val="FF6600"/>
+                </a:gs>
+              </a:gsLst>
+            </a:gradFill>
+            <a:ln>
+              <a:noFill/>
+            </a:ln>
+          </p:spPr>
+          <p:style>
+            <a:lnRef idx="1">
+              <a:schemeClr val="accent1"/>
+            </a:lnRef>
+            <a:fillRef idx="3">
+              <a:schemeClr val="accent1"/>
+            </a:fillRef>
+            <a:effectRef idx="2">
+              <a:schemeClr val="accent1"/>
+            </a:effectRef>
+            <a:fontRef idx="minor">
+              <a:schemeClr val="lt1"/>
+            </a:fontRef>
+          </p:style>
+          <p:txBody>
+            <a:bodyPr rtlCol="0" anchor="ctr"/>
+            <a:lstStyle/>
+            <a:p>
+              <a:pPr algn="ctr"/>
+              <a:endParaRPr lang="en-US"/>
+            </a:p>
+          </p:txBody>
+        </p:sp>
+      </p:grpSp>
+      <p:grpSp>
+        <p:nvGrpSpPr>
+          <p:cNvPr id="20" name="Group 51"/>
+          <p:cNvGrpSpPr/>
+          <p:nvPr/>
+        </p:nvGrpSpPr>
+        <p:grpSpPr>
+          <a:xfrm>
+            <a:off x="1446023" y="3538499"/>
+            <a:ext cx="1806233" cy="1785345"/>
+            <a:chOff x="1446023" y="3538499"/>
+            <a:chExt cx="1806233" cy="1785345"/>
+          </a:xfrm>
+        </p:grpSpPr>
+        <p:cxnSp>
+          <p:nvCxnSpPr>
+            <p:cNvPr id="42" name="Straight Arrow Connector 41"/>
+            <p:cNvCxnSpPr>
+              <a:endCxn id="36" idx="6"/>
+            </p:cNvCxnSpPr>
+            <p:nvPr/>
+          </p:nvCxnSpPr>
+          <p:spPr>
+            <a:xfrm rot="10800000">
+              <a:off x="2330126" y="4960851"/>
+              <a:ext cx="461357" cy="39828"/>
+            </a:xfrm>
+            <a:prstGeom prst="straightConnector1">
+              <a:avLst/>
+            </a:prstGeom>
+            <a:ln>
+              <a:solidFill>
+                <a:schemeClr val="tx1"/>
+              </a:solidFill>
+              <a:tailEnd type="arrow"/>
+            </a:ln>
+          </p:spPr>
+          <p:style>
+            <a:lnRef idx="2">
+              <a:schemeClr val="accent1"/>
+            </a:lnRef>
+            <a:fillRef idx="0">
+              <a:schemeClr val="accent1"/>
+            </a:fillRef>
+            <a:effectRef idx="1">
+              <a:schemeClr val="accent1"/>
+            </a:effectRef>
+            <a:fontRef idx="minor">
+              <a:schemeClr val="tx1"/>
+            </a:fontRef>
+          </p:style>
+        </p:cxnSp>
+        <p:cxnSp>
+          <p:nvCxnSpPr>
+            <p:cNvPr id="44" name="Straight Arrow Connector 43"/>
+            <p:cNvCxnSpPr>
+              <a:endCxn id="37" idx="2"/>
+            </p:cNvCxnSpPr>
+            <p:nvPr/>
+          </p:nvCxnSpPr>
+          <p:spPr>
+            <a:xfrm rot="5400000" flipH="1" flipV="1">
+              <a:off x="2678186" y="4426609"/>
+              <a:ext cx="687366" cy="460774"/>
+            </a:xfrm>
+            <a:prstGeom prst="straightConnector1">
+              <a:avLst/>
+            </a:prstGeom>
+            <a:ln>
+              <a:solidFill>
+                <a:schemeClr val="tx1"/>
+              </a:solidFill>
+              <a:tailEnd type="arrow"/>
+            </a:ln>
+          </p:spPr>
+          <p:style>
+            <a:lnRef idx="2">
+              <a:schemeClr val="accent1"/>
+            </a:lnRef>
+            <a:fillRef idx="0">
+              <a:schemeClr val="accent1"/>
+            </a:fillRef>
+            <a:effectRef idx="1">
+              <a:schemeClr val="accent1"/>
+            </a:effectRef>
+            <a:fontRef idx="minor">
+              <a:schemeClr val="tx1"/>
+            </a:fontRef>
+          </p:style>
+        </p:cxnSp>
+        <p:cxnSp>
+          <p:nvCxnSpPr>
+            <p:cNvPr id="48" name="Straight Arrow Connector 47"/>
+            <p:cNvCxnSpPr>
+              <a:endCxn id="38" idx="5"/>
+            </p:cNvCxnSpPr>
+            <p:nvPr/>
+          </p:nvCxnSpPr>
+          <p:spPr>
+            <a:xfrm rot="16200000" flipV="1">
+              <a:off x="1387663" y="3596859"/>
+              <a:ext cx="1462180" cy="1345459"/>
+            </a:xfrm>
+            <a:prstGeom prst="straightConnector1">
+              <a:avLst/>
+            </a:prstGeom>
+            <a:ln>
+              <a:solidFill>
+                <a:schemeClr val="tx1"/>
+              </a:solidFill>
+              <a:tailEnd type="arrow"/>
+            </a:ln>
+          </p:spPr>
+          <p:style>
+            <a:lnRef idx="2">
+              <a:schemeClr val="accent1"/>
+            </a:lnRef>
+            <a:fillRef idx="0">
+              <a:schemeClr val="accent1"/>
+            </a:fillRef>
+            <a:effectRef idx="1">
+              <a:schemeClr val="accent1"/>
+            </a:effectRef>
+            <a:fontRef idx="minor">
+              <a:schemeClr val="tx1"/>
+            </a:fontRef>
+          </p:style>
+        </p:cxnSp>
+        <p:cxnSp>
+          <p:nvCxnSpPr>
+            <p:cNvPr id="50" name="Straight Arrow Connector 49"/>
+            <p:cNvCxnSpPr>
+              <a:endCxn id="35" idx="5"/>
+            </p:cNvCxnSpPr>
+            <p:nvPr/>
+          </p:nvCxnSpPr>
+          <p:spPr>
+            <a:xfrm rot="16200000" flipV="1">
+              <a:off x="2266663" y="4475858"/>
+              <a:ext cx="752363" cy="297279"/>
+            </a:xfrm>
+            <a:prstGeom prst="straightConnector1">
+              <a:avLst/>
+            </a:prstGeom>
+            <a:ln>
+              <a:solidFill>
+                <a:schemeClr val="tx1"/>
+              </a:solidFill>
+              <a:tailEnd type="arrow"/>
+            </a:ln>
+          </p:spPr>
+          <p:style>
+            <a:lnRef idx="2">
+              <a:schemeClr val="accent1"/>
+            </a:lnRef>
+            <a:fillRef idx="0">
+              <a:schemeClr val="accent1"/>
+            </a:fillRef>
+            <a:effectRef idx="1">
+              <a:schemeClr val="accent1"/>
+            </a:effectRef>
+            <a:fontRef idx="minor">
+              <a:schemeClr val="tx1"/>
+            </a:fontRef>
+          </p:style>
+        </p:cxnSp>
+        <p:sp>
+          <p:nvSpPr>
+            <p:cNvPr id="40" name="TextBox 39"/>
+            <p:cNvSpPr txBox="1"/>
+            <p:nvPr/>
+          </p:nvSpPr>
+          <p:spPr>
+            <a:xfrm>
+              <a:off x="2511986" y="4677513"/>
+              <a:ext cx="558992" cy="646331"/>
+            </a:xfrm>
+            <a:prstGeom prst="rect">
+              <a:avLst/>
+            </a:prstGeom>
+            <a:noFill/>
+          </p:spPr>
+          <p:txBody>
+            <a:bodyPr wrap="square" rtlCol="0">
+              <a:spAutoFit/>
+            </a:bodyPr>
+            <a:lstStyle/>
+            <a:p>
+              <a:r>
+                <a:rPr lang="en-US" sz="3600" dirty="0" smtClean="0">
+                  <a:solidFill>
+                    <a:srgbClr val="000000"/>
+                  </a:solidFill>
+                </a:rPr>
+                <a:t>U</a:t>
+              </a:r>
+              <a:endParaRPr lang="en-US" sz="3600" dirty="0">
+                <a:solidFill>
+                  <a:srgbClr val="000000"/>
+                </a:solidFill>
+              </a:endParaRPr>
+            </a:p>
+          </p:txBody>
+        </p:sp>
+      </p:grpSp>
+      <p:sp>
+        <p:nvSpPr>
+          <p:cNvPr id="53" name="TextBox 52"/>
+          <p:cNvSpPr txBox="1"/>
+          <p:nvPr/>
+        </p:nvSpPr>
+        <p:spPr>
+          <a:xfrm>
+            <a:off x="1012820" y="3162176"/>
+            <a:ext cx="563601" cy="369332"/>
+          </a:xfrm>
+          <a:prstGeom prst="rect">
+            <a:avLst/>
+          </a:prstGeom>
+          <a:noFill/>
+        </p:spPr>
+        <p:txBody>
+          <a:bodyPr wrap="none" rtlCol="0">
+            <a:spAutoFit/>
+          </a:bodyPr>
+          <a:lstStyle/>
+          <a:p>
+            <a:r>
+              <a:rPr lang="en-US" dirty="0" smtClean="0"/>
+              <a:t>Bug</a:t>
+            </a:r>
+            <a:endParaRPr lang="en-US" dirty="0"/>
+          </a:p>
+        </p:txBody>
+      </p:sp>
+      <p:sp>
+        <p:nvSpPr>
+          <p:cNvPr id="56" name="Rectangle 55"/>
+          <p:cNvSpPr/>
+          <p:nvPr/>
+        </p:nvSpPr>
+        <p:spPr>
+          <a:xfrm>
+            <a:off x="4712079" y="2693458"/>
+            <a:ext cx="3785809" cy="3120717"/>
+          </a:xfrm>
+          <a:prstGeom prst="rect">
+            <a:avLst/>
+          </a:prstGeom>
+          <a:noFill/>
+          <a:ln>
+            <a:solidFill>
+              <a:schemeClr val="bg1"/>
+            </a:solidFill>
+          </a:ln>
+        </p:spPr>
+        <p:style>
+          <a:lnRef idx="1">
+            <a:schemeClr val="accent1"/>
+          </a:lnRef>
+          <a:fillRef idx="3">
+            <a:schemeClr val="accent1"/>
+          </a:fillRef>
+          <a:effectRef idx="2">
+            <a:schemeClr val="accent1"/>
+          </a:effectRef>
+          <a:fontRef idx="minor">
+            <a:schemeClr val="lt1"/>
+          </a:fontRef>
+        </p:style>
+        <p:txBody>
+          <a:bodyPr rtlCol="0" anchor="ctr"/>
+          <a:lstStyle/>
+          <a:p>
+            <a:pPr algn="ctr"/>
+            <a:endParaRPr lang="en-US"/>
+          </a:p>
+        </p:txBody>
+      </p:sp>
+      <p:sp>
+        <p:nvSpPr>
+          <p:cNvPr id="57" name="Rectangle 56"/>
+          <p:cNvSpPr/>
+          <p:nvPr/>
+        </p:nvSpPr>
+        <p:spPr>
+          <a:xfrm>
+            <a:off x="4870481" y="2799620"/>
+            <a:ext cx="1334376" cy="586895"/>
+          </a:xfrm>
+          <a:prstGeom prst="rect">
+            <a:avLst/>
+          </a:prstGeom>
+          <a:gradFill>
+            <a:gsLst>
+              <a:gs pos="0">
+                <a:schemeClr val="tx1">
+                  <a:lumMod val="65000"/>
+                  <a:lumOff val="35000"/>
+                </a:schemeClr>
+              </a:gs>
+              <a:gs pos="65000">
+                <a:schemeClr val="bg1">
+                  <a:lumMod val="75000"/>
+                </a:schemeClr>
+              </a:gs>
+              <a:gs pos="100000">
+                <a:schemeClr val="bg1"/>
+              </a:gs>
+            </a:gsLst>
+          </a:gradFill>
+          <a:ln>
+            <a:solidFill>
+              <a:schemeClr val="tx2"/>
+            </a:solidFill>
+          </a:ln>
+        </p:spPr>
+        <p:style>
+          <a:lnRef idx="1">
+            <a:schemeClr val="accent1"/>
+          </a:lnRef>
+          <a:fillRef idx="3">
+            <a:schemeClr val="accent1"/>
+          </a:fillRef>
+          <a:effectRef idx="2">
+            <a:schemeClr val="accent1"/>
+          </a:effectRef>
+          <a:fontRef idx="minor">
+            <a:schemeClr val="lt1"/>
+          </a:fontRef>
+        </p:style>
+        <p:txBody>
+          <a:bodyPr rtlCol="0" anchor="ctr"/>
+          <a:lstStyle/>
+          <a:p>
+            <a:pPr algn="ctr"/>
+            <a:r>
+              <a:rPr lang="en-US" dirty="0" smtClean="0">
+                <a:solidFill>
+                  <a:srgbClr val="000000"/>
+                </a:solidFill>
+              </a:rPr>
+              <a:t>OK</a:t>
+            </a:r>
+            <a:endParaRPr lang="en-US" dirty="0">
+              <a:solidFill>
+                <a:srgbClr val="000000"/>
+              </a:solidFill>
+            </a:endParaRPr>
+          </a:p>
+        </p:txBody>
+      </p:sp>
+      <p:sp>
+        <p:nvSpPr>
+          <p:cNvPr id="58" name="Plus 57"/>
+          <p:cNvSpPr/>
+          <p:nvPr/>
+        </p:nvSpPr>
+        <p:spPr>
+          <a:xfrm>
+            <a:off x="5176520" y="2708548"/>
+            <a:ext cx="822960" cy="822960"/>
+          </a:xfrm>
+          <a:prstGeom prst="mathPlus">
+            <a:avLst>
+              <a:gd name="adj1" fmla="val 5883"/>
+            </a:avLst>
+          </a:prstGeom>
+          <a:solidFill>
+            <a:srgbClr val="FF0000"/>
+          </a:solidFill>
+          <a:ln>
+            <a:noFill/>
+          </a:ln>
+        </p:spPr>
+        <p:style>
+          <a:lnRef idx="1">
+            <a:schemeClr val="accent1"/>
+          </a:lnRef>
+          <a:fillRef idx="3">
+            <a:schemeClr val="accent1"/>
+          </a:fillRef>
+          <a:effectRef idx="2">
+            <a:schemeClr val="accent1"/>
+          </a:effectRef>
+          <a:fontRef idx="minor">
+            <a:schemeClr val="lt1"/>
+          </a:fontRef>
+        </p:style>
+      </p:sp>
+      <p:sp>
+        <p:nvSpPr>
+          <p:cNvPr id="59" name="Plus 58"/>
+          <p:cNvSpPr/>
+          <p:nvPr/>
+        </p:nvSpPr>
+        <p:spPr>
+          <a:xfrm>
+            <a:off x="5176520" y="2693458"/>
+            <a:ext cx="822960" cy="822960"/>
+          </a:xfrm>
+          <a:prstGeom prst="mathPlus">
+            <a:avLst>
+              <a:gd name="adj1" fmla="val 5883"/>
+            </a:avLst>
+          </a:prstGeom>
+          <a:solidFill>
+            <a:srgbClr val="FF0000"/>
+          </a:solidFill>
+          <a:ln>
+            <a:noFill/>
+          </a:ln>
+        </p:spPr>
+        <p:style>
+          <a:lnRef idx="1">
+            <a:schemeClr val="accent1"/>
+          </a:lnRef>
+          <a:fillRef idx="3">
+            <a:schemeClr val="accent1"/>
+          </a:fillRef>
+          <a:effectRef idx="2">
+            <a:schemeClr val="accent1"/>
+          </a:effectRef>
+          <a:fontRef idx="minor">
+            <a:schemeClr val="lt1"/>
+          </a:fontRef>
+        </p:style>
+      </p:sp>
+      <p:sp>
+        <p:nvSpPr>
+          <p:cNvPr id="61" name="TextBox 60"/>
+          <p:cNvSpPr txBox="1"/>
+          <p:nvPr/>
+        </p:nvSpPr>
+        <p:spPr>
+          <a:xfrm>
+            <a:off x="6616095" y="2968803"/>
+            <a:ext cx="1588258" cy="923330"/>
+          </a:xfrm>
+          <a:prstGeom prst="rect">
+            <a:avLst/>
+          </a:prstGeom>
+          <a:noFill/>
+          <a:ln>
+            <a:solidFill>
+              <a:schemeClr val="tx1"/>
+            </a:solidFill>
+          </a:ln>
+        </p:spPr>
+        <p:txBody>
+          <a:bodyPr wrap="none" rtlCol="0">
+            <a:spAutoFit/>
+          </a:bodyPr>
+          <a:lstStyle/>
+          <a:p>
+            <a:r>
+              <a:rPr lang="en-US" dirty="0" smtClean="0"/>
+              <a:t>Color: Gray</a:t>
+            </a:r>
+          </a:p>
+          <a:p>
+            <a:r>
+              <a:rPr lang="en-US" dirty="0" smtClean="0"/>
+              <a:t>Size: 50x100px</a:t>
+            </a:r>
+          </a:p>
+          <a:p>
+            <a:r>
+              <a:rPr lang="en-US" dirty="0" smtClean="0"/>
+              <a:t>Label: “OK”</a:t>
+            </a:r>
+            <a:endParaRPr lang="en-US" dirty="0"/>
+          </a:p>
+        </p:txBody>
+      </p:sp>
+      <p:pic>
+        <p:nvPicPr>
+          <p:cNvPr id="8" name="Picture 7" descr="fevikwik_vase_bullet.jpg"/>
+          <p:cNvPicPr>
+            <a:picLocks noChangeAspect="1"/>
+          </p:cNvPicPr>
+          <p:nvPr/>
+        </p:nvPicPr>
+        <p:blipFill>
+          <a:blip r:embed="rId3"/>
+          <a:stretch>
+            <a:fillRect/>
+          </a:stretch>
+        </p:blipFill>
+        <p:spPr>
+          <a:xfrm>
+            <a:off x="4712079" y="2717648"/>
+            <a:ext cx="4380156" cy="3096527"/>
+          </a:xfrm>
+          <a:prstGeom prst="rect">
+            <a:avLst/>
+          </a:prstGeom>
+        </p:spPr>
+      </p:pic>
+    </p:spTree>
+  </p:cSld>
+  <p:clrMapOvr>
+    <a:masterClrMapping/>
+  </p:clrMapOvr>
+  <p:transition xmlns:p14="http://schemas.microsoft.com/office/powerpoint/2010/main">
+    <p:fade/>
+  </p:transition>
+  <p:timing>
+    <p:tnLst>
+      <p:par>
+        <p:cTn xmlns:p14="http://schemas.microsoft.com/office/powerpoint/2010/main" id="1" dur="indefinite" restart="never" nodeType="tmRoot">
+          <p:childTnLst>
+            <p:seq concurrent="1" nextAc="seek">
+              <p:cTn id="2" dur="indefinite" nodeType="mainSeq">
+                <p:childTnLst>
+                  <p:par>
+                    <p:cTn id="3" fill="hold">
+                      <p:stCondLst>
+                        <p:cond delay="indefinite"/>
+                      </p:stCondLst>
+                      <p:childTnLst>
+                        <p:par>
+                          <p:cTn id="4" fill="hold">
+                            <p:stCondLst>
+                              <p:cond delay="0"/>
+                            </p:stCondLst>
+                            <p:childTnLst>
+                              <p:par>
+                                <p:cTn id="5" presetID="2" presetClass="entr" presetSubtype="8" accel="50000" decel="50000" fill="hold" grpId="0" nodeType="clickEffect">
+                                  <p:stCondLst>
+                                    <p:cond delay="0"/>
+                                  </p:stCondLst>
+                                  <p:childTnLst>
+                                    <p:set>
+                                      <p:cBhvr>
+                                        <p:cTn id="6" dur="1" fill="hold">
+                                          <p:stCondLst>
+                                            <p:cond delay="0"/>
+                                          </p:stCondLst>
+                                        </p:cTn>
+                                        <p:tgtEl>
+                                          <p:spTgt spid="6"/>
+                                        </p:tgtEl>
+                                        <p:attrNameLst>
+                                          <p:attrName>style.visibility</p:attrName>
+                                        </p:attrNameLst>
+                                      </p:cBhvr>
+                                      <p:to>
+                                        <p:strVal val="visible"/>
+                                      </p:to>
+                                    </p:set>
+                                    <p:anim calcmode="lin" valueType="num">
+                                      <p:cBhvr additive="base">
+                                        <p:cTn id="7" dur="500" fill="hold"/>
+                                        <p:tgtEl>
+                                          <p:spTgt spid="6"/>
+                                        </p:tgtEl>
+                                        <p:attrNameLst>
+                                          <p:attrName>ppt_x</p:attrName>
+                                        </p:attrNameLst>
+                                      </p:cBhvr>
+                                      <p:tavLst>
+                                        <p:tav tm="0">
+                                          <p:val>
+                                            <p:strVal val="0-#ppt_w/2"/>
+                                          </p:val>
+                                        </p:tav>
+                                        <p:tav tm="100000">
+                                          <p:val>
+                                            <p:strVal val="#ppt_x"/>
+                                          </p:val>
+                                        </p:tav>
+                                      </p:tavLst>
+                                    </p:anim>
+                                    <p:anim calcmode="lin" valueType="num">
+                                      <p:cBhvr additive="base">
+                                        <p:cTn id="8" dur="500" fill="hold"/>
+                                        <p:tgtEl>
+                                          <p:spTgt spid="6"/>
+                                        </p:tgtEl>
+                                        <p:attrNameLst>
+                                          <p:attrName>ppt_y</p:attrName>
+                                        </p:attrNameLst>
+                                      </p:cBhvr>
+                                      <p:tavLst>
+                                        <p:tav tm="0">
+                                          <p:val>
+                                            <p:strVal val="#ppt_y"/>
+                                          </p:val>
+                                        </p:tav>
+                                        <p:tav tm="100000">
+                                          <p:val>
+                                            <p:strVal val="#ppt_y"/>
+                                          </p:val>
+                                        </p:tav>
+                                      </p:tavLst>
+                                    </p:anim>
+                                  </p:childTnLst>
+                                </p:cTn>
+                              </p:par>
+                            </p:childTnLst>
+                          </p:cTn>
+                        </p:par>
+                      </p:childTnLst>
+                    </p:cTn>
+                  </p:par>
+                  <p:par>
+                    <p:cTn id="9" fill="hold">
+                      <p:stCondLst>
+                        <p:cond delay="indefinite"/>
+                      </p:stCondLst>
+                      <p:childTnLst>
+                        <p:par>
+                          <p:cTn id="10" fill="hold">
+                            <p:stCondLst>
+                              <p:cond delay="0"/>
+                            </p:stCondLst>
+                            <p:childTnLst>
+                              <p:par>
+                                <p:cTn id="11" presetID="10" presetClass="entr" presetSubtype="0" fill="hold" nodeType="clickEffect">
+                                  <p:stCondLst>
+                                    <p:cond delay="0"/>
+                                  </p:stCondLst>
+                                  <p:childTnLst>
+                                    <p:set>
+                                      <p:cBhvr>
+                                        <p:cTn id="12" dur="1" fill="hold">
+                                          <p:stCondLst>
+                                            <p:cond delay="0"/>
+                                          </p:stCondLst>
+                                        </p:cTn>
+                                        <p:tgtEl>
+                                          <p:spTgt spid="3"/>
+                                        </p:tgtEl>
+                                        <p:attrNameLst>
+                                          <p:attrName>style.visibility</p:attrName>
+                                        </p:attrNameLst>
+                                      </p:cBhvr>
+                                      <p:to>
+                                        <p:strVal val="visible"/>
+                                      </p:to>
+                                    </p:set>
+                                    <p:animEffect transition="in" filter="fade">
+                                      <p:cBhvr>
+                                        <p:cTn id="13" dur="500"/>
+                                        <p:tgtEl>
+                                          <p:spTgt spid="3"/>
+                                        </p:tgtEl>
+                                      </p:cBhvr>
+                                    </p:animEffect>
+                                  </p:childTnLst>
+                                </p:cTn>
+                              </p:par>
+                            </p:childTnLst>
+                          </p:cTn>
+                        </p:par>
+                      </p:childTnLst>
+                    </p:cTn>
+                  </p:par>
+                  <p:par>
+                    <p:cTn id="14" fill="hold">
+                      <p:stCondLst>
+                        <p:cond delay="indefinite"/>
+                      </p:stCondLst>
+                      <p:childTnLst>
+                        <p:par>
+                          <p:cTn id="15" fill="hold">
+                            <p:stCondLst>
+                              <p:cond delay="0"/>
+                            </p:stCondLst>
+                            <p:childTnLst>
+                              <p:par>
+                                <p:cTn id="16" presetID="10" presetClass="entr" presetSubtype="0" fill="hold" nodeType="clickEffect">
+                                  <p:stCondLst>
+                                    <p:cond delay="0"/>
+                                  </p:stCondLst>
+                                  <p:childTnLst>
+                                    <p:set>
+                                      <p:cBhvr>
+                                        <p:cTn id="17" dur="1" fill="hold">
+                                          <p:stCondLst>
+                                            <p:cond delay="0"/>
+                                          </p:stCondLst>
+                                        </p:cTn>
+                                        <p:tgtEl>
+                                          <p:spTgt spid="5"/>
+                                        </p:tgtEl>
+                                        <p:attrNameLst>
+                                          <p:attrName>style.visibility</p:attrName>
+                                        </p:attrNameLst>
+                                      </p:cBhvr>
+                                      <p:to>
+                                        <p:strVal val="visible"/>
+                                      </p:to>
+                                    </p:set>
+                                    <p:animEffect transition="in" filter="fade">
+                                      <p:cBhvr>
+                                        <p:cTn id="18" dur="500"/>
+                                        <p:tgtEl>
+                                          <p:spTgt spid="5"/>
+                                        </p:tgtEl>
+                                      </p:cBhvr>
+                                    </p:animEffect>
+                                  </p:childTnLst>
+                                </p:cTn>
+                              </p:par>
+                            </p:childTnLst>
+                          </p:cTn>
+                        </p:par>
+                      </p:childTnLst>
+                    </p:cTn>
+                  </p:par>
+                  <p:par>
+                    <p:cTn id="19" fill="hold">
+                      <p:stCondLst>
+                        <p:cond delay="indefinite"/>
+                      </p:stCondLst>
+                      <p:childTnLst>
+                        <p:par>
+                          <p:cTn id="20" fill="hold">
+                            <p:stCondLst>
+                              <p:cond delay="0"/>
+                            </p:stCondLst>
+                            <p:childTnLst>
+                              <p:par>
+                                <p:cTn id="21" presetID="10" presetClass="entr" presetSubtype="0" fill="hold" grpId="0" nodeType="clickEffect">
+                                  <p:stCondLst>
+                                    <p:cond delay="0"/>
+                                  </p:stCondLst>
+                                  <p:childTnLst>
+                                    <p:set>
+                                      <p:cBhvr>
+                                        <p:cTn id="22" dur="1" fill="hold">
+                                          <p:stCondLst>
+                                            <p:cond delay="0"/>
+                                          </p:stCondLst>
+                                        </p:cTn>
+                                        <p:tgtEl>
+                                          <p:spTgt spid="31"/>
+                                        </p:tgtEl>
+                                        <p:attrNameLst>
+                                          <p:attrName>style.visibility</p:attrName>
+                                        </p:attrNameLst>
+                                      </p:cBhvr>
+                                      <p:to>
+                                        <p:strVal val="visible"/>
+                                      </p:to>
+                                    </p:set>
+                                    <p:animEffect transition="in" filter="fade">
+                                      <p:cBhvr>
+                                        <p:cTn id="23" dur="500"/>
+                                        <p:tgtEl>
+                                          <p:spTgt spid="31"/>
+                                        </p:tgtEl>
+                                      </p:cBhvr>
+                                    </p:animEffect>
+                                  </p:childTnLst>
+                                </p:cTn>
+                              </p:par>
+                            </p:childTnLst>
+                          </p:cTn>
+                        </p:par>
+                      </p:childTnLst>
+                    </p:cTn>
+                  </p:par>
+                  <p:par>
+                    <p:cTn id="24" fill="hold">
+                      <p:stCondLst>
+                        <p:cond delay="indefinite"/>
+                      </p:stCondLst>
+                      <p:childTnLst>
+                        <p:par>
+                          <p:cTn id="25" fill="hold">
+                            <p:stCondLst>
+                              <p:cond delay="0"/>
+                            </p:stCondLst>
+                            <p:childTnLst>
+                              <p:par>
+                                <p:cTn id="26" presetID="10" presetClass="exit" presetSubtype="0" fill="hold" grpId="1" nodeType="clickEffect">
+                                  <p:stCondLst>
+                                    <p:cond delay="0"/>
+                                  </p:stCondLst>
+                                  <p:childTnLst>
+                                    <p:animEffect transition="out" filter="fade">
+                                      <p:cBhvr>
+                                        <p:cTn id="27" dur="500"/>
+                                        <p:tgtEl>
+                                          <p:spTgt spid="31"/>
+                                        </p:tgtEl>
+                                      </p:cBhvr>
+                                    </p:animEffect>
+                                    <p:set>
+                                      <p:cBhvr>
+                                        <p:cTn id="28" dur="1" fill="hold">
+                                          <p:stCondLst>
+                                            <p:cond delay="499"/>
+                                          </p:stCondLst>
+                                        </p:cTn>
+                                        <p:tgtEl>
+                                          <p:spTgt spid="31"/>
+                                        </p:tgtEl>
+                                        <p:attrNameLst>
+                                          <p:attrName>style.visibility</p:attrName>
+                                        </p:attrNameLst>
+                                      </p:cBhvr>
+                                      <p:to>
+                                        <p:strVal val="hidden"/>
+                                      </p:to>
+                                    </p:set>
+                                  </p:childTnLst>
+                                </p:cTn>
+                              </p:par>
+                              <p:par>
+                                <p:cTn id="29" presetID="10" presetClass="exit" presetSubtype="0" fill="hold" nodeType="withEffect">
+                                  <p:stCondLst>
+                                    <p:cond delay="0"/>
+                                  </p:stCondLst>
+                                  <p:childTnLst>
+                                    <p:animEffect transition="out" filter="fade">
+                                      <p:cBhvr>
+                                        <p:cTn id="30" dur="500"/>
+                                        <p:tgtEl>
+                                          <p:spTgt spid="5"/>
+                                        </p:tgtEl>
+                                      </p:cBhvr>
+                                    </p:animEffect>
+                                    <p:set>
+                                      <p:cBhvr>
+                                        <p:cTn id="31" dur="1" fill="hold">
+                                          <p:stCondLst>
+                                            <p:cond delay="499"/>
+                                          </p:stCondLst>
+                                        </p:cTn>
+                                        <p:tgtEl>
+                                          <p:spTgt spid="5"/>
+                                        </p:tgtEl>
+                                        <p:attrNameLst>
+                                          <p:attrName>style.visibility</p:attrName>
+                                        </p:attrNameLst>
+                                      </p:cBhvr>
+                                      <p:to>
+                                        <p:strVal val="hidden"/>
+                                      </p:to>
+                                    </p:set>
+                                  </p:childTnLst>
+                                </p:cTn>
+                              </p:par>
+                            </p:childTnLst>
+                          </p:cTn>
+                        </p:par>
+                      </p:childTnLst>
+                    </p:cTn>
+                  </p:par>
+                  <p:par>
+                    <p:cTn id="32" fill="hold">
+                      <p:stCondLst>
+                        <p:cond delay="indefinite"/>
+                      </p:stCondLst>
+                      <p:childTnLst>
+                        <p:par>
+                          <p:cTn id="33" fill="hold">
+                            <p:stCondLst>
+                              <p:cond delay="0"/>
+                            </p:stCondLst>
+                            <p:childTnLst>
+                              <p:par>
+                                <p:cTn id="34" presetID="10" presetClass="entr" presetSubtype="0" fill="hold" nodeType="clickEffect">
+                                  <p:stCondLst>
+                                    <p:cond delay="0"/>
+                                  </p:stCondLst>
+                                  <p:childTnLst>
+                                    <p:set>
+                                      <p:cBhvr>
+                                        <p:cTn id="35" dur="1" fill="hold">
+                                          <p:stCondLst>
+                                            <p:cond delay="0"/>
+                                          </p:stCondLst>
+                                        </p:cTn>
+                                        <p:tgtEl>
+                                          <p:spTgt spid="19"/>
+                                        </p:tgtEl>
+                                        <p:attrNameLst>
+                                          <p:attrName>style.visibility</p:attrName>
+                                        </p:attrNameLst>
+                                      </p:cBhvr>
+                                      <p:to>
+                                        <p:strVal val="visible"/>
+                                      </p:to>
+                                    </p:set>
+                                    <p:animEffect transition="in" filter="fade">
+                                      <p:cBhvr>
+                                        <p:cTn id="36" dur="500"/>
+                                        <p:tgtEl>
+                                          <p:spTgt spid="19"/>
+                                        </p:tgtEl>
+                                      </p:cBhvr>
+                                    </p:animEffect>
+                                  </p:childTnLst>
+                                </p:cTn>
+                              </p:par>
+                            </p:childTnLst>
+                          </p:cTn>
+                        </p:par>
+                      </p:childTnLst>
+                    </p:cTn>
+                  </p:par>
+                  <p:par>
+                    <p:cTn id="37" fill="hold">
+                      <p:stCondLst>
+                        <p:cond delay="indefinite"/>
+                      </p:stCondLst>
+                      <p:childTnLst>
+                        <p:par>
+                          <p:cTn id="38" fill="hold">
+                            <p:stCondLst>
+                              <p:cond delay="0"/>
+                            </p:stCondLst>
+                            <p:childTnLst>
+                              <p:par>
+                                <p:cTn id="39" presetID="10" presetClass="entr" presetSubtype="0" fill="hold" nodeType="clickEffect">
+                                  <p:stCondLst>
+                                    <p:cond delay="0"/>
+                                  </p:stCondLst>
+                                  <p:childTnLst>
+                                    <p:set>
+                                      <p:cBhvr>
+                                        <p:cTn id="40" dur="1" fill="hold">
+                                          <p:stCondLst>
+                                            <p:cond delay="0"/>
+                                          </p:stCondLst>
+                                        </p:cTn>
+                                        <p:tgtEl>
+                                          <p:spTgt spid="20"/>
+                                        </p:tgtEl>
+                                        <p:attrNameLst>
+                                          <p:attrName>style.visibility</p:attrName>
+                                        </p:attrNameLst>
+                                      </p:cBhvr>
+                                      <p:to>
+                                        <p:strVal val="visible"/>
+                                      </p:to>
+                                    </p:set>
+                                    <p:animEffect transition="in" filter="fade">
+                                      <p:cBhvr>
+                                        <p:cTn id="41" dur="500"/>
+                                        <p:tgtEl>
+                                          <p:spTgt spid="20"/>
+                                        </p:tgtEl>
+                                      </p:cBhvr>
+                                    </p:animEffect>
+                                  </p:childTnLst>
+                                </p:cTn>
+                              </p:par>
+                              <p:par>
+                                <p:cTn id="42" presetID="10" presetClass="entr" presetSubtype="0" fill="hold" grpId="0" nodeType="withEffect">
+                                  <p:stCondLst>
+                                    <p:cond delay="0"/>
+                                  </p:stCondLst>
+                                  <p:childTnLst>
+                                    <p:set>
+                                      <p:cBhvr>
+                                        <p:cTn id="43" dur="1" fill="hold">
+                                          <p:stCondLst>
+                                            <p:cond delay="0"/>
+                                          </p:stCondLst>
+                                        </p:cTn>
+                                        <p:tgtEl>
+                                          <p:spTgt spid="53"/>
+                                        </p:tgtEl>
+                                        <p:attrNameLst>
+                                          <p:attrName>style.visibility</p:attrName>
+                                        </p:attrNameLst>
+                                      </p:cBhvr>
+                                      <p:to>
+                                        <p:strVal val="visible"/>
+                                      </p:to>
+                                    </p:set>
+                                    <p:animEffect transition="in" filter="fade">
+                                      <p:cBhvr>
+                                        <p:cTn id="44" dur="500"/>
+                                        <p:tgtEl>
+                                          <p:spTgt spid="53"/>
+                                        </p:tgtEl>
+                                      </p:cBhvr>
+                                    </p:animEffect>
+                                  </p:childTnLst>
+                                </p:cTn>
+                              </p:par>
+                            </p:childTnLst>
+                          </p:cTn>
+                        </p:par>
+                      </p:childTnLst>
+                    </p:cTn>
+                  </p:par>
+                  <p:par>
+                    <p:cTn id="45" fill="hold">
+                      <p:stCondLst>
+                        <p:cond delay="indefinite"/>
+                      </p:stCondLst>
+                      <p:childTnLst>
+                        <p:par>
+                          <p:cTn id="46" fill="hold">
+                            <p:stCondLst>
+                              <p:cond delay="0"/>
+                            </p:stCondLst>
+                            <p:childTnLst>
+                              <p:par>
+                                <p:cTn id="47" presetID="2" presetClass="entr" presetSubtype="8" accel="50000" decel="50000" fill="hold" grpId="0" nodeType="clickEffect">
+                                  <p:stCondLst>
+                                    <p:cond delay="0"/>
+                                  </p:stCondLst>
+                                  <p:childTnLst>
+                                    <p:set>
+                                      <p:cBhvr>
+                                        <p:cTn id="48" dur="1" fill="hold">
+                                          <p:stCondLst>
+                                            <p:cond delay="0"/>
+                                          </p:stCondLst>
+                                        </p:cTn>
+                                        <p:tgtEl>
+                                          <p:spTgt spid="7"/>
+                                        </p:tgtEl>
+                                        <p:attrNameLst>
+                                          <p:attrName>style.visibility</p:attrName>
+                                        </p:attrNameLst>
+                                      </p:cBhvr>
+                                      <p:to>
+                                        <p:strVal val="visible"/>
+                                      </p:to>
+                                    </p:set>
+                                    <p:anim calcmode="lin" valueType="num">
+                                      <p:cBhvr additive="base">
+                                        <p:cTn id="49" dur="500" fill="hold"/>
+                                        <p:tgtEl>
+                                          <p:spTgt spid="7"/>
+                                        </p:tgtEl>
+                                        <p:attrNameLst>
+                                          <p:attrName>ppt_x</p:attrName>
+                                        </p:attrNameLst>
+                                      </p:cBhvr>
+                                      <p:tavLst>
+                                        <p:tav tm="0">
+                                          <p:val>
+                                            <p:strVal val="0-#ppt_w/2"/>
+                                          </p:val>
+                                        </p:tav>
+                                        <p:tav tm="100000">
+                                          <p:val>
+                                            <p:strVal val="#ppt_x"/>
+                                          </p:val>
+                                        </p:tav>
+                                      </p:tavLst>
+                                    </p:anim>
+                                    <p:anim calcmode="lin" valueType="num">
+                                      <p:cBhvr additive="base">
+                                        <p:cTn id="50" dur="500" fill="hold"/>
+                                        <p:tgtEl>
+                                          <p:spTgt spid="7"/>
+                                        </p:tgtEl>
+                                        <p:attrNameLst>
+                                          <p:attrName>ppt_y</p:attrName>
+                                        </p:attrNameLst>
+                                      </p:cBhvr>
+                                      <p:tavLst>
+                                        <p:tav tm="0">
+                                          <p:val>
+                                            <p:strVal val="#ppt_y"/>
+                                          </p:val>
+                                        </p:tav>
+                                        <p:tav tm="100000">
+                                          <p:val>
+                                            <p:strVal val="#ppt_y"/>
+                                          </p:val>
+                                        </p:tav>
+                                      </p:tavLst>
+                                    </p:anim>
+                                  </p:childTnLst>
+                                </p:cTn>
+                              </p:par>
+                            </p:childTnLst>
+                          </p:cTn>
+                        </p:par>
+                      </p:childTnLst>
+                    </p:cTn>
+                  </p:par>
+                  <p:par>
+                    <p:cTn id="51" fill="hold">
+                      <p:stCondLst>
+                        <p:cond delay="indefinite"/>
+                      </p:stCondLst>
+                      <p:childTnLst>
+                        <p:par>
+                          <p:cTn id="52" fill="hold">
+                            <p:stCondLst>
+                              <p:cond delay="0"/>
+                            </p:stCondLst>
+                            <p:childTnLst>
+                              <p:par>
+                                <p:cTn id="53" presetID="10" presetClass="entr" presetSubtype="0" fill="hold" grpId="0" nodeType="clickEffect">
+                                  <p:stCondLst>
+                                    <p:cond delay="0"/>
+                                  </p:stCondLst>
+                                  <p:childTnLst>
+                                    <p:set>
+                                      <p:cBhvr>
+                                        <p:cTn id="54" dur="1" fill="hold">
+                                          <p:stCondLst>
+                                            <p:cond delay="0"/>
+                                          </p:stCondLst>
+                                        </p:cTn>
+                                        <p:tgtEl>
+                                          <p:spTgt spid="56"/>
+                                        </p:tgtEl>
+                                        <p:attrNameLst>
+                                          <p:attrName>style.visibility</p:attrName>
+                                        </p:attrNameLst>
+                                      </p:cBhvr>
+                                      <p:to>
+                                        <p:strVal val="visible"/>
+                                      </p:to>
+                                    </p:set>
+                                    <p:animEffect transition="in" filter="fade">
+                                      <p:cBhvr>
+                                        <p:cTn id="55" dur="500"/>
+                                        <p:tgtEl>
+                                          <p:spTgt spid="56"/>
+                                        </p:tgtEl>
+                                      </p:cBhvr>
+                                    </p:animEffect>
+                                  </p:childTnLst>
+                                </p:cTn>
+                              </p:par>
+                              <p:par>
+                                <p:cTn id="56" presetID="10" presetClass="entr" presetSubtype="0" fill="hold" grpId="0" nodeType="withEffect">
+                                  <p:stCondLst>
+                                    <p:cond delay="0"/>
+                                  </p:stCondLst>
+                                  <p:childTnLst>
+                                    <p:set>
+                                      <p:cBhvr>
+                                        <p:cTn id="57" dur="1" fill="hold">
+                                          <p:stCondLst>
+                                            <p:cond delay="0"/>
+                                          </p:stCondLst>
+                                        </p:cTn>
+                                        <p:tgtEl>
+                                          <p:spTgt spid="57"/>
+                                        </p:tgtEl>
+                                        <p:attrNameLst>
+                                          <p:attrName>style.visibility</p:attrName>
+                                        </p:attrNameLst>
+                                      </p:cBhvr>
+                                      <p:to>
+                                        <p:strVal val="visible"/>
+                                      </p:to>
+                                    </p:set>
+                                    <p:animEffect transition="in" filter="fade">
+                                      <p:cBhvr>
+                                        <p:cTn id="58" dur="500"/>
+                                        <p:tgtEl>
+                                          <p:spTgt spid="57"/>
+                                        </p:tgtEl>
+                                      </p:cBhvr>
+                                    </p:animEffect>
+                                  </p:childTnLst>
+                                </p:cTn>
+                              </p:par>
+                            </p:childTnLst>
+                          </p:cTn>
+                        </p:par>
+                      </p:childTnLst>
+                    </p:cTn>
+                  </p:par>
+                  <p:par>
+                    <p:cTn id="59" fill="hold">
+                      <p:stCondLst>
+                        <p:cond delay="indefinite"/>
+                      </p:stCondLst>
+                      <p:childTnLst>
+                        <p:par>
+                          <p:cTn id="60" fill="hold">
+                            <p:stCondLst>
+                              <p:cond delay="0"/>
+                            </p:stCondLst>
+                            <p:childTnLst>
+                              <p:par>
+                                <p:cTn id="61" presetID="10" presetClass="entr" presetSubtype="0" fill="hold" nodeType="clickEffect">
+                                  <p:stCondLst>
+                                    <p:cond delay="0"/>
+                                  </p:stCondLst>
+                                  <p:childTnLst>
+                                    <p:set>
+                                      <p:cBhvr>
+                                        <p:cTn id="62" dur="1" fill="hold">
+                                          <p:stCondLst>
+                                            <p:cond delay="0"/>
+                                          </p:stCondLst>
+                                        </p:cTn>
+                                        <p:tgtEl>
+                                          <p:spTgt spid="58"/>
+                                        </p:tgtEl>
+                                        <p:attrNameLst>
+                                          <p:attrName>style.visibility</p:attrName>
+                                        </p:attrNameLst>
+                                      </p:cBhvr>
+                                      <p:to>
+                                        <p:strVal val="visible"/>
+                                      </p:to>
+                                    </p:set>
+                                    <p:animEffect transition="in" filter="fade">
+                                      <p:cBhvr>
+                                        <p:cTn id="63" dur="500"/>
+                                        <p:tgtEl>
+                                          <p:spTgt spid="58"/>
+                                        </p:tgtEl>
+                                      </p:cBhvr>
+                                    </p:animEffect>
+                                  </p:childTnLst>
+                                </p:cTn>
+                              </p:par>
+                            </p:childTnLst>
+                          </p:cTn>
+                        </p:par>
+                      </p:childTnLst>
+                    </p:cTn>
+                  </p:par>
+                  <p:par>
+                    <p:cTn id="64" fill="hold">
+                      <p:stCondLst>
+                        <p:cond delay="indefinite"/>
+                      </p:stCondLst>
+                      <p:childTnLst>
+                        <p:par>
+                          <p:cTn id="65" fill="hold">
+                            <p:stCondLst>
+                              <p:cond delay="0"/>
+                            </p:stCondLst>
+                            <p:childTnLst>
+                              <p:par>
+                                <p:cTn id="66" presetID="10" presetClass="exit" presetSubtype="0" fill="hold" nodeType="clickEffect">
+                                  <p:stCondLst>
+                                    <p:cond delay="0"/>
+                                  </p:stCondLst>
+                                  <p:childTnLst>
+                                    <p:animEffect transition="out" filter="fade">
+                                      <p:cBhvr>
+                                        <p:cTn id="67" dur="500"/>
+                                        <p:tgtEl>
+                                          <p:spTgt spid="58"/>
+                                        </p:tgtEl>
+                                      </p:cBhvr>
+                                    </p:animEffect>
+                                    <p:set>
+                                      <p:cBhvr>
+                                        <p:cTn id="68" dur="1" fill="hold">
+                                          <p:stCondLst>
+                                            <p:cond delay="499"/>
+                                          </p:stCondLst>
+                                        </p:cTn>
+                                        <p:tgtEl>
+                                          <p:spTgt spid="58"/>
+                                        </p:tgtEl>
+                                        <p:attrNameLst>
+                                          <p:attrName>style.visibility</p:attrName>
+                                        </p:attrNameLst>
+                                      </p:cBhvr>
+                                      <p:to>
+                                        <p:strVal val="hidden"/>
+                                      </p:to>
+                                    </p:set>
+                                  </p:childTnLst>
+                                </p:cTn>
+                              </p:par>
+                              <p:par>
+                                <p:cTn id="69" presetID="0" presetClass="path" presetSubtype="0" accel="50000" decel="50000" fill="hold" grpId="1" nodeType="withEffect">
+                                  <p:stCondLst>
+                                    <p:cond delay="0"/>
+                                  </p:stCondLst>
+                                  <p:childTnLst>
+                                    <p:animMotion origin="layout" path="M -6.38889E-6 -3.33333E-6 L 0.19044 0.3 " pathEditMode="relative" ptsTypes="AA">
+                                      <p:cBhvr>
+                                        <p:cTn id="70" dur="2000" fill="hold"/>
+                                        <p:tgtEl>
+                                          <p:spTgt spid="57"/>
+                                        </p:tgtEl>
+                                        <p:attrNameLst>
+                                          <p:attrName>ppt_x</p:attrName>
+                                          <p:attrName>ppt_y</p:attrName>
+                                        </p:attrNameLst>
+                                      </p:cBhvr>
+                                    </p:animMotion>
+                                  </p:childTnLst>
+                                </p:cTn>
+                              </p:par>
+                            </p:childTnLst>
+                          </p:cTn>
+                        </p:par>
+                      </p:childTnLst>
+                    </p:cTn>
+                  </p:par>
+                  <p:par>
+                    <p:cTn id="71" fill="hold">
+                      <p:stCondLst>
+                        <p:cond delay="indefinite"/>
+                      </p:stCondLst>
+                      <p:childTnLst>
+                        <p:par>
+                          <p:cTn id="72" fill="hold">
+                            <p:stCondLst>
+                              <p:cond delay="0"/>
+                            </p:stCondLst>
+                            <p:childTnLst>
+                              <p:par>
+                                <p:cTn id="73" presetID="10" presetClass="entr" presetSubtype="0" fill="hold" nodeType="clickEffect">
+                                  <p:stCondLst>
+                                    <p:cond delay="0"/>
+                                  </p:stCondLst>
+                                  <p:childTnLst>
+                                    <p:set>
+                                      <p:cBhvr>
+                                        <p:cTn id="74" dur="1" fill="hold">
+                                          <p:stCondLst>
+                                            <p:cond delay="0"/>
+                                          </p:stCondLst>
+                                        </p:cTn>
+                                        <p:tgtEl>
+                                          <p:spTgt spid="59"/>
+                                        </p:tgtEl>
+                                        <p:attrNameLst>
+                                          <p:attrName>style.visibility</p:attrName>
+                                        </p:attrNameLst>
+                                      </p:cBhvr>
+                                      <p:to>
+                                        <p:strVal val="visible"/>
+                                      </p:to>
+                                    </p:set>
+                                    <p:animEffect transition="in" filter="fade">
+                                      <p:cBhvr>
+                                        <p:cTn id="75" dur="500"/>
+                                        <p:tgtEl>
+                                          <p:spTgt spid="59"/>
+                                        </p:tgtEl>
+                                      </p:cBhvr>
+                                    </p:animEffect>
+                                  </p:childTnLst>
+                                </p:cTn>
+                              </p:par>
+                            </p:childTnLst>
+                          </p:cTn>
+                        </p:par>
+                      </p:childTnLst>
+                    </p:cTn>
+                  </p:par>
+                  <p:par>
+                    <p:cTn id="76" fill="hold">
+                      <p:stCondLst>
+                        <p:cond delay="indefinite"/>
+                      </p:stCondLst>
+                      <p:childTnLst>
+                        <p:par>
+                          <p:cTn id="77" fill="hold">
+                            <p:stCondLst>
+                              <p:cond delay="0"/>
+                            </p:stCondLst>
+                            <p:childTnLst>
+                              <p:par>
+                                <p:cTn id="78" presetID="10" presetClass="exit" presetSubtype="0" fill="hold" nodeType="clickEffect">
+                                  <p:stCondLst>
+                                    <p:cond delay="0"/>
+                                  </p:stCondLst>
+                                  <p:childTnLst>
+                                    <p:animEffect transition="out" filter="fade">
+                                      <p:cBhvr>
+                                        <p:cTn id="79" dur="500"/>
+                                        <p:tgtEl>
+                                          <p:spTgt spid="59"/>
+                                        </p:tgtEl>
+                                      </p:cBhvr>
+                                    </p:animEffect>
+                                    <p:set>
+                                      <p:cBhvr>
+                                        <p:cTn id="80" dur="1" fill="hold">
+                                          <p:stCondLst>
+                                            <p:cond delay="499"/>
+                                          </p:stCondLst>
+                                        </p:cTn>
+                                        <p:tgtEl>
+                                          <p:spTgt spid="59"/>
+                                        </p:tgtEl>
+                                        <p:attrNameLst>
+                                          <p:attrName>style.visibility</p:attrName>
+                                        </p:attrNameLst>
+                                      </p:cBhvr>
+                                      <p:to>
+                                        <p:strVal val="hidden"/>
+                                      </p:to>
+                                    </p:set>
+                                  </p:childTnLst>
+                                </p:cTn>
+                              </p:par>
+                            </p:childTnLst>
+                          </p:cTn>
+                        </p:par>
+                      </p:childTnLst>
+                    </p:cTn>
+                  </p:par>
+                  <p:par>
+                    <p:cTn id="81" fill="hold">
+                      <p:stCondLst>
+                        <p:cond delay="indefinite"/>
+                      </p:stCondLst>
+                      <p:childTnLst>
+                        <p:par>
+                          <p:cTn id="82" fill="hold">
+                            <p:stCondLst>
+                              <p:cond delay="0"/>
+                            </p:stCondLst>
+                            <p:childTnLst>
+                              <p:par>
+                                <p:cTn id="83" presetID="10" presetClass="entr" presetSubtype="0" fill="hold" grpId="0" nodeType="clickEffect">
+                                  <p:stCondLst>
+                                    <p:cond delay="0"/>
+                                  </p:stCondLst>
+                                  <p:childTnLst>
+                                    <p:set>
+                                      <p:cBhvr>
+                                        <p:cTn id="84" dur="1" fill="hold">
+                                          <p:stCondLst>
+                                            <p:cond delay="0"/>
+                                          </p:stCondLst>
+                                        </p:cTn>
+                                        <p:tgtEl>
+                                          <p:spTgt spid="61"/>
+                                        </p:tgtEl>
+                                        <p:attrNameLst>
+                                          <p:attrName>style.visibility</p:attrName>
+                                        </p:attrNameLst>
+                                      </p:cBhvr>
+                                      <p:to>
+                                        <p:strVal val="visible"/>
+                                      </p:to>
+                                    </p:set>
+                                    <p:animEffect transition="in" filter="fade">
+                                      <p:cBhvr>
+                                        <p:cTn id="85" dur="500"/>
+                                        <p:tgtEl>
+                                          <p:spTgt spid="61"/>
+                                        </p:tgtEl>
+                                      </p:cBhvr>
+                                    </p:animEffect>
+                                  </p:childTnLst>
+                                </p:cTn>
+                              </p:par>
+                            </p:childTnLst>
+                          </p:cTn>
+                        </p:par>
+                      </p:childTnLst>
+                    </p:cTn>
+                  </p:par>
+                  <p:par>
+                    <p:cTn id="86" fill="hold">
+                      <p:stCondLst>
+                        <p:cond delay="indefinite"/>
+                      </p:stCondLst>
+                      <p:childTnLst>
+                        <p:par>
+                          <p:cTn id="87" fill="hold">
+                            <p:stCondLst>
+                              <p:cond delay="0"/>
+                            </p:stCondLst>
+                            <p:childTnLst>
+                              <p:par>
+                                <p:cTn id="88" presetID="10" presetClass="exit" presetSubtype="0" fill="hold" grpId="2" nodeType="clickEffect">
+                                  <p:stCondLst>
+                                    <p:cond delay="0"/>
+                                  </p:stCondLst>
+                                  <p:childTnLst>
+                                    <p:animEffect transition="out" filter="fade">
+                                      <p:cBhvr>
+                                        <p:cTn id="89" dur="500"/>
+                                        <p:tgtEl>
+                                          <p:spTgt spid="57"/>
+                                        </p:tgtEl>
+                                      </p:cBhvr>
+                                    </p:animEffect>
+                                    <p:set>
+                                      <p:cBhvr>
+                                        <p:cTn id="90" dur="1" fill="hold">
+                                          <p:stCondLst>
+                                            <p:cond delay="499"/>
+                                          </p:stCondLst>
+                                        </p:cTn>
+                                        <p:tgtEl>
+                                          <p:spTgt spid="57"/>
+                                        </p:tgtEl>
+                                        <p:attrNameLst>
+                                          <p:attrName>style.visibility</p:attrName>
+                                        </p:attrNameLst>
+                                      </p:cBhvr>
+                                      <p:to>
+                                        <p:strVal val="hidden"/>
+                                      </p:to>
+                                    </p:set>
+                                  </p:childTnLst>
+                                </p:cTn>
+                              </p:par>
+                              <p:par>
+                                <p:cTn id="91" presetID="10" presetClass="entr" presetSubtype="0" fill="hold" grpId="0" nodeType="withEffect">
+                                  <p:stCondLst>
+                                    <p:cond delay="0"/>
+                                  </p:stCondLst>
+                                  <p:childTnLst>
+                                    <p:set>
+                                      <p:cBhvr>
+                                        <p:cTn id="92" dur="1" fill="hold">
+                                          <p:stCondLst>
+                                            <p:cond delay="0"/>
+                                          </p:stCondLst>
+                                        </p:cTn>
+                                        <p:tgtEl>
+                                          <p:spTgt spid="60"/>
+                                        </p:tgtEl>
+                                        <p:attrNameLst>
+                                          <p:attrName>style.visibility</p:attrName>
+                                        </p:attrNameLst>
+                                      </p:cBhvr>
+                                      <p:to>
+                                        <p:strVal val="visible"/>
+                                      </p:to>
+                                    </p:set>
+                                    <p:animEffect transition="in" filter="fade">
+                                      <p:cBhvr>
+                                        <p:cTn id="93" dur="500"/>
+                                        <p:tgtEl>
+                                          <p:spTgt spid="60"/>
+                                        </p:tgtEl>
+                                      </p:cBhvr>
+                                    </p:animEffect>
+                                  </p:childTnLst>
+                                </p:cTn>
+                              </p:par>
+                            </p:childTnLst>
+                          </p:cTn>
+                        </p:par>
+                      </p:childTnLst>
+                    </p:cTn>
+                  </p:par>
+                  <p:par>
+                    <p:cTn id="94" fill="hold">
+                      <p:stCondLst>
+                        <p:cond delay="indefinite"/>
+                      </p:stCondLst>
+                      <p:childTnLst>
+                        <p:par>
+                          <p:cTn id="95" fill="hold">
+                            <p:stCondLst>
+                              <p:cond delay="0"/>
+                            </p:stCondLst>
+                            <p:childTnLst>
+                              <p:par>
+                                <p:cTn id="96" presetID="2" presetClass="entr" presetSubtype="8" accel="50000" decel="50000" fill="hold" nodeType="clickEffect">
+                                  <p:stCondLst>
+                                    <p:cond delay="0"/>
+                                  </p:stCondLst>
+                                  <p:childTnLst>
+                                    <p:set>
+                                      <p:cBhvr>
+                                        <p:cTn id="97" dur="1" fill="hold">
+                                          <p:stCondLst>
+                                            <p:cond delay="0"/>
+                                          </p:stCondLst>
+                                        </p:cTn>
+                                        <p:tgtEl>
+                                          <p:spTgt spid="8"/>
+                                        </p:tgtEl>
+                                        <p:attrNameLst>
+                                          <p:attrName>style.visibility</p:attrName>
+                                        </p:attrNameLst>
+                                      </p:cBhvr>
+                                      <p:to>
+                                        <p:strVal val="visible"/>
+                                      </p:to>
+                                    </p:set>
+                                    <p:anim calcmode="lin" valueType="num">
+                                      <p:cBhvr additive="base">
+                                        <p:cTn id="98" dur="500" fill="hold"/>
+                                        <p:tgtEl>
+                                          <p:spTgt spid="8"/>
+                                        </p:tgtEl>
+                                        <p:attrNameLst>
+                                          <p:attrName>ppt_x</p:attrName>
+                                        </p:attrNameLst>
+                                      </p:cBhvr>
+                                      <p:tavLst>
+                                        <p:tav tm="0">
+                                          <p:val>
+                                            <p:strVal val="0-#ppt_w/2"/>
+                                          </p:val>
+                                        </p:tav>
+                                        <p:tav tm="100000">
+                                          <p:val>
+                                            <p:strVal val="#ppt_x"/>
+                                          </p:val>
+                                        </p:tav>
+                                      </p:tavLst>
+                                    </p:anim>
+                                    <p:anim calcmode="lin" valueType="num">
+                                      <p:cBhvr additive="base">
+                                        <p:cTn id="99" dur="500" fill="hold"/>
+                                        <p:tgtEl>
+                                          <p:spTgt spid="8"/>
+                                        </p:tgtEl>
+                                        <p:attrNameLst>
+                                          <p:attrName>ppt_y</p:attrName>
+                                        </p:attrNameLst>
+                                      </p:cBhvr>
+                                      <p:tavLst>
+                                        <p:tav tm="0">
+                                          <p:val>
+                                            <p:strVal val="#ppt_y"/>
+                                          </p:val>
+                                        </p:tav>
+                                        <p:tav tm="100000">
+                                          <p:val>
+                                            <p:strVal val="#ppt_y"/>
+                                          </p:val>
+                                        </p:tav>
+                                      </p:tavLst>
+                                    </p:anim>
+                                  </p:childTnLst>
+                                </p:cTn>
+                              </p:par>
+                            </p:childTnLst>
+                          </p:cTn>
+                        </p:par>
+                      </p:childTnLst>
+                    </p:cTn>
+                  </p:par>
+                </p:childTnLst>
+              </p:cTn>
+              <p:prevCondLst>
+                <p:cond evt="onPrev" delay="0">
+                  <p:tgtEl>
+                    <p:sldTgt/>
+                  </p:tgtEl>
+                </p:cond>
+              </p:prevCondLst>
+              <p:nextCondLst>
+                <p:cond evt="onNext" delay="0">
+                  <p:tgtEl>
+                    <p:sldTgt/>
+                  </p:tgtEl>
+                </p:cond>
+              </p:nextCondLst>
+            </p:seq>
+          </p:childTnLst>
+        </p:cTn>
+      </p:par>
+    </p:tnLst>
+    <p:bldLst>
+      <p:bldP spid="60" grpId="0" animBg="1"/>
+      <p:bldP spid="6" grpId="0"/>
+      <p:bldP spid="7" grpId="0"/>
+      <p:bldP spid="31" grpId="0"/>
+      <p:bldP spid="31" grpId="1"/>
+      <p:bldP spid="53" grpId="0"/>
+      <p:bldP spid="56" grpId="0" animBg="1"/>
+      <p:bldP spid="57" grpId="0" animBg="1"/>
+      <p:bldP spid="57" grpId="1" animBg="1"/>
+      <p:bldP spid="57" grpId="2" animBg="1"/>
+      <p:bldP spid="61" grpId="0" animBg="1"/>
+    </p:bldLst>
+  </p:timing>
+</p:sld>
+</file>
+
+<file path=ppt/slides/slide5.xml><?xml version="1.0" encoding="utf-8"?>
+<p:sld xmlns:a="http://schemas.openxmlformats.org/drawingml/2006/main" xmlns:r="http://schemas.openxmlformats.org/officeDocument/2006/relationships" xmlns:p="http://schemas.openxmlformats.org/presentationml/2006/main">
+  <p:cSld>
+    <p:spTree>
+      <p:nvGrpSpPr>
+        <p:cNvPr id="1" name=""/>
+        <p:cNvGrpSpPr/>
+        <p:nvPr/>
+      </p:nvGrpSpPr>
+      <p:grpSpPr>
+        <a:xfrm>
+          <a:off x="0" y="0"/>
+          <a:ext cx="0" cy="0"/>
+          <a:chOff x="0" y="0"/>
+          <a:chExt cx="0" cy="0"/>
+        </a:xfrm>
+      </p:grpSpPr>
+      <p:sp>
+        <p:nvSpPr>
+          <p:cNvPr id="2" name="Title 1"/>
+          <p:cNvSpPr>
+            <a:spLocks noGrp="1"/>
+          </p:cNvSpPr>
+          <p:nvPr>
+            <p:ph type="title"/>
+          </p:nvPr>
+        </p:nvSpPr>
+        <p:spPr/>
+        <p:txBody>
+          <a:bodyPr/>
+          <a:lstStyle/>
+          <a:p>
+            <a:r>
+              <a:rPr lang="en-GB" dirty="0" smtClean="0"/>
+              <a:t>How do you perform effective testing?</a:t>
+            </a:r>
+            <a:endParaRPr lang="en-GB" dirty="0"/>
+          </a:p>
+        </p:txBody>
+      </p:sp>
+      <p:sp>
+        <p:nvSpPr>
+          <p:cNvPr id="3" name="Content Placeholder 2"/>
+          <p:cNvSpPr>
+            <a:spLocks noGrp="1"/>
+          </p:cNvSpPr>
+          <p:nvPr>
+            <p:ph idx="1"/>
+          </p:nvPr>
+        </p:nvSpPr>
+        <p:spPr/>
+        <p:txBody>
+          <a:bodyPr/>
+          <a:lstStyle/>
+          <a:p>
+            <a:r>
+              <a:rPr lang="en-GB" dirty="0" smtClean="0"/>
+              <a:t>A good test process</a:t>
+            </a:r>
+          </a:p>
+          <a:p>
+            <a:pPr lvl="1"/>
+            <a:r>
+              <a:rPr lang="en-GB" dirty="0" smtClean="0"/>
+              <a:t>Code review</a:t>
+            </a:r>
+          </a:p>
+          <a:p>
+            <a:pPr lvl="1"/>
+            <a:r>
+              <a:rPr lang="en-GB" dirty="0" smtClean="0"/>
+              <a:t>Unit/Component tests</a:t>
+            </a:r>
+          </a:p>
+          <a:p>
+            <a:pPr lvl="2"/>
+            <a:r>
+              <a:rPr lang="en-GB" dirty="0" smtClean="0"/>
+              <a:t>Commit code</a:t>
+            </a:r>
+          </a:p>
+          <a:p>
+            <a:pPr lvl="1"/>
+            <a:r>
+              <a:rPr lang="en-GB" dirty="0" smtClean="0"/>
+              <a:t>Integration tests</a:t>
+            </a:r>
+          </a:p>
+          <a:p>
+            <a:pPr lvl="1"/>
+            <a:r>
+              <a:rPr lang="en-GB" dirty="0" smtClean="0"/>
+              <a:t>System tests</a:t>
+            </a:r>
+          </a:p>
+          <a:p>
+            <a:pPr lvl="2"/>
+            <a:r>
+              <a:rPr lang="en-GB" dirty="0" smtClean="0"/>
+              <a:t>Manual</a:t>
+            </a:r>
+          </a:p>
+          <a:p>
+            <a:pPr lvl="2"/>
+            <a:r>
+              <a:rPr lang="en-GB" dirty="0" smtClean="0"/>
+              <a:t>Automated</a:t>
+            </a:r>
+          </a:p>
+          <a:p>
+            <a:pPr lvl="1"/>
+            <a:r>
+              <a:rPr lang="en-GB" dirty="0" smtClean="0"/>
+              <a:t>Acceptance tests</a:t>
+            </a:r>
+          </a:p>
+          <a:p>
+            <a:pPr lvl="2"/>
+            <a:r>
+              <a:rPr lang="en-GB" dirty="0" smtClean="0"/>
+              <a:t>Customer</a:t>
+            </a:r>
+          </a:p>
+          <a:p>
+            <a:pPr lvl="2"/>
+            <a:endParaRPr lang="en-GB" dirty="0" smtClean="0"/>
+          </a:p>
+          <a:p>
+            <a:r>
+              <a:rPr lang="en-GB" dirty="0" smtClean="0"/>
+              <a:t>What practices are there </a:t>
+            </a:r>
+            <a:r>
+              <a:rPr lang="en-GB" dirty="0" smtClean="0"/>
+              <a:t>for </a:t>
+            </a:r>
+            <a:r>
+              <a:rPr lang="en-GB" dirty="0" smtClean="0"/>
+              <a:t>testing in Agile Development?</a:t>
+            </a:r>
+            <a:endParaRPr lang="en-GB" dirty="0"/>
+          </a:p>
+        </p:txBody>
+      </p:sp>
+      <p:pic>
+        <p:nvPicPr>
+          <p:cNvPr id="6" name="Picture 5" descr="night-cycle1.gif"/>
+          <p:cNvPicPr>
+            <a:picLocks noChangeAspect="1"/>
+          </p:cNvPicPr>
+          <p:nvPr/>
+        </p:nvPicPr>
+        <p:blipFill>
+          <a:blip r:embed="rId2"/>
+          <a:stretch>
+            <a:fillRect/>
+          </a:stretch>
+        </p:blipFill>
+        <p:spPr>
+          <a:xfrm>
+            <a:off x="4358409" y="908720"/>
+            <a:ext cx="4328391" cy="3345018"/>
+          </a:xfrm>
+          <a:prstGeom prst="rect">
+            <a:avLst/>
+          </a:prstGeom>
+        </p:spPr>
+      </p:pic>
+      <p:sp>
+        <p:nvSpPr>
+          <p:cNvPr id="7" name="TextBox 6"/>
+          <p:cNvSpPr txBox="1"/>
+          <p:nvPr/>
+        </p:nvSpPr>
+        <p:spPr>
+          <a:xfrm>
+            <a:off x="4891050" y="4044434"/>
+            <a:ext cx="3622243" cy="369332"/>
+          </a:xfrm>
+          <a:prstGeom prst="rect">
+            <a:avLst/>
+          </a:prstGeom>
+          <a:noFill/>
+        </p:spPr>
+        <p:txBody>
+          <a:bodyPr wrap="none" rtlCol="0">
+            <a:spAutoFit/>
+          </a:bodyPr>
+          <a:lstStyle/>
+          <a:p>
+            <a:r>
+              <a:rPr lang="en-GB" dirty="0" smtClean="0"/>
+              <a:t>Random picture! Not actual process!</a:t>
+            </a:r>
+            <a:endParaRPr lang="en-GB" dirty="0"/>
+          </a:p>
+        </p:txBody>
+      </p:sp>
+    </p:spTree>
+  </p:cSld>
+  <p:clrMapOvr>
+    <a:masterClrMapping/>
+  </p:clrMapOvr>
+  <p:transition xmlns:p14="http://schemas.microsoft.com/office/powerpoint/2010/main">
+    <p:fade/>
+  </p:transition>
+  <p:timing>
+    <p:tnLst>
+      <p:par>
+        <p:cTn xmlns:p14="http://schemas.microsoft.com/office/powerpoint/2010/main" id="1" dur="indefinite" restart="never" nodeType="tmRoot">
+          <p:childTnLst>
+            <p:seq concurrent="1" nextAc="seek">
+              <p:cTn id="2" dur="indefinite" nodeType="mainSeq">
+                <p:childTnLst>
+                  <p:par>
+                    <p:cTn id="3" fill="hold">
+                      <p:stCondLst>
+                        <p:cond delay="indefinite"/>
+                      </p:stCondLst>
+                      <p:childTnLst>
+                        <p:par>
+                          <p:cTn id="4" fill="hold">
+                            <p:stCondLst>
+                              <p:cond delay="0"/>
+                            </p:stCondLst>
+                            <p:childTnLst>
+                              <p:par>
+                                <p:cTn id="5" presetID="1" presetClass="entr" presetSubtype="0" fill="hold" grpId="0" nodeType="clickEffect">
+                                  <p:stCondLst>
+                                    <p:cond delay="0"/>
+                                  </p:stCondLst>
+                                  <p:childTnLst>
+                                    <p:set>
+                                      <p:cBhvr>
+                                        <p:cTn id="6" dur="1" fill="hold">
+                                          <p:stCondLst>
+                                            <p:cond delay="0"/>
+                                          </p:stCondLst>
+                                        </p:cTn>
+                                        <p:tgtEl>
+                                          <p:spTgt spid="3">
+                                            <p:txEl>
+                                              <p:pRg st="0" end="0"/>
+                                            </p:txEl>
+                                          </p:spTgt>
+                                        </p:tgtEl>
+                                        <p:attrNameLst>
+                                          <p:attrName>style.visibility</p:attrName>
+                                        </p:attrNameLst>
+                                      </p:cBhvr>
+                                      <p:to>
+                                        <p:strVal val="visible"/>
+                                      </p:to>
+                                    </p:set>
+                                  </p:childTnLst>
+                                </p:cTn>
+                              </p:par>
+                              <p:par>
+                                <p:cTn id="7" presetID="1" presetClass="entr" presetSubtype="0" fill="hold" nodeType="withEffect">
+                                  <p:stCondLst>
+                                    <p:cond delay="0"/>
+                                  </p:stCondLst>
+                                  <p:childTnLst>
+                                    <p:set>
+                                      <p:cBhvr>
+                                        <p:cTn id="8" dur="1" fill="hold">
+                                          <p:stCondLst>
+                                            <p:cond delay="0"/>
+                                          </p:stCondLst>
+                                        </p:cTn>
+                                        <p:tgtEl>
+                                          <p:spTgt spid="6"/>
+                                        </p:tgtEl>
+                                        <p:attrNameLst>
+                                          <p:attrName>style.visibility</p:attrName>
+                                        </p:attrNameLst>
+                                      </p:cBhvr>
+                                      <p:to>
+                                        <p:strVal val="visible"/>
+                                      </p:to>
+                                    </p:set>
+                                  </p:childTnLst>
+                                </p:cTn>
+                              </p:par>
+                              <p:par>
+                                <p:cTn id="9" presetID="1" presetClass="entr" presetSubtype="0" fill="hold" grpId="0" nodeType="withEffect">
+                                  <p:stCondLst>
+                                    <p:cond delay="0"/>
+                                  </p:stCondLst>
+                                  <p:childTnLst>
+                                    <p:set>
+                                      <p:cBhvr>
+                                        <p:cTn id="10" dur="1" fill="hold">
+                                          <p:stCondLst>
+                                            <p:cond delay="0"/>
+                                          </p:stCondLst>
+                                        </p:cTn>
+                                        <p:tgtEl>
+                                          <p:spTgt spid="7"/>
+                                        </p:tgtEl>
+                                        <p:attrNameLst>
+                                          <p:attrName>style.visibility</p:attrName>
+                                        </p:attrNameLst>
+                                      </p:cBhvr>
+                                      <p:to>
+                                        <p:strVal val="visible"/>
+                                      </p:to>
+                                    </p:set>
+                                  </p:childTnLst>
+                                </p:cTn>
+                              </p:par>
+                            </p:childTnLst>
+                          </p:cTn>
+                        </p:par>
+                      </p:childTnLst>
+                    </p:cTn>
+                  </p:par>
+                  <p:par>
+                    <p:cTn id="11" fill="hold">
+                      <p:stCondLst>
+                        <p:cond delay="indefinite"/>
+                      </p:stCondLst>
+                      <p:childTnLst>
+                        <p:par>
+                          <p:cTn id="12" fill="hold">
+                            <p:stCondLst>
+                              <p:cond delay="0"/>
+                            </p:stCondLst>
+                            <p:childTnLst>
+                              <p:par>
+                                <p:cTn id="13" presetID="1" presetClass="entr" presetSubtype="0" fill="hold" grpId="0" nodeType="clickEffect">
+                                  <p:stCondLst>
+                                    <p:cond delay="0"/>
+                                  </p:stCondLst>
+                                  <p:childTnLst>
+                                    <p:set>
+                                      <p:cBhvr>
+                                        <p:cTn id="14" dur="1" fill="hold">
+                                          <p:stCondLst>
+                                            <p:cond delay="0"/>
+                                          </p:stCondLst>
+                                        </p:cTn>
+                                        <p:tgtEl>
+                                          <p:spTgt spid="3">
+                                            <p:txEl>
+                                              <p:pRg st="1" end="1"/>
+                                            </p:txEl>
+                                          </p:spTgt>
+                                        </p:tgtEl>
+                                        <p:attrNameLst>
+                                          <p:attrName>style.visibility</p:attrName>
+                                        </p:attrNameLst>
+                                      </p:cBhvr>
+                                      <p:to>
+                                        <p:strVal val="visible"/>
+                                      </p:to>
+                                    </p:set>
+                                  </p:childTnLst>
+                                </p:cTn>
+                              </p:par>
+                            </p:childTnLst>
+                          </p:cTn>
+                        </p:par>
+                      </p:childTnLst>
+                    </p:cTn>
+                  </p:par>
+                  <p:par>
+                    <p:cTn id="15" fill="hold">
+                      <p:stCondLst>
+                        <p:cond delay="indefinite"/>
+                      </p:stCondLst>
+                      <p:childTnLst>
+                        <p:par>
+                          <p:cTn id="16" fill="hold">
+                            <p:stCondLst>
+                              <p:cond delay="0"/>
+                            </p:stCondLst>
+                            <p:childTnLst>
+                              <p:par>
+                                <p:cTn id="17" presetID="1" presetClass="entr" presetSubtype="0" fill="hold" grpId="0" nodeType="clickEffect">
+                                  <p:stCondLst>
+                                    <p:cond delay="0"/>
+                                  </p:stCondLst>
+                                  <p:childTnLst>
+                                    <p:set>
+                                      <p:cBhvr>
+                                        <p:cTn id="18" dur="1" fill="hold">
+                                          <p:stCondLst>
+                                            <p:cond delay="0"/>
+                                          </p:stCondLst>
+                                        </p:cTn>
+                                        <p:tgtEl>
+                                          <p:spTgt spid="3">
+                                            <p:txEl>
+                                              <p:pRg st="2" end="2"/>
+                                            </p:txEl>
+                                          </p:spTgt>
+                                        </p:tgtEl>
+                                        <p:attrNameLst>
+                                          <p:attrName>style.visibility</p:attrName>
+                                        </p:attrNameLst>
+                                      </p:cBhvr>
+                                      <p:to>
+                                        <p:strVal val="visible"/>
+                                      </p:to>
+                                    </p:set>
+                                  </p:childTnLst>
+                                </p:cTn>
+                              </p:par>
+                              <p:par>
+                                <p:cTn id="19" presetID="1" presetClass="entr" presetSubtype="0" fill="hold" grpId="0" nodeType="withEffect">
+                                  <p:stCondLst>
+                                    <p:cond delay="0"/>
+                                  </p:stCondLst>
+                                  <p:childTnLst>
+                                    <p:set>
+                                      <p:cBhvr>
+                                        <p:cTn id="20" dur="1" fill="hold">
+                                          <p:stCondLst>
+                                            <p:cond delay="0"/>
+                                          </p:stCondLst>
+                                        </p:cTn>
+                                        <p:tgtEl>
+                                          <p:spTgt spid="3">
+                                            <p:txEl>
+                                              <p:pRg st="3" end="3"/>
+                                            </p:txEl>
+                                          </p:spTgt>
+                                        </p:tgtEl>
+                                        <p:attrNameLst>
+                                          <p:attrName>style.visibility</p:attrName>
+                                        </p:attrNameLst>
+                                      </p:cBhvr>
+                                      <p:to>
+                                        <p:strVal val="visible"/>
+                                      </p:to>
+                                    </p:set>
+                                  </p:childTnLst>
+                                </p:cTn>
+                              </p:par>
+                            </p:childTnLst>
+                          </p:cTn>
+                        </p:par>
+                      </p:childTnLst>
+                    </p:cTn>
+                  </p:par>
+                  <p:par>
+                    <p:cTn id="21" fill="hold">
+                      <p:stCondLst>
+                        <p:cond delay="indefinite"/>
+                      </p:stCondLst>
+                      <p:childTnLst>
+                        <p:par>
+                          <p:cTn id="22" fill="hold">
+                            <p:stCondLst>
+                              <p:cond delay="0"/>
+                            </p:stCondLst>
+                            <p:childTnLst>
+                              <p:par>
+                                <p:cTn id="23" presetID="1" presetClass="entr" presetSubtype="0" fill="hold" grpId="0" nodeType="clickEffect">
+                                  <p:stCondLst>
+                                    <p:cond delay="0"/>
+                                  </p:stCondLst>
+                                  <p:childTnLst>
+                                    <p:set>
+                                      <p:cBhvr>
+                                        <p:cTn id="24" dur="1" fill="hold">
+                                          <p:stCondLst>
+                                            <p:cond delay="0"/>
+                                          </p:stCondLst>
+                                        </p:cTn>
+                                        <p:tgtEl>
+                                          <p:spTgt spid="3">
+                                            <p:txEl>
+                                              <p:pRg st="4" end="4"/>
+                                            </p:txEl>
+                                          </p:spTgt>
+                                        </p:tgtEl>
+                                        <p:attrNameLst>
+                                          <p:attrName>style.visibility</p:attrName>
+                                        </p:attrNameLst>
+                                      </p:cBhvr>
+                                      <p:to>
+                                        <p:strVal val="visible"/>
+                                      </p:to>
+                                    </p:set>
+                                  </p:childTnLst>
+                                </p:cTn>
+                              </p:par>
+                            </p:childTnLst>
+                          </p:cTn>
+                        </p:par>
+                      </p:childTnLst>
+                    </p:cTn>
+                  </p:par>
+                  <p:par>
+                    <p:cTn id="25" fill="hold">
+                      <p:stCondLst>
+                        <p:cond delay="indefinite"/>
+                      </p:stCondLst>
+                      <p:childTnLst>
+                        <p:par>
+                          <p:cTn id="26" fill="hold">
+                            <p:stCondLst>
+                              <p:cond delay="0"/>
+                            </p:stCondLst>
+                            <p:childTnLst>
+                              <p:par>
+                                <p:cTn id="27" presetID="1" presetClass="entr" presetSubtype="0" fill="hold" grpId="0" nodeType="clickEffect">
+                                  <p:stCondLst>
+                                    <p:cond delay="0"/>
+                                  </p:stCondLst>
+                                  <p:childTnLst>
+                                    <p:set>
+                                      <p:cBhvr>
+                                        <p:cTn id="28" dur="1" fill="hold">
+                                          <p:stCondLst>
+                                            <p:cond delay="0"/>
+                                          </p:stCondLst>
+                                        </p:cTn>
+                                        <p:tgtEl>
+                                          <p:spTgt spid="3">
+                                            <p:txEl>
+                                              <p:pRg st="5" end="5"/>
+                                            </p:txEl>
+                                          </p:spTgt>
+                                        </p:tgtEl>
+                                        <p:attrNameLst>
+                                          <p:attrName>style.visibility</p:attrName>
+                                        </p:attrNameLst>
+                                      </p:cBhvr>
+                                      <p:to>
+                                        <p:strVal val="visible"/>
+                                      </p:to>
+                                    </p:set>
+                                  </p:childTnLst>
+                                </p:cTn>
+                              </p:par>
+                              <p:par>
+                                <p:cTn id="29" presetID="1" presetClass="entr" presetSubtype="0" fill="hold" grpId="0" nodeType="withEffect">
+                                  <p:stCondLst>
+                                    <p:cond delay="0"/>
+                                  </p:stCondLst>
+                                  <p:childTnLst>
+                                    <p:set>
+                                      <p:cBhvr>
+                                        <p:cTn id="30" dur="1" fill="hold">
+                                          <p:stCondLst>
+                                            <p:cond delay="0"/>
+                                          </p:stCondLst>
+                                        </p:cTn>
+                                        <p:tgtEl>
+                                          <p:spTgt spid="3">
+                                            <p:txEl>
+                                              <p:pRg st="6" end="6"/>
+                                            </p:txEl>
+                                          </p:spTgt>
+                                        </p:tgtEl>
+                                        <p:attrNameLst>
+                                          <p:attrName>style.visibility</p:attrName>
+                                        </p:attrNameLst>
+                                      </p:cBhvr>
+                                      <p:to>
+                                        <p:strVal val="visible"/>
+                                      </p:to>
+                                    </p:set>
+                                  </p:childTnLst>
+                                </p:cTn>
+                              </p:par>
+                              <p:par>
+                                <p:cTn id="31" presetID="1" presetClass="entr" presetSubtype="0" fill="hold" grpId="0" nodeType="withEffect">
+                                  <p:stCondLst>
+                                    <p:cond delay="0"/>
+                                  </p:stCondLst>
+                                  <p:childTnLst>
+                                    <p:set>
+                                      <p:cBhvr>
+                                        <p:cTn id="32" dur="1" fill="hold">
+                                          <p:stCondLst>
+                                            <p:cond delay="0"/>
+                                          </p:stCondLst>
+                                        </p:cTn>
+                                        <p:tgtEl>
+                                          <p:spTgt spid="3">
+                                            <p:txEl>
+                                              <p:pRg st="7" end="7"/>
+                                            </p:txEl>
+                                          </p:spTgt>
+                                        </p:tgtEl>
+                                        <p:attrNameLst>
+                                          <p:attrName>style.visibility</p:attrName>
+                                        </p:attrNameLst>
+                                      </p:cBhvr>
+                                      <p:to>
+                                        <p:strVal val="visible"/>
+                                      </p:to>
+                                    </p:set>
+                                  </p:childTnLst>
+                                </p:cTn>
+                              </p:par>
+                            </p:childTnLst>
+                          </p:cTn>
+                        </p:par>
+                      </p:childTnLst>
+                    </p:cTn>
+                  </p:par>
+                  <p:par>
+                    <p:cTn id="33" fill="hold">
+                      <p:stCondLst>
+                        <p:cond delay="indefinite"/>
+                      </p:stCondLst>
+                      <p:childTnLst>
+                        <p:par>
+                          <p:cTn id="34" fill="hold">
+                            <p:stCondLst>
+                              <p:cond delay="0"/>
+                            </p:stCondLst>
+                            <p:childTnLst>
+                              <p:par>
+                                <p:cTn id="35" presetID="1" presetClass="entr" presetSubtype="0" fill="hold" grpId="0" nodeType="clickEffect">
+                                  <p:stCondLst>
+                                    <p:cond delay="0"/>
+                                  </p:stCondLst>
+                                  <p:childTnLst>
+                                    <p:set>
+                                      <p:cBhvr>
+                                        <p:cTn id="36" dur="1" fill="hold">
+                                          <p:stCondLst>
+                                            <p:cond delay="0"/>
+                                          </p:stCondLst>
+                                        </p:cTn>
+                                        <p:tgtEl>
+                                          <p:spTgt spid="3">
+                                            <p:txEl>
+                                              <p:pRg st="8" end="8"/>
+                                            </p:txEl>
+                                          </p:spTgt>
+                                        </p:tgtEl>
+                                        <p:attrNameLst>
+                                          <p:attrName>style.visibility</p:attrName>
+                                        </p:attrNameLst>
+                                      </p:cBhvr>
+                                      <p:to>
+                                        <p:strVal val="visible"/>
+                                      </p:to>
+                                    </p:set>
+                                  </p:childTnLst>
+                                </p:cTn>
+                              </p:par>
+                              <p:par>
+                                <p:cTn id="37" presetID="1" presetClass="entr" presetSubtype="0" fill="hold" grpId="0" nodeType="withEffect">
+                                  <p:stCondLst>
+                                    <p:cond delay="0"/>
+                                  </p:stCondLst>
+                                  <p:childTnLst>
+                                    <p:set>
+                                      <p:cBhvr>
+                                        <p:cTn id="38" dur="1" fill="hold">
+                                          <p:stCondLst>
+                                            <p:cond delay="0"/>
+                                          </p:stCondLst>
+                                        </p:cTn>
+                                        <p:tgtEl>
+                                          <p:spTgt spid="3">
+                                            <p:txEl>
+                                              <p:pRg st="9" end="9"/>
+                                            </p:txEl>
+                                          </p:spTgt>
+                                        </p:tgtEl>
+                                        <p:attrNameLst>
+                                          <p:attrName>style.visibility</p:attrName>
+                                        </p:attrNameLst>
+                                      </p:cBhvr>
+                                      <p:to>
+                                        <p:strVal val="visible"/>
+                                      </p:to>
+                                    </p:set>
+                                  </p:childTnLst>
+                                </p:cTn>
+                              </p:par>
+                            </p:childTnLst>
+                          </p:cTn>
+                        </p:par>
+                      </p:childTnLst>
+                    </p:cTn>
+                  </p:par>
+                  <p:par>
+                    <p:cTn id="39" fill="hold">
+                      <p:stCondLst>
+                        <p:cond delay="indefinite"/>
+                      </p:stCondLst>
+                      <p:childTnLst>
+                        <p:par>
+                          <p:cTn id="40" fill="hold">
+                            <p:stCondLst>
+                              <p:cond delay="0"/>
+                            </p:stCondLst>
+                            <p:childTnLst>
+                              <p:par>
+                                <p:cTn id="41" presetID="1" presetClass="entr" presetSubtype="0" fill="hold" grpId="0" nodeType="clickEffect">
+                                  <p:stCondLst>
+                                    <p:cond delay="0"/>
+                                  </p:stCondLst>
+                                  <p:childTnLst>
+                                    <p:set>
+                                      <p:cBhvr>
+                                        <p:cTn id="42" dur="1" fill="hold">
+                                          <p:stCondLst>
+                                            <p:cond delay="0"/>
+                                          </p:stCondLst>
+                                        </p:cTn>
+                                        <p:tgtEl>
+                                          <p:spTgt spid="3">
+                                            <p:txEl>
+                                              <p:pRg st="11" end="11"/>
+                                            </p:txEl>
+                                          </p:spTgt>
+                                        </p:tgtEl>
+                                        <p:attrNameLst>
+                                          <p:attrName>style.visibility</p:attrName>
+                                        </p:attrNameLst>
+                                      </p:cBhvr>
+                                      <p:to>
+                                        <p:strVal val="visible"/>
+                                      </p:to>
+                                    </p:set>
+                                  </p:childTnLst>
+                                </p:cTn>
+                              </p:par>
+                            </p:childTnLst>
+                          </p:cTn>
+                        </p:par>
+                      </p:childTnLst>
+                    </p:cTn>
+                  </p:par>
+                </p:childTnLst>
+              </p:cTn>
+              <p:prevCondLst>
+                <p:cond evt="onPrev" delay="0">
+                  <p:tgtEl>
+                    <p:sldTgt/>
+                  </p:tgtEl>
+                </p:cond>
+              </p:prevCondLst>
+              <p:nextCondLst>
+                <p:cond evt="onNext" delay="0">
+                  <p:tgtEl>
+                    <p:sldTgt/>
+                  </p:tgtEl>
+                </p:cond>
+              </p:nextCondLst>
+            </p:seq>
+          </p:childTnLst>
+        </p:cTn>
+      </p:par>
+    </p:tnLst>
+    <p:bldLst>
+      <p:bldP spid="3" grpId="0" uiExpand="1" build="p"/>
+      <p:bldP spid="7" grpId="0"/>
+    </p:bldLst>
+  </p:timing>
+</p:sld>
+</file>
+
+<file path=ppt/slides/slide6.xml><?xml version="1.0" encoding="utf-8"?>
+<p:sld xmlns:a="http://schemas.openxmlformats.org/drawingml/2006/main" xmlns:r="http://schemas.openxmlformats.org/officeDocument/2006/relationships" xmlns:p="http://schemas.openxmlformats.org/presentationml/2006/main">
+  <p:cSld>
+    <p:spTree>
+      <p:nvGrpSpPr>
+        <p:cNvPr id="1" name=""/>
+        <p:cNvGrpSpPr/>
+        <p:nvPr/>
+      </p:nvGrpSpPr>
+      <p:grpSpPr>
+        <a:xfrm>
+          <a:off x="0" y="0"/>
+          <a:ext cx="0" cy="0"/>
+          <a:chOff x="0" y="0"/>
+          <a:chExt cx="0" cy="0"/>
+        </a:xfrm>
+      </p:grpSpPr>
+      <p:sp>
+        <p:nvSpPr>
           <p:cNvPr id="116738" name="Rectangle 2"/>
           <p:cNvSpPr>
             <a:spLocks noGrp="1" noChangeArrowheads="1"/>
@@ -6992,7 +12970,18 @@
             </a:r>
           </a:p>
           <a:p>
-            <a:pPr marL="457200" indent="-457200" eaLnBrk="1" hangingPunct="1"/>
+            <a:pPr marL="857250" lvl="1" indent="-457200"/>
+            <a:r>
+              <a:rPr lang="en-US" dirty="0" smtClean="0"/>
+              <a:t>We want to embrace change – Regression testing</a:t>
+            </a:r>
+          </a:p>
+          <a:p>
+            <a:pPr marL="857250" lvl="1" indent="-457200"/>
+            <a:endParaRPr lang="en-US" dirty="0"/>
+          </a:p>
+          <a:p>
+            <a:pPr marL="857250" lvl="1" indent="-457200"/>
             <a:endParaRPr lang="en-US" dirty="0" smtClean="0"/>
           </a:p>
           <a:p>
@@ -7150,7 +13139,7 @@
                                         <p:tgtEl>
                                           <p:spTgt spid="116739">
                                             <p:txEl>
-                                              <p:pRg st="2" end="2"/>
+                                              <p:pRg st="4" end="4"/>
                                             </p:txEl>
                                           </p:spTgt>
                                         </p:tgtEl>
@@ -7199,7 +13188,7 @@
                                         <p:tgtEl>
                                           <p:spTgt spid="116739">
                                             <p:txEl>
-                                              <p:pRg st="4" end="4"/>
+                                              <p:pRg st="6" end="6"/>
                                             </p:txEl>
                                           </p:spTgt>
                                         </p:tgtEl>
@@ -7248,7 +13237,7 @@
                                         <p:tgtEl>
                                           <p:spTgt spid="116739">
                                             <p:txEl>
-                                              <p:pRg st="5" end="5"/>
+                                              <p:pRg st="7" end="7"/>
                                             </p:txEl>
                                           </p:spTgt>
                                         </p:tgtEl>
@@ -7297,7 +13286,7 @@
                                         <p:tgtEl>
                                           <p:spTgt spid="116739">
                                             <p:txEl>
-                                              <p:pRg st="6" end="6"/>
+                                              <p:pRg st="8" end="8"/>
                                             </p:txEl>
                                           </p:spTgt>
                                         </p:tgtEl>
@@ -7346,7 +13335,7 @@
                                         <p:tgtEl>
                                           <p:spTgt spid="116739">
                                             <p:txEl>
-                                              <p:pRg st="7" end="7"/>
+                                              <p:pRg st="9" end="9"/>
                                             </p:txEl>
                                           </p:spTgt>
                                         </p:tgtEl>
@@ -7395,7 +13384,7 @@
                                         <p:tgtEl>
                                           <p:spTgt spid="116739">
                                             <p:txEl>
-                                              <p:pRg st="8" end="8"/>
+                                              <p:pRg st="10" end="10"/>
                                             </p:txEl>
                                           </p:spTgt>
                                         </p:tgtEl>
@@ -7444,7 +13433,7 @@
                                         <p:tgtEl>
                                           <p:spTgt spid="116739">
                                             <p:txEl>
-                                              <p:pRg st="9" end="9"/>
+                                              <p:pRg st="11" end="11"/>
                                             </p:txEl>
                                           </p:spTgt>
                                         </p:tgtEl>
@@ -7493,7 +13482,7 @@
 </p:sld>
 </file>
 
-<file path=ppt/slides/slide3.xml><?xml version="1.0" encoding="utf-8"?>
+<file path=ppt/slides/slide7.xml><?xml version="1.0" encoding="utf-8"?>
 <p:sld xmlns:a="http://schemas.openxmlformats.org/drawingml/2006/main" xmlns:r="http://schemas.openxmlformats.org/officeDocument/2006/relationships" xmlns:p="http://schemas.openxmlformats.org/presentationml/2006/main">
   <p:cSld>
     <p:spTree>
@@ -9052,7 +15041,7 @@
 </p:sld>
 </file>
 
-<file path=ppt/slides/slide4.xml><?xml version="1.0" encoding="utf-8"?>
+<file path=ppt/slides/slide8.xml><?xml version="1.0" encoding="utf-8"?>
 <p:sld xmlns:a="http://schemas.openxmlformats.org/drawingml/2006/main" xmlns:r="http://schemas.openxmlformats.org/officeDocument/2006/relationships" xmlns:p="http://schemas.openxmlformats.org/presentationml/2006/main">
   <p:cSld>
     <p:spTree>
@@ -9884,7 +15873,7 @@
 </p:sld>
 </file>
 
-<file path=ppt/slides/slide5.xml><?xml version="1.0" encoding="utf-8"?>
+<file path=ppt/slides/slide9.xml><?xml version="1.0" encoding="utf-8"?>
 <p:sld xmlns:a="http://schemas.openxmlformats.org/drawingml/2006/main" xmlns:r="http://schemas.openxmlformats.org/officeDocument/2006/relationships" xmlns:p="http://schemas.openxmlformats.org/presentationml/2006/main">
   <p:cSld>
     <p:spTree>
@@ -10085,7 +16074,7 @@
                 </a:solidFill>
               </a:rPr>
               <a:pPr/>
-              <a:t>5</a:t>
+              <a:t>9</a:t>
             </a:fld>
             <a:endParaRPr lang="en-US">
               <a:solidFill>
